--- a/產品簡介.pptx
+++ b/產品簡介.pptx
@@ -377,7 +377,7 @@
     </p:spTree>
     <p:extLst>
       <p:ext uri="{BB962C8B-B14F-4D97-AF65-F5344CB8AC3E}">
-        <p14:creationId xmlns:p14="http://schemas.microsoft.com/office/powerpoint/2010/main" xmlns="" val="1759276987"/>
+        <p14:creationId xmlns="" xmlns:p14="http://schemas.microsoft.com/office/powerpoint/2010/main" val="1759276987"/>
       </p:ext>
     </p:extLst>
   </p:cSld>
@@ -552,7 +552,7 @@
     </p:spTree>
     <p:extLst>
       <p:ext uri="{BB962C8B-B14F-4D97-AF65-F5344CB8AC3E}">
-        <p14:creationId xmlns:p14="http://schemas.microsoft.com/office/powerpoint/2010/main" xmlns="" val="4069039462"/>
+        <p14:creationId xmlns="" xmlns:p14="http://schemas.microsoft.com/office/powerpoint/2010/main" val="4069039462"/>
       </p:ext>
     </p:extLst>
   </p:cSld>
@@ -687,7 +687,7 @@
     </p:spTree>
     <p:extLst>
       <p:ext uri="{BB962C8B-B14F-4D97-AF65-F5344CB8AC3E}">
-        <p14:creationId xmlns:p14="http://schemas.microsoft.com/office/powerpoint/2010/main" xmlns="" val="1748171370"/>
+        <p14:creationId xmlns="" xmlns:p14="http://schemas.microsoft.com/office/powerpoint/2010/main" val="1748171370"/>
       </p:ext>
     </p:extLst>
   </p:cSld>
@@ -2414,7 +2414,7 @@
     </p:spTree>
     <p:extLst>
       <p:ext uri="{BB962C8B-B14F-4D97-AF65-F5344CB8AC3E}">
-        <p14:creationId xmlns:p14="http://schemas.microsoft.com/office/powerpoint/2010/main" xmlns="" val="3205938123"/>
+        <p14:creationId xmlns="" xmlns:p14="http://schemas.microsoft.com/office/powerpoint/2010/main" val="3205938123"/>
       </p:ext>
     </p:extLst>
   </p:cSld>
@@ -2947,7 +2947,7 @@
     </p:spTree>
     <p:extLst>
       <p:ext uri="{BB962C8B-B14F-4D97-AF65-F5344CB8AC3E}">
-        <p14:creationId xmlns:p14="http://schemas.microsoft.com/office/powerpoint/2010/main" xmlns="" val="4069039462"/>
+        <p14:creationId xmlns="" xmlns:p14="http://schemas.microsoft.com/office/powerpoint/2010/main" val="4069039462"/>
       </p:ext>
     </p:extLst>
   </p:cSld>
@@ -3219,7 +3219,7 @@
           <p:cNvPr id="2" name="標題 1">
             <a:extLst>
               <a:ext uri="{FF2B5EF4-FFF2-40B4-BE49-F238E27FC236}">
-                <a16:creationId xmlns:a16="http://schemas.microsoft.com/office/drawing/2014/main" xmlns="" id="{2CD0E6FB-7B7B-F909-1BF5-D12AC97350CA}"/>
+                <a16:creationId xmlns="" xmlns:a16="http://schemas.microsoft.com/office/drawing/2014/main" id="{2CD0E6FB-7B7B-F909-1BF5-D12AC97350CA}"/>
               </a:ext>
             </a:extLst>
           </p:cNvPr>
@@ -3256,7 +3256,7 @@
           <p:cNvPr id="3" name="副標題 2">
             <a:extLst>
               <a:ext uri="{FF2B5EF4-FFF2-40B4-BE49-F238E27FC236}">
-                <a16:creationId xmlns:a16="http://schemas.microsoft.com/office/drawing/2014/main" xmlns="" id="{B1CE7A28-DE13-5FF2-5382-C47964FA44BE}"/>
+                <a16:creationId xmlns="" xmlns:a16="http://schemas.microsoft.com/office/drawing/2014/main" id="{B1CE7A28-DE13-5FF2-5382-C47964FA44BE}"/>
               </a:ext>
             </a:extLst>
           </p:cNvPr>
@@ -3326,7 +3326,7 @@
           <p:cNvPr id="4" name="日期版面配置區 3">
             <a:extLst>
               <a:ext uri="{FF2B5EF4-FFF2-40B4-BE49-F238E27FC236}">
-                <a16:creationId xmlns:a16="http://schemas.microsoft.com/office/drawing/2014/main" xmlns="" id="{6C99ED39-E741-9612-DA17-7C13411BD590}"/>
+                <a16:creationId xmlns="" xmlns:a16="http://schemas.microsoft.com/office/drawing/2014/main" id="{6C99ED39-E741-9612-DA17-7C13411BD590}"/>
               </a:ext>
             </a:extLst>
           </p:cNvPr>
@@ -3356,7 +3356,7 @@
           <p:cNvPr id="5" name="頁尾版面配置區 4">
             <a:extLst>
               <a:ext uri="{FF2B5EF4-FFF2-40B4-BE49-F238E27FC236}">
-                <a16:creationId xmlns:a16="http://schemas.microsoft.com/office/drawing/2014/main" xmlns="" id="{5724EFE7-99E2-51A0-DC5F-5C30126EF946}"/>
+                <a16:creationId xmlns="" xmlns:a16="http://schemas.microsoft.com/office/drawing/2014/main" id="{5724EFE7-99E2-51A0-DC5F-5C30126EF946}"/>
               </a:ext>
             </a:extLst>
           </p:cNvPr>
@@ -3381,7 +3381,7 @@
           <p:cNvPr id="6" name="投影片編號版面配置區 5">
             <a:extLst>
               <a:ext uri="{FF2B5EF4-FFF2-40B4-BE49-F238E27FC236}">
-                <a16:creationId xmlns:a16="http://schemas.microsoft.com/office/drawing/2014/main" xmlns="" id="{2A26E2F8-DDF5-CAB5-C549-C41D6F4B257E}"/>
+                <a16:creationId xmlns="" xmlns:a16="http://schemas.microsoft.com/office/drawing/2014/main" id="{2A26E2F8-DDF5-CAB5-C549-C41D6F4B257E}"/>
               </a:ext>
             </a:extLst>
           </p:cNvPr>
@@ -3409,7 +3409,7 @@
     </p:spTree>
     <p:extLst>
       <p:ext uri="{BB962C8B-B14F-4D97-AF65-F5344CB8AC3E}">
-        <p14:creationId xmlns:p14="http://schemas.microsoft.com/office/powerpoint/2010/main" xmlns="" val="987678864"/>
+        <p14:creationId xmlns="" xmlns:p14="http://schemas.microsoft.com/office/powerpoint/2010/main" val="987678864"/>
       </p:ext>
     </p:extLst>
   </p:cSld>
@@ -3441,7 +3441,7 @@
           <p:cNvPr id="2" name="標題 1">
             <a:extLst>
               <a:ext uri="{FF2B5EF4-FFF2-40B4-BE49-F238E27FC236}">
-                <a16:creationId xmlns:a16="http://schemas.microsoft.com/office/drawing/2014/main" xmlns="" id="{A5B7053A-6E0F-5028-DC19-97F986B5710A}"/>
+                <a16:creationId xmlns="" xmlns:a16="http://schemas.microsoft.com/office/drawing/2014/main" id="{A5B7053A-6E0F-5028-DC19-97F986B5710A}"/>
               </a:ext>
             </a:extLst>
           </p:cNvPr>
@@ -3469,7 +3469,7 @@
           <p:cNvPr id="3" name="直排文字版面配置區 2">
             <a:extLst>
               <a:ext uri="{FF2B5EF4-FFF2-40B4-BE49-F238E27FC236}">
-                <a16:creationId xmlns:a16="http://schemas.microsoft.com/office/drawing/2014/main" xmlns="" id="{FA4D0D79-C526-E4E5-1C6D-013ADEA0DFBA}"/>
+                <a16:creationId xmlns="" xmlns:a16="http://schemas.microsoft.com/office/drawing/2014/main" id="{FA4D0D79-C526-E4E5-1C6D-013ADEA0DFBA}"/>
               </a:ext>
             </a:extLst>
           </p:cNvPr>
@@ -3526,7 +3526,7 @@
           <p:cNvPr id="4" name="日期版面配置區 3">
             <a:extLst>
               <a:ext uri="{FF2B5EF4-FFF2-40B4-BE49-F238E27FC236}">
-                <a16:creationId xmlns:a16="http://schemas.microsoft.com/office/drawing/2014/main" xmlns="" id="{4375BD5B-41FF-8FDE-F651-127CD9F040A3}"/>
+                <a16:creationId xmlns="" xmlns:a16="http://schemas.microsoft.com/office/drawing/2014/main" id="{4375BD5B-41FF-8FDE-F651-127CD9F040A3}"/>
               </a:ext>
             </a:extLst>
           </p:cNvPr>
@@ -3556,7 +3556,7 @@
           <p:cNvPr id="5" name="頁尾版面配置區 4">
             <a:extLst>
               <a:ext uri="{FF2B5EF4-FFF2-40B4-BE49-F238E27FC236}">
-                <a16:creationId xmlns:a16="http://schemas.microsoft.com/office/drawing/2014/main" xmlns="" id="{B6B749A4-644D-9723-337D-38FD05E2EFA0}"/>
+                <a16:creationId xmlns="" xmlns:a16="http://schemas.microsoft.com/office/drawing/2014/main" id="{B6B749A4-644D-9723-337D-38FD05E2EFA0}"/>
               </a:ext>
             </a:extLst>
           </p:cNvPr>
@@ -3581,7 +3581,7 @@
           <p:cNvPr id="6" name="投影片編號版面配置區 5">
             <a:extLst>
               <a:ext uri="{FF2B5EF4-FFF2-40B4-BE49-F238E27FC236}">
-                <a16:creationId xmlns:a16="http://schemas.microsoft.com/office/drawing/2014/main" xmlns="" id="{E0B96040-E9A2-0584-7EE6-2B1A5B1997BE}"/>
+                <a16:creationId xmlns="" xmlns:a16="http://schemas.microsoft.com/office/drawing/2014/main" id="{E0B96040-E9A2-0584-7EE6-2B1A5B1997BE}"/>
               </a:ext>
             </a:extLst>
           </p:cNvPr>
@@ -3609,7 +3609,7 @@
     </p:spTree>
     <p:extLst>
       <p:ext uri="{BB962C8B-B14F-4D97-AF65-F5344CB8AC3E}">
-        <p14:creationId xmlns:p14="http://schemas.microsoft.com/office/powerpoint/2010/main" xmlns="" val="3536740035"/>
+        <p14:creationId xmlns="" xmlns:p14="http://schemas.microsoft.com/office/powerpoint/2010/main" val="3536740035"/>
       </p:ext>
     </p:extLst>
   </p:cSld>
@@ -3641,7 +3641,7 @@
           <p:cNvPr id="2" name="直排標題 1">
             <a:extLst>
               <a:ext uri="{FF2B5EF4-FFF2-40B4-BE49-F238E27FC236}">
-                <a16:creationId xmlns:a16="http://schemas.microsoft.com/office/drawing/2014/main" xmlns="" id="{2C61F1CC-666D-5386-1BB7-976E4BDD8C76}"/>
+                <a16:creationId xmlns="" xmlns:a16="http://schemas.microsoft.com/office/drawing/2014/main" id="{2C61F1CC-666D-5386-1BB7-976E4BDD8C76}"/>
               </a:ext>
             </a:extLst>
           </p:cNvPr>
@@ -3674,7 +3674,7 @@
           <p:cNvPr id="3" name="直排文字版面配置區 2">
             <a:extLst>
               <a:ext uri="{FF2B5EF4-FFF2-40B4-BE49-F238E27FC236}">
-                <a16:creationId xmlns:a16="http://schemas.microsoft.com/office/drawing/2014/main" xmlns="" id="{F92AD93E-AE08-FA8A-7071-D1071740467B}"/>
+                <a16:creationId xmlns="" xmlns:a16="http://schemas.microsoft.com/office/drawing/2014/main" id="{F92AD93E-AE08-FA8A-7071-D1071740467B}"/>
               </a:ext>
             </a:extLst>
           </p:cNvPr>
@@ -3736,7 +3736,7 @@
           <p:cNvPr id="4" name="日期版面配置區 3">
             <a:extLst>
               <a:ext uri="{FF2B5EF4-FFF2-40B4-BE49-F238E27FC236}">
-                <a16:creationId xmlns:a16="http://schemas.microsoft.com/office/drawing/2014/main" xmlns="" id="{18AC7D99-71FA-C532-4957-08428F7B0802}"/>
+                <a16:creationId xmlns="" xmlns:a16="http://schemas.microsoft.com/office/drawing/2014/main" id="{18AC7D99-71FA-C532-4957-08428F7B0802}"/>
               </a:ext>
             </a:extLst>
           </p:cNvPr>
@@ -3766,7 +3766,7 @@
           <p:cNvPr id="5" name="頁尾版面配置區 4">
             <a:extLst>
               <a:ext uri="{FF2B5EF4-FFF2-40B4-BE49-F238E27FC236}">
-                <a16:creationId xmlns:a16="http://schemas.microsoft.com/office/drawing/2014/main" xmlns="" id="{9EA856D5-87B4-E51F-E418-39E5E64D70CB}"/>
+                <a16:creationId xmlns="" xmlns:a16="http://schemas.microsoft.com/office/drawing/2014/main" id="{9EA856D5-87B4-E51F-E418-39E5E64D70CB}"/>
               </a:ext>
             </a:extLst>
           </p:cNvPr>
@@ -3791,7 +3791,7 @@
           <p:cNvPr id="6" name="投影片編號版面配置區 5">
             <a:extLst>
               <a:ext uri="{FF2B5EF4-FFF2-40B4-BE49-F238E27FC236}">
-                <a16:creationId xmlns:a16="http://schemas.microsoft.com/office/drawing/2014/main" xmlns="" id="{12552C20-E052-72E6-534C-B8799655B48E}"/>
+                <a16:creationId xmlns="" xmlns:a16="http://schemas.microsoft.com/office/drawing/2014/main" id="{12552C20-E052-72E6-534C-B8799655B48E}"/>
               </a:ext>
             </a:extLst>
           </p:cNvPr>
@@ -3819,7 +3819,7 @@
     </p:spTree>
     <p:extLst>
       <p:ext uri="{BB962C8B-B14F-4D97-AF65-F5344CB8AC3E}">
-        <p14:creationId xmlns:p14="http://schemas.microsoft.com/office/powerpoint/2010/main" xmlns="" val="1519589652"/>
+        <p14:creationId xmlns="" xmlns:p14="http://schemas.microsoft.com/office/powerpoint/2010/main" val="1519589652"/>
       </p:ext>
     </p:extLst>
   </p:cSld>
@@ -3851,7 +3851,7 @@
           <p:cNvPr id="2" name="標題 1">
             <a:extLst>
               <a:ext uri="{FF2B5EF4-FFF2-40B4-BE49-F238E27FC236}">
-                <a16:creationId xmlns:a16="http://schemas.microsoft.com/office/drawing/2014/main" xmlns="" id="{7DAB742F-9B6E-DFCB-846A-E839FDD0C0B6}"/>
+                <a16:creationId xmlns="" xmlns:a16="http://schemas.microsoft.com/office/drawing/2014/main" id="{7DAB742F-9B6E-DFCB-846A-E839FDD0C0B6}"/>
               </a:ext>
             </a:extLst>
           </p:cNvPr>
@@ -3879,7 +3879,7 @@
           <p:cNvPr id="3" name="內容版面配置區 2">
             <a:extLst>
               <a:ext uri="{FF2B5EF4-FFF2-40B4-BE49-F238E27FC236}">
-                <a16:creationId xmlns:a16="http://schemas.microsoft.com/office/drawing/2014/main" xmlns="" id="{B2D44134-4BB1-117E-FA07-DAC806C335C6}"/>
+                <a16:creationId xmlns="" xmlns:a16="http://schemas.microsoft.com/office/drawing/2014/main" id="{B2D44134-4BB1-117E-FA07-DAC806C335C6}"/>
               </a:ext>
             </a:extLst>
           </p:cNvPr>
@@ -3936,7 +3936,7 @@
           <p:cNvPr id="4" name="日期版面配置區 3">
             <a:extLst>
               <a:ext uri="{FF2B5EF4-FFF2-40B4-BE49-F238E27FC236}">
-                <a16:creationId xmlns:a16="http://schemas.microsoft.com/office/drawing/2014/main" xmlns="" id="{F1B6C17B-B94F-70B4-1AAB-59E394C37AD6}"/>
+                <a16:creationId xmlns="" xmlns:a16="http://schemas.microsoft.com/office/drawing/2014/main" id="{F1B6C17B-B94F-70B4-1AAB-59E394C37AD6}"/>
               </a:ext>
             </a:extLst>
           </p:cNvPr>
@@ -3966,7 +3966,7 @@
           <p:cNvPr id="5" name="頁尾版面配置區 4">
             <a:extLst>
               <a:ext uri="{FF2B5EF4-FFF2-40B4-BE49-F238E27FC236}">
-                <a16:creationId xmlns:a16="http://schemas.microsoft.com/office/drawing/2014/main" xmlns="" id="{DF9FEE71-B4C2-70FF-C489-2144BB782479}"/>
+                <a16:creationId xmlns="" xmlns:a16="http://schemas.microsoft.com/office/drawing/2014/main" id="{DF9FEE71-B4C2-70FF-C489-2144BB782479}"/>
               </a:ext>
             </a:extLst>
           </p:cNvPr>
@@ -3991,7 +3991,7 @@
           <p:cNvPr id="6" name="投影片編號版面配置區 5">
             <a:extLst>
               <a:ext uri="{FF2B5EF4-FFF2-40B4-BE49-F238E27FC236}">
-                <a16:creationId xmlns:a16="http://schemas.microsoft.com/office/drawing/2014/main" xmlns="" id="{3D0E2120-EDC6-D77C-7F3F-FDB1D537F9C1}"/>
+                <a16:creationId xmlns="" xmlns:a16="http://schemas.microsoft.com/office/drawing/2014/main" id="{3D0E2120-EDC6-D77C-7F3F-FDB1D537F9C1}"/>
               </a:ext>
             </a:extLst>
           </p:cNvPr>
@@ -4019,7 +4019,7 @@
     </p:spTree>
     <p:extLst>
       <p:ext uri="{BB962C8B-B14F-4D97-AF65-F5344CB8AC3E}">
-        <p14:creationId xmlns:p14="http://schemas.microsoft.com/office/powerpoint/2010/main" xmlns="" val="1842765412"/>
+        <p14:creationId xmlns="" xmlns:p14="http://schemas.microsoft.com/office/powerpoint/2010/main" val="1842765412"/>
       </p:ext>
     </p:extLst>
   </p:cSld>
@@ -4051,7 +4051,7 @@
           <p:cNvPr id="2" name="標題 1">
             <a:extLst>
               <a:ext uri="{FF2B5EF4-FFF2-40B4-BE49-F238E27FC236}">
-                <a16:creationId xmlns:a16="http://schemas.microsoft.com/office/drawing/2014/main" xmlns="" id="{3803C411-BB53-1BF7-BE57-834B072019A0}"/>
+                <a16:creationId xmlns="" xmlns:a16="http://schemas.microsoft.com/office/drawing/2014/main" id="{3803C411-BB53-1BF7-BE57-834B072019A0}"/>
               </a:ext>
             </a:extLst>
           </p:cNvPr>
@@ -4088,7 +4088,7 @@
           <p:cNvPr id="3" name="文字版面配置區 2">
             <a:extLst>
               <a:ext uri="{FF2B5EF4-FFF2-40B4-BE49-F238E27FC236}">
-                <a16:creationId xmlns:a16="http://schemas.microsoft.com/office/drawing/2014/main" xmlns="" id="{70E5F4F6-CF3A-D61C-AF63-4313705E438A}"/>
+                <a16:creationId xmlns="" xmlns:a16="http://schemas.microsoft.com/office/drawing/2014/main" id="{70E5F4F6-CF3A-D61C-AF63-4313705E438A}"/>
               </a:ext>
             </a:extLst>
           </p:cNvPr>
@@ -4213,7 +4213,7 @@
           <p:cNvPr id="4" name="日期版面配置區 3">
             <a:extLst>
               <a:ext uri="{FF2B5EF4-FFF2-40B4-BE49-F238E27FC236}">
-                <a16:creationId xmlns:a16="http://schemas.microsoft.com/office/drawing/2014/main" xmlns="" id="{E1700BB1-3F23-2333-F461-F022C90E9FEB}"/>
+                <a16:creationId xmlns="" xmlns:a16="http://schemas.microsoft.com/office/drawing/2014/main" id="{E1700BB1-3F23-2333-F461-F022C90E9FEB}"/>
               </a:ext>
             </a:extLst>
           </p:cNvPr>
@@ -4243,7 +4243,7 @@
           <p:cNvPr id="5" name="頁尾版面配置區 4">
             <a:extLst>
               <a:ext uri="{FF2B5EF4-FFF2-40B4-BE49-F238E27FC236}">
-                <a16:creationId xmlns:a16="http://schemas.microsoft.com/office/drawing/2014/main" xmlns="" id="{1A07DFAC-3314-8B7D-F223-019B13C6AC7A}"/>
+                <a16:creationId xmlns="" xmlns:a16="http://schemas.microsoft.com/office/drawing/2014/main" id="{1A07DFAC-3314-8B7D-F223-019B13C6AC7A}"/>
               </a:ext>
             </a:extLst>
           </p:cNvPr>
@@ -4268,7 +4268,7 @@
           <p:cNvPr id="6" name="投影片編號版面配置區 5">
             <a:extLst>
               <a:ext uri="{FF2B5EF4-FFF2-40B4-BE49-F238E27FC236}">
-                <a16:creationId xmlns:a16="http://schemas.microsoft.com/office/drawing/2014/main" xmlns="" id="{5DF9FA55-3372-9163-AFA1-21784D9148AB}"/>
+                <a16:creationId xmlns="" xmlns:a16="http://schemas.microsoft.com/office/drawing/2014/main" id="{5DF9FA55-3372-9163-AFA1-21784D9148AB}"/>
               </a:ext>
             </a:extLst>
           </p:cNvPr>
@@ -4296,7 +4296,7 @@
     </p:spTree>
     <p:extLst>
       <p:ext uri="{BB962C8B-B14F-4D97-AF65-F5344CB8AC3E}">
-        <p14:creationId xmlns:p14="http://schemas.microsoft.com/office/powerpoint/2010/main" xmlns="" val="2238552289"/>
+        <p14:creationId xmlns="" xmlns:p14="http://schemas.microsoft.com/office/powerpoint/2010/main" val="2238552289"/>
       </p:ext>
     </p:extLst>
   </p:cSld>
@@ -4328,7 +4328,7 @@
           <p:cNvPr id="2" name="標題 1">
             <a:extLst>
               <a:ext uri="{FF2B5EF4-FFF2-40B4-BE49-F238E27FC236}">
-                <a16:creationId xmlns:a16="http://schemas.microsoft.com/office/drawing/2014/main" xmlns="" id="{FB94A59F-E5AA-1C6B-4747-23D9E118A354}"/>
+                <a16:creationId xmlns="" xmlns:a16="http://schemas.microsoft.com/office/drawing/2014/main" id="{FB94A59F-E5AA-1C6B-4747-23D9E118A354}"/>
               </a:ext>
             </a:extLst>
           </p:cNvPr>
@@ -4356,7 +4356,7 @@
           <p:cNvPr id="3" name="內容版面配置區 2">
             <a:extLst>
               <a:ext uri="{FF2B5EF4-FFF2-40B4-BE49-F238E27FC236}">
-                <a16:creationId xmlns:a16="http://schemas.microsoft.com/office/drawing/2014/main" xmlns="" id="{6AC0A7EB-5634-C550-57C1-73C840606459}"/>
+                <a16:creationId xmlns="" xmlns:a16="http://schemas.microsoft.com/office/drawing/2014/main" id="{6AC0A7EB-5634-C550-57C1-73C840606459}"/>
               </a:ext>
             </a:extLst>
           </p:cNvPr>
@@ -4418,7 +4418,7 @@
           <p:cNvPr id="4" name="內容版面配置區 3">
             <a:extLst>
               <a:ext uri="{FF2B5EF4-FFF2-40B4-BE49-F238E27FC236}">
-                <a16:creationId xmlns:a16="http://schemas.microsoft.com/office/drawing/2014/main" xmlns="" id="{E3C38A89-6989-DC4E-07C0-B78825400BD8}"/>
+                <a16:creationId xmlns="" xmlns:a16="http://schemas.microsoft.com/office/drawing/2014/main" id="{E3C38A89-6989-DC4E-07C0-B78825400BD8}"/>
               </a:ext>
             </a:extLst>
           </p:cNvPr>
@@ -4480,7 +4480,7 @@
           <p:cNvPr id="5" name="日期版面配置區 4">
             <a:extLst>
               <a:ext uri="{FF2B5EF4-FFF2-40B4-BE49-F238E27FC236}">
-                <a16:creationId xmlns:a16="http://schemas.microsoft.com/office/drawing/2014/main" xmlns="" id="{00F3C4EB-7238-6A8A-695D-650FD85E29B9}"/>
+                <a16:creationId xmlns="" xmlns:a16="http://schemas.microsoft.com/office/drawing/2014/main" id="{00F3C4EB-7238-6A8A-695D-650FD85E29B9}"/>
               </a:ext>
             </a:extLst>
           </p:cNvPr>
@@ -4510,7 +4510,7 @@
           <p:cNvPr id="6" name="頁尾版面配置區 5">
             <a:extLst>
               <a:ext uri="{FF2B5EF4-FFF2-40B4-BE49-F238E27FC236}">
-                <a16:creationId xmlns:a16="http://schemas.microsoft.com/office/drawing/2014/main" xmlns="" id="{56C3AF47-EEA0-1005-931B-D418968C214E}"/>
+                <a16:creationId xmlns="" xmlns:a16="http://schemas.microsoft.com/office/drawing/2014/main" id="{56C3AF47-EEA0-1005-931B-D418968C214E}"/>
               </a:ext>
             </a:extLst>
           </p:cNvPr>
@@ -4535,7 +4535,7 @@
           <p:cNvPr id="7" name="投影片編號版面配置區 6">
             <a:extLst>
               <a:ext uri="{FF2B5EF4-FFF2-40B4-BE49-F238E27FC236}">
-                <a16:creationId xmlns:a16="http://schemas.microsoft.com/office/drawing/2014/main" xmlns="" id="{424A7DC9-6A47-A4A5-EF2E-953AB9019F46}"/>
+                <a16:creationId xmlns="" xmlns:a16="http://schemas.microsoft.com/office/drawing/2014/main" id="{424A7DC9-6A47-A4A5-EF2E-953AB9019F46}"/>
               </a:ext>
             </a:extLst>
           </p:cNvPr>
@@ -4563,7 +4563,7 @@
     </p:spTree>
     <p:extLst>
       <p:ext uri="{BB962C8B-B14F-4D97-AF65-F5344CB8AC3E}">
-        <p14:creationId xmlns:p14="http://schemas.microsoft.com/office/powerpoint/2010/main" xmlns="" val="2692384493"/>
+        <p14:creationId xmlns="" xmlns:p14="http://schemas.microsoft.com/office/powerpoint/2010/main" val="2692384493"/>
       </p:ext>
     </p:extLst>
   </p:cSld>
@@ -4595,7 +4595,7 @@
           <p:cNvPr id="2" name="標題 1">
             <a:extLst>
               <a:ext uri="{FF2B5EF4-FFF2-40B4-BE49-F238E27FC236}">
-                <a16:creationId xmlns:a16="http://schemas.microsoft.com/office/drawing/2014/main" xmlns="" id="{C9FB82F5-E71C-4CBD-4195-0011576DABF0}"/>
+                <a16:creationId xmlns="" xmlns:a16="http://schemas.microsoft.com/office/drawing/2014/main" id="{C9FB82F5-E71C-4CBD-4195-0011576DABF0}"/>
               </a:ext>
             </a:extLst>
           </p:cNvPr>
@@ -4628,7 +4628,7 @@
           <p:cNvPr id="3" name="文字版面配置區 2">
             <a:extLst>
               <a:ext uri="{FF2B5EF4-FFF2-40B4-BE49-F238E27FC236}">
-                <a16:creationId xmlns:a16="http://schemas.microsoft.com/office/drawing/2014/main" xmlns="" id="{9D75D8DD-ED1D-6EC7-BD38-C8C06CE04A51}"/>
+                <a16:creationId xmlns="" xmlns:a16="http://schemas.microsoft.com/office/drawing/2014/main" id="{9D75D8DD-ED1D-6EC7-BD38-C8C06CE04A51}"/>
               </a:ext>
             </a:extLst>
           </p:cNvPr>
@@ -4699,7 +4699,7 @@
           <p:cNvPr id="4" name="內容版面配置區 3">
             <a:extLst>
               <a:ext uri="{FF2B5EF4-FFF2-40B4-BE49-F238E27FC236}">
-                <a16:creationId xmlns:a16="http://schemas.microsoft.com/office/drawing/2014/main" xmlns="" id="{309D3795-2C6B-2033-F751-62F9837197C2}"/>
+                <a16:creationId xmlns="" xmlns:a16="http://schemas.microsoft.com/office/drawing/2014/main" id="{309D3795-2C6B-2033-F751-62F9837197C2}"/>
               </a:ext>
             </a:extLst>
           </p:cNvPr>
@@ -4761,7 +4761,7 @@
           <p:cNvPr id="5" name="文字版面配置區 4">
             <a:extLst>
               <a:ext uri="{FF2B5EF4-FFF2-40B4-BE49-F238E27FC236}">
-                <a16:creationId xmlns:a16="http://schemas.microsoft.com/office/drawing/2014/main" xmlns="" id="{D02622AB-DC7C-E47C-4DFA-2CE374691C1E}"/>
+                <a16:creationId xmlns="" xmlns:a16="http://schemas.microsoft.com/office/drawing/2014/main" id="{D02622AB-DC7C-E47C-4DFA-2CE374691C1E}"/>
               </a:ext>
             </a:extLst>
           </p:cNvPr>
@@ -4832,7 +4832,7 @@
           <p:cNvPr id="6" name="內容版面配置區 5">
             <a:extLst>
               <a:ext uri="{FF2B5EF4-FFF2-40B4-BE49-F238E27FC236}">
-                <a16:creationId xmlns:a16="http://schemas.microsoft.com/office/drawing/2014/main" xmlns="" id="{6838A61E-C33D-F483-98CF-6A4B5C845901}"/>
+                <a16:creationId xmlns="" xmlns:a16="http://schemas.microsoft.com/office/drawing/2014/main" id="{6838A61E-C33D-F483-98CF-6A4B5C845901}"/>
               </a:ext>
             </a:extLst>
           </p:cNvPr>
@@ -4894,7 +4894,7 @@
           <p:cNvPr id="7" name="日期版面配置區 6">
             <a:extLst>
               <a:ext uri="{FF2B5EF4-FFF2-40B4-BE49-F238E27FC236}">
-                <a16:creationId xmlns:a16="http://schemas.microsoft.com/office/drawing/2014/main" xmlns="" id="{A4C85FD9-CB19-3011-4EC2-C80B50A63DAA}"/>
+                <a16:creationId xmlns="" xmlns:a16="http://schemas.microsoft.com/office/drawing/2014/main" id="{A4C85FD9-CB19-3011-4EC2-C80B50A63DAA}"/>
               </a:ext>
             </a:extLst>
           </p:cNvPr>
@@ -4924,7 +4924,7 @@
           <p:cNvPr id="8" name="頁尾版面配置區 7">
             <a:extLst>
               <a:ext uri="{FF2B5EF4-FFF2-40B4-BE49-F238E27FC236}">
-                <a16:creationId xmlns:a16="http://schemas.microsoft.com/office/drawing/2014/main" xmlns="" id="{E8162E41-F1D1-4AFB-81E2-DEB5C55C4B50}"/>
+                <a16:creationId xmlns="" xmlns:a16="http://schemas.microsoft.com/office/drawing/2014/main" id="{E8162E41-F1D1-4AFB-81E2-DEB5C55C4B50}"/>
               </a:ext>
             </a:extLst>
           </p:cNvPr>
@@ -4949,7 +4949,7 @@
           <p:cNvPr id="9" name="投影片編號版面配置區 8">
             <a:extLst>
               <a:ext uri="{FF2B5EF4-FFF2-40B4-BE49-F238E27FC236}">
-                <a16:creationId xmlns:a16="http://schemas.microsoft.com/office/drawing/2014/main" xmlns="" id="{9D0FFFE0-3DD8-36C2-A255-F92116490851}"/>
+                <a16:creationId xmlns="" xmlns:a16="http://schemas.microsoft.com/office/drawing/2014/main" id="{9D0FFFE0-3DD8-36C2-A255-F92116490851}"/>
               </a:ext>
             </a:extLst>
           </p:cNvPr>
@@ -4977,7 +4977,7 @@
     </p:spTree>
     <p:extLst>
       <p:ext uri="{BB962C8B-B14F-4D97-AF65-F5344CB8AC3E}">
-        <p14:creationId xmlns:p14="http://schemas.microsoft.com/office/powerpoint/2010/main" xmlns="" val="2246632081"/>
+        <p14:creationId xmlns="" xmlns:p14="http://schemas.microsoft.com/office/powerpoint/2010/main" val="2246632081"/>
       </p:ext>
     </p:extLst>
   </p:cSld>
@@ -5009,7 +5009,7 @@
           <p:cNvPr id="2" name="標題 1">
             <a:extLst>
               <a:ext uri="{FF2B5EF4-FFF2-40B4-BE49-F238E27FC236}">
-                <a16:creationId xmlns:a16="http://schemas.microsoft.com/office/drawing/2014/main" xmlns="" id="{57D2C1B1-99A2-8EE2-1B6F-F4BE3B34FFE3}"/>
+                <a16:creationId xmlns="" xmlns:a16="http://schemas.microsoft.com/office/drawing/2014/main" id="{57D2C1B1-99A2-8EE2-1B6F-F4BE3B34FFE3}"/>
               </a:ext>
             </a:extLst>
           </p:cNvPr>
@@ -5037,7 +5037,7 @@
           <p:cNvPr id="3" name="日期版面配置區 2">
             <a:extLst>
               <a:ext uri="{FF2B5EF4-FFF2-40B4-BE49-F238E27FC236}">
-                <a16:creationId xmlns:a16="http://schemas.microsoft.com/office/drawing/2014/main" xmlns="" id="{B162F161-9E51-B6B0-D7E3-5C9EC22D7469}"/>
+                <a16:creationId xmlns="" xmlns:a16="http://schemas.microsoft.com/office/drawing/2014/main" id="{B162F161-9E51-B6B0-D7E3-5C9EC22D7469}"/>
               </a:ext>
             </a:extLst>
           </p:cNvPr>
@@ -5067,7 +5067,7 @@
           <p:cNvPr id="4" name="頁尾版面配置區 3">
             <a:extLst>
               <a:ext uri="{FF2B5EF4-FFF2-40B4-BE49-F238E27FC236}">
-                <a16:creationId xmlns:a16="http://schemas.microsoft.com/office/drawing/2014/main" xmlns="" id="{07379E70-3A32-F56E-8304-CFAA87B659EC}"/>
+                <a16:creationId xmlns="" xmlns:a16="http://schemas.microsoft.com/office/drawing/2014/main" id="{07379E70-3A32-F56E-8304-CFAA87B659EC}"/>
               </a:ext>
             </a:extLst>
           </p:cNvPr>
@@ -5092,7 +5092,7 @@
           <p:cNvPr id="5" name="投影片編號版面配置區 4">
             <a:extLst>
               <a:ext uri="{FF2B5EF4-FFF2-40B4-BE49-F238E27FC236}">
-                <a16:creationId xmlns:a16="http://schemas.microsoft.com/office/drawing/2014/main" xmlns="" id="{C5896DF3-50A4-D0C1-218C-47E3A99E03C3}"/>
+                <a16:creationId xmlns="" xmlns:a16="http://schemas.microsoft.com/office/drawing/2014/main" id="{C5896DF3-50A4-D0C1-218C-47E3A99E03C3}"/>
               </a:ext>
             </a:extLst>
           </p:cNvPr>
@@ -5120,7 +5120,7 @@
     </p:spTree>
     <p:extLst>
       <p:ext uri="{BB962C8B-B14F-4D97-AF65-F5344CB8AC3E}">
-        <p14:creationId xmlns:p14="http://schemas.microsoft.com/office/powerpoint/2010/main" xmlns="" val="1813981051"/>
+        <p14:creationId xmlns="" xmlns:p14="http://schemas.microsoft.com/office/powerpoint/2010/main" val="1813981051"/>
       </p:ext>
     </p:extLst>
   </p:cSld>
@@ -5152,7 +5152,7 @@
           <p:cNvPr id="2" name="日期版面配置區 1">
             <a:extLst>
               <a:ext uri="{FF2B5EF4-FFF2-40B4-BE49-F238E27FC236}">
-                <a16:creationId xmlns:a16="http://schemas.microsoft.com/office/drawing/2014/main" xmlns="" id="{CCD22773-A126-7DB8-71F3-23FB4A8B8BB5}"/>
+                <a16:creationId xmlns="" xmlns:a16="http://schemas.microsoft.com/office/drawing/2014/main" id="{CCD22773-A126-7DB8-71F3-23FB4A8B8BB5}"/>
               </a:ext>
             </a:extLst>
           </p:cNvPr>
@@ -5182,7 +5182,7 @@
           <p:cNvPr id="3" name="頁尾版面配置區 2">
             <a:extLst>
               <a:ext uri="{FF2B5EF4-FFF2-40B4-BE49-F238E27FC236}">
-                <a16:creationId xmlns:a16="http://schemas.microsoft.com/office/drawing/2014/main" xmlns="" id="{86F28AA1-2222-3B5E-47A2-9322F650CF0F}"/>
+                <a16:creationId xmlns="" xmlns:a16="http://schemas.microsoft.com/office/drawing/2014/main" id="{86F28AA1-2222-3B5E-47A2-9322F650CF0F}"/>
               </a:ext>
             </a:extLst>
           </p:cNvPr>
@@ -5207,7 +5207,7 @@
           <p:cNvPr id="4" name="投影片編號版面配置區 3">
             <a:extLst>
               <a:ext uri="{FF2B5EF4-FFF2-40B4-BE49-F238E27FC236}">
-                <a16:creationId xmlns:a16="http://schemas.microsoft.com/office/drawing/2014/main" xmlns="" id="{C1C94738-C207-5FDC-FDC6-B5F6092E370E}"/>
+                <a16:creationId xmlns="" xmlns:a16="http://schemas.microsoft.com/office/drawing/2014/main" id="{C1C94738-C207-5FDC-FDC6-B5F6092E370E}"/>
               </a:ext>
             </a:extLst>
           </p:cNvPr>
@@ -5235,7 +5235,7 @@
     </p:spTree>
     <p:extLst>
       <p:ext uri="{BB962C8B-B14F-4D97-AF65-F5344CB8AC3E}">
-        <p14:creationId xmlns:p14="http://schemas.microsoft.com/office/powerpoint/2010/main" xmlns="" val="3078286093"/>
+        <p14:creationId xmlns="" xmlns:p14="http://schemas.microsoft.com/office/powerpoint/2010/main" val="3078286093"/>
       </p:ext>
     </p:extLst>
   </p:cSld>
@@ -5267,7 +5267,7 @@
           <p:cNvPr id="2" name="標題 1">
             <a:extLst>
               <a:ext uri="{FF2B5EF4-FFF2-40B4-BE49-F238E27FC236}">
-                <a16:creationId xmlns:a16="http://schemas.microsoft.com/office/drawing/2014/main" xmlns="" id="{89BD495E-F378-F29A-BAC6-7ECBB68CCF0A}"/>
+                <a16:creationId xmlns="" xmlns:a16="http://schemas.microsoft.com/office/drawing/2014/main" id="{89BD495E-F378-F29A-BAC6-7ECBB68CCF0A}"/>
               </a:ext>
             </a:extLst>
           </p:cNvPr>
@@ -5304,7 +5304,7 @@
           <p:cNvPr id="3" name="內容版面配置區 2">
             <a:extLst>
               <a:ext uri="{FF2B5EF4-FFF2-40B4-BE49-F238E27FC236}">
-                <a16:creationId xmlns:a16="http://schemas.microsoft.com/office/drawing/2014/main" xmlns="" id="{2F7181C8-538D-7416-6614-5E76840B3CE9}"/>
+                <a16:creationId xmlns="" xmlns:a16="http://schemas.microsoft.com/office/drawing/2014/main" id="{2F7181C8-538D-7416-6614-5E76840B3CE9}"/>
               </a:ext>
             </a:extLst>
           </p:cNvPr>
@@ -5394,7 +5394,7 @@
           <p:cNvPr id="4" name="文字版面配置區 3">
             <a:extLst>
               <a:ext uri="{FF2B5EF4-FFF2-40B4-BE49-F238E27FC236}">
-                <a16:creationId xmlns:a16="http://schemas.microsoft.com/office/drawing/2014/main" xmlns="" id="{52B7E32F-893A-255D-64D4-A42D74467F3B}"/>
+                <a16:creationId xmlns="" xmlns:a16="http://schemas.microsoft.com/office/drawing/2014/main" id="{52B7E32F-893A-255D-64D4-A42D74467F3B}"/>
               </a:ext>
             </a:extLst>
           </p:cNvPr>
@@ -5465,7 +5465,7 @@
           <p:cNvPr id="5" name="日期版面配置區 4">
             <a:extLst>
               <a:ext uri="{FF2B5EF4-FFF2-40B4-BE49-F238E27FC236}">
-                <a16:creationId xmlns:a16="http://schemas.microsoft.com/office/drawing/2014/main" xmlns="" id="{5723F016-C701-63D7-9AB0-F389577DFDD1}"/>
+                <a16:creationId xmlns="" xmlns:a16="http://schemas.microsoft.com/office/drawing/2014/main" id="{5723F016-C701-63D7-9AB0-F389577DFDD1}"/>
               </a:ext>
             </a:extLst>
           </p:cNvPr>
@@ -5495,7 +5495,7 @@
           <p:cNvPr id="6" name="頁尾版面配置區 5">
             <a:extLst>
               <a:ext uri="{FF2B5EF4-FFF2-40B4-BE49-F238E27FC236}">
-                <a16:creationId xmlns:a16="http://schemas.microsoft.com/office/drawing/2014/main" xmlns="" id="{80DBAA74-DF50-D7CB-BE58-6C9B3EF2BF07}"/>
+                <a16:creationId xmlns="" xmlns:a16="http://schemas.microsoft.com/office/drawing/2014/main" id="{80DBAA74-DF50-D7CB-BE58-6C9B3EF2BF07}"/>
               </a:ext>
             </a:extLst>
           </p:cNvPr>
@@ -5520,7 +5520,7 @@
           <p:cNvPr id="7" name="投影片編號版面配置區 6">
             <a:extLst>
               <a:ext uri="{FF2B5EF4-FFF2-40B4-BE49-F238E27FC236}">
-                <a16:creationId xmlns:a16="http://schemas.microsoft.com/office/drawing/2014/main" xmlns="" id="{630BC702-38D4-CCAC-7A56-1421423E1033}"/>
+                <a16:creationId xmlns="" xmlns:a16="http://schemas.microsoft.com/office/drawing/2014/main" id="{630BC702-38D4-CCAC-7A56-1421423E1033}"/>
               </a:ext>
             </a:extLst>
           </p:cNvPr>
@@ -5548,7 +5548,7 @@
     </p:spTree>
     <p:extLst>
       <p:ext uri="{BB962C8B-B14F-4D97-AF65-F5344CB8AC3E}">
-        <p14:creationId xmlns:p14="http://schemas.microsoft.com/office/powerpoint/2010/main" xmlns="" val="1387266159"/>
+        <p14:creationId xmlns="" xmlns:p14="http://schemas.microsoft.com/office/powerpoint/2010/main" val="1387266159"/>
       </p:ext>
     </p:extLst>
   </p:cSld>
@@ -5580,7 +5580,7 @@
           <p:cNvPr id="2" name="標題 1">
             <a:extLst>
               <a:ext uri="{FF2B5EF4-FFF2-40B4-BE49-F238E27FC236}">
-                <a16:creationId xmlns:a16="http://schemas.microsoft.com/office/drawing/2014/main" xmlns="" id="{4300DCD7-2972-3B12-0206-2E337AFDDA18}"/>
+                <a16:creationId xmlns="" xmlns:a16="http://schemas.microsoft.com/office/drawing/2014/main" id="{4300DCD7-2972-3B12-0206-2E337AFDDA18}"/>
               </a:ext>
             </a:extLst>
           </p:cNvPr>
@@ -5617,7 +5617,7 @@
           <p:cNvPr id="3" name="圖片版面配置區 2">
             <a:extLst>
               <a:ext uri="{FF2B5EF4-FFF2-40B4-BE49-F238E27FC236}">
-                <a16:creationId xmlns:a16="http://schemas.microsoft.com/office/drawing/2014/main" xmlns="" id="{9851ACDD-78E2-D4F9-E3A5-64AC3B338894}"/>
+                <a16:creationId xmlns="" xmlns:a16="http://schemas.microsoft.com/office/drawing/2014/main" id="{9851ACDD-78E2-D4F9-E3A5-64AC3B338894}"/>
               </a:ext>
             </a:extLst>
           </p:cNvPr>
@@ -5684,7 +5684,7 @@
           <p:cNvPr id="4" name="文字版面配置區 3">
             <a:extLst>
               <a:ext uri="{FF2B5EF4-FFF2-40B4-BE49-F238E27FC236}">
-                <a16:creationId xmlns:a16="http://schemas.microsoft.com/office/drawing/2014/main" xmlns="" id="{388FA762-932F-8E12-0C52-EDE1F47B92C5}"/>
+                <a16:creationId xmlns="" xmlns:a16="http://schemas.microsoft.com/office/drawing/2014/main" id="{388FA762-932F-8E12-0C52-EDE1F47B92C5}"/>
               </a:ext>
             </a:extLst>
           </p:cNvPr>
@@ -5755,7 +5755,7 @@
           <p:cNvPr id="5" name="日期版面配置區 4">
             <a:extLst>
               <a:ext uri="{FF2B5EF4-FFF2-40B4-BE49-F238E27FC236}">
-                <a16:creationId xmlns:a16="http://schemas.microsoft.com/office/drawing/2014/main" xmlns="" id="{08D764D5-4DE8-E073-95DE-6149C1186337}"/>
+                <a16:creationId xmlns="" xmlns:a16="http://schemas.microsoft.com/office/drawing/2014/main" id="{08D764D5-4DE8-E073-95DE-6149C1186337}"/>
               </a:ext>
             </a:extLst>
           </p:cNvPr>
@@ -5785,7 +5785,7 @@
           <p:cNvPr id="6" name="頁尾版面配置區 5">
             <a:extLst>
               <a:ext uri="{FF2B5EF4-FFF2-40B4-BE49-F238E27FC236}">
-                <a16:creationId xmlns:a16="http://schemas.microsoft.com/office/drawing/2014/main" xmlns="" id="{15272B26-6354-13E3-28E7-88F12D582B47}"/>
+                <a16:creationId xmlns="" xmlns:a16="http://schemas.microsoft.com/office/drawing/2014/main" id="{15272B26-6354-13E3-28E7-88F12D582B47}"/>
               </a:ext>
             </a:extLst>
           </p:cNvPr>
@@ -5810,7 +5810,7 @@
           <p:cNvPr id="7" name="投影片編號版面配置區 6">
             <a:extLst>
               <a:ext uri="{FF2B5EF4-FFF2-40B4-BE49-F238E27FC236}">
-                <a16:creationId xmlns:a16="http://schemas.microsoft.com/office/drawing/2014/main" xmlns="" id="{4D495EEE-47BF-0B7C-D3E3-95A7BADF62FE}"/>
+                <a16:creationId xmlns="" xmlns:a16="http://schemas.microsoft.com/office/drawing/2014/main" id="{4D495EEE-47BF-0B7C-D3E3-95A7BADF62FE}"/>
               </a:ext>
             </a:extLst>
           </p:cNvPr>
@@ -5838,7 +5838,7 @@
     </p:spTree>
     <p:extLst>
       <p:ext uri="{BB962C8B-B14F-4D97-AF65-F5344CB8AC3E}">
-        <p14:creationId xmlns:p14="http://schemas.microsoft.com/office/powerpoint/2010/main" xmlns="" val="446247971"/>
+        <p14:creationId xmlns="" xmlns:p14="http://schemas.microsoft.com/office/powerpoint/2010/main" val="446247971"/>
       </p:ext>
     </p:extLst>
   </p:cSld>
@@ -5875,7 +5875,7 @@
           <p:cNvPr id="2" name="標題版面配置區 1">
             <a:extLst>
               <a:ext uri="{FF2B5EF4-FFF2-40B4-BE49-F238E27FC236}">
-                <a16:creationId xmlns:a16="http://schemas.microsoft.com/office/drawing/2014/main" xmlns="" id="{A2BEDBB3-485C-3A2B-0683-A63D1658AD10}"/>
+                <a16:creationId xmlns="" xmlns:a16="http://schemas.microsoft.com/office/drawing/2014/main" id="{A2BEDBB3-485C-3A2B-0683-A63D1658AD10}"/>
               </a:ext>
             </a:extLst>
           </p:cNvPr>
@@ -5913,7 +5913,7 @@
           <p:cNvPr id="3" name="文字版面配置區 2">
             <a:extLst>
               <a:ext uri="{FF2B5EF4-FFF2-40B4-BE49-F238E27FC236}">
-                <a16:creationId xmlns:a16="http://schemas.microsoft.com/office/drawing/2014/main" xmlns="" id="{37152904-746C-6074-B8CC-3FD7967FF676}"/>
+                <a16:creationId xmlns="" xmlns:a16="http://schemas.microsoft.com/office/drawing/2014/main" id="{37152904-746C-6074-B8CC-3FD7967FF676}"/>
               </a:ext>
             </a:extLst>
           </p:cNvPr>
@@ -5980,7 +5980,7 @@
           <p:cNvPr id="4" name="日期版面配置區 3">
             <a:extLst>
               <a:ext uri="{FF2B5EF4-FFF2-40B4-BE49-F238E27FC236}">
-                <a16:creationId xmlns:a16="http://schemas.microsoft.com/office/drawing/2014/main" xmlns="" id="{8DF97183-00FC-2B0E-8908-9A6DEF26F98E}"/>
+                <a16:creationId xmlns="" xmlns:a16="http://schemas.microsoft.com/office/drawing/2014/main" id="{8DF97183-00FC-2B0E-8908-9A6DEF26F98E}"/>
               </a:ext>
             </a:extLst>
           </p:cNvPr>
@@ -6028,7 +6028,7 @@
           <p:cNvPr id="5" name="頁尾版面配置區 4">
             <a:extLst>
               <a:ext uri="{FF2B5EF4-FFF2-40B4-BE49-F238E27FC236}">
-                <a16:creationId xmlns:a16="http://schemas.microsoft.com/office/drawing/2014/main" xmlns="" id="{E81D0100-10B8-DDB2-6DA6-51C900B7A753}"/>
+                <a16:creationId xmlns="" xmlns:a16="http://schemas.microsoft.com/office/drawing/2014/main" id="{E81D0100-10B8-DDB2-6DA6-51C900B7A753}"/>
               </a:ext>
             </a:extLst>
           </p:cNvPr>
@@ -6071,7 +6071,7 @@
           <p:cNvPr id="6" name="投影片編號版面配置區 5">
             <a:extLst>
               <a:ext uri="{FF2B5EF4-FFF2-40B4-BE49-F238E27FC236}">
-                <a16:creationId xmlns:a16="http://schemas.microsoft.com/office/drawing/2014/main" xmlns="" id="{1C889210-1D06-1A4B-70A7-A3F452DF8C87}"/>
+                <a16:creationId xmlns="" xmlns:a16="http://schemas.microsoft.com/office/drawing/2014/main" id="{1C889210-1D06-1A4B-70A7-A3F452DF8C87}"/>
               </a:ext>
             </a:extLst>
           </p:cNvPr>
@@ -6117,7 +6117,7 @@
     </p:spTree>
     <p:extLst>
       <p:ext uri="{BB962C8B-B14F-4D97-AF65-F5344CB8AC3E}">
-        <p14:creationId xmlns:p14="http://schemas.microsoft.com/office/powerpoint/2010/main" xmlns="" val="1347593689"/>
+        <p14:creationId xmlns="" xmlns:p14="http://schemas.microsoft.com/office/powerpoint/2010/main" val="1347593689"/>
       </p:ext>
     </p:extLst>
   </p:cSld>
@@ -6440,7 +6440,7 @@
           <p:cNvPr id="2" name="標題 1">
             <a:extLst>
               <a:ext uri="{FF2B5EF4-FFF2-40B4-BE49-F238E27FC236}">
-                <a16:creationId xmlns:a16="http://schemas.microsoft.com/office/drawing/2014/main" xmlns="" id="{ACD68456-319B-AB99-AE1E-E2069A11C775}"/>
+                <a16:creationId xmlns="" xmlns:a16="http://schemas.microsoft.com/office/drawing/2014/main" id="{ACD68456-319B-AB99-AE1E-E2069A11C775}"/>
               </a:ext>
             </a:extLst>
           </p:cNvPr>
@@ -6491,11 +6491,7 @@
             </a:br>
             <a:r>
               <a:rPr lang="en-US" altLang="zh-TW" dirty="0" smtClean="0"/>
-              <a:t>(Introduce Product of Controllers and </a:t>
-            </a:r>
-            <a:r>
-              <a:rPr lang="en-US" altLang="zh-TW" dirty="0" smtClean="0"/>
-              <a:t>Drivers)</a:t>
+              <a:t>(Introduce Product of Controllers and Drivers)</a:t>
             </a:r>
             <a:endParaRPr lang="zh-TW" altLang="en-US" dirty="0"/>
           </a:p>
@@ -6506,7 +6502,7 @@
           <p:cNvPr id="3" name="副標題 2">
             <a:extLst>
               <a:ext uri="{FF2B5EF4-FFF2-40B4-BE49-F238E27FC236}">
-                <a16:creationId xmlns:a16="http://schemas.microsoft.com/office/drawing/2014/main" xmlns="" id="{A03E9E86-8D59-94B7-BB5B-AC2AFE849830}"/>
+                <a16:creationId xmlns="" xmlns:a16="http://schemas.microsoft.com/office/drawing/2014/main" id="{A03E9E86-8D59-94B7-BB5B-AC2AFE849830}"/>
               </a:ext>
             </a:extLst>
           </p:cNvPr>
@@ -6536,7 +6532,6 @@
               <a:rPr lang="en-US" altLang="zh-TW" dirty="0" smtClean="0"/>
               <a:t>2023/03/01</a:t>
             </a:r>
-            <a:endParaRPr lang="en-US" altLang="zh-TW" dirty="0" smtClean="0"/>
           </a:p>
           <a:p>
             <a:pPr algn="l"/>
@@ -6596,7 +6591,7 @@
     </p:spTree>
     <p:extLst>
       <p:ext uri="{BB962C8B-B14F-4D97-AF65-F5344CB8AC3E}">
-        <p14:creationId xmlns:p14="http://schemas.microsoft.com/office/powerpoint/2010/main" xmlns="" val="2654978135"/>
+        <p14:creationId xmlns="" xmlns:p14="http://schemas.microsoft.com/office/powerpoint/2010/main" val="2654978135"/>
       </p:ext>
     </p:extLst>
   </p:cSld>
@@ -6648,7 +6643,15 @@
             <a:pPr algn="ctr"/>
             <a:r>
               <a:rPr lang="zh-TW" altLang="en-US" dirty="0" smtClean="0"/>
-              <a:t>回生電阻</a:t>
+              <a:t>回生</a:t>
+            </a:r>
+            <a:r>
+              <a:rPr lang="zh-TW" altLang="en-US" dirty="0" smtClean="0"/>
+              <a:t>電阻</a:t>
+            </a:r>
+            <a:r>
+              <a:rPr lang="en-US" altLang="zh-TW" smtClean="0"/>
+              <a:t>TTTT</a:t>
             </a:r>
             <a:endParaRPr lang="zh-TW" altLang="en-US" dirty="0"/>
           </a:p>
@@ -6795,7 +6798,7 @@
           <p:cNvPr id="2" name="標題 1">
             <a:extLst>
               <a:ext uri="{FF2B5EF4-FFF2-40B4-BE49-F238E27FC236}">
-                <a16:creationId xmlns:a16="http://schemas.microsoft.com/office/drawing/2014/main" xmlns="" id="{408CB574-E5AE-A3BF-1956-13019A8006C3}"/>
+                <a16:creationId xmlns="" xmlns:a16="http://schemas.microsoft.com/office/drawing/2014/main" id="{408CB574-E5AE-A3BF-1956-13019A8006C3}"/>
               </a:ext>
             </a:extLst>
           </p:cNvPr>
@@ -6825,7 +6828,7 @@
           <p:cNvPr id="3" name="內容版面配置區 2">
             <a:extLst>
               <a:ext uri="{FF2B5EF4-FFF2-40B4-BE49-F238E27FC236}">
-                <a16:creationId xmlns:a16="http://schemas.microsoft.com/office/drawing/2014/main" xmlns="" id="{022930BF-0E8F-3D11-3FA6-5E6463CF0757}"/>
+                <a16:creationId xmlns="" xmlns:a16="http://schemas.microsoft.com/office/drawing/2014/main" id="{022930BF-0E8F-3D11-3FA6-5E6463CF0757}"/>
               </a:ext>
             </a:extLst>
           </p:cNvPr>
@@ -6848,7 +6851,7 @@
     </p:spTree>
     <p:extLst>
       <p:ext uri="{BB962C8B-B14F-4D97-AF65-F5344CB8AC3E}">
-        <p14:creationId xmlns:p14="http://schemas.microsoft.com/office/powerpoint/2010/main" xmlns="" val="3870043132"/>
+        <p14:creationId xmlns="" xmlns:p14="http://schemas.microsoft.com/office/powerpoint/2010/main" val="3870043132"/>
       </p:ext>
     </p:extLst>
   </p:cSld>
@@ -6887,7 +6890,7 @@
           <p:cNvPr id="2" name="標題 1">
             <a:extLst>
               <a:ext uri="{FF2B5EF4-FFF2-40B4-BE49-F238E27FC236}">
-                <a16:creationId xmlns:a16="http://schemas.microsoft.com/office/drawing/2014/main" xmlns="" id="{408CB574-E5AE-A3BF-1956-13019A8006C3}"/>
+                <a16:creationId xmlns="" xmlns:a16="http://schemas.microsoft.com/office/drawing/2014/main" id="{408CB574-E5AE-A3BF-1956-13019A8006C3}"/>
               </a:ext>
             </a:extLst>
           </p:cNvPr>
@@ -6916,7 +6919,7 @@
           <p:cNvPr id="3" name="內容版面配置區 2">
             <a:extLst>
               <a:ext uri="{FF2B5EF4-FFF2-40B4-BE49-F238E27FC236}">
-                <a16:creationId xmlns:a16="http://schemas.microsoft.com/office/drawing/2014/main" xmlns="" id="{022930BF-0E8F-3D11-3FA6-5E6463CF0757}"/>
+                <a16:creationId xmlns="" xmlns:a16="http://schemas.microsoft.com/office/drawing/2014/main" id="{022930BF-0E8F-3D11-3FA6-5E6463CF0757}"/>
               </a:ext>
             </a:extLst>
           </p:cNvPr>
@@ -6941,7 +6944,7 @@
           <p:cNvPr id="10" name="圖片 9">
             <a:extLst>
               <a:ext uri="{FF2B5EF4-FFF2-40B4-BE49-F238E27FC236}">
-                <a16:creationId xmlns:a16="http://schemas.microsoft.com/office/drawing/2014/main" xmlns="" id="{56A42076-1EBB-CDA0-CD01-7289709CFA5F}"/>
+                <a16:creationId xmlns="" xmlns:a16="http://schemas.microsoft.com/office/drawing/2014/main" id="{56A42076-1EBB-CDA0-CD01-7289709CFA5F}"/>
               </a:ext>
             </a:extLst>
           </p:cNvPr>
@@ -7561,7 +7564,7 @@
     </p:spTree>
     <p:extLst>
       <p:ext uri="{BB962C8B-B14F-4D97-AF65-F5344CB8AC3E}">
-        <p14:creationId xmlns:p14="http://schemas.microsoft.com/office/powerpoint/2010/main" xmlns="" val="3738420175"/>
+        <p14:creationId xmlns="" xmlns:p14="http://schemas.microsoft.com/office/powerpoint/2010/main" val="3738420175"/>
       </p:ext>
     </p:extLst>
   </p:cSld>
@@ -8681,7 +8684,7 @@
           <p:cNvPr id="2" name="標題 1">
             <a:extLst>
               <a:ext uri="{FF2B5EF4-FFF2-40B4-BE49-F238E27FC236}">
-                <a16:creationId xmlns:a16="http://schemas.microsoft.com/office/drawing/2014/main" xmlns="" id="{408CB574-E5AE-A3BF-1956-13019A8006C3}"/>
+                <a16:creationId xmlns="" xmlns:a16="http://schemas.microsoft.com/office/drawing/2014/main" id="{408CB574-E5AE-A3BF-1956-13019A8006C3}"/>
               </a:ext>
             </a:extLst>
           </p:cNvPr>
@@ -8711,7 +8714,7 @@
           <p:cNvPr id="3" name="內容版面配置區 2">
             <a:extLst>
               <a:ext uri="{FF2B5EF4-FFF2-40B4-BE49-F238E27FC236}">
-                <a16:creationId xmlns:a16="http://schemas.microsoft.com/office/drawing/2014/main" xmlns="" id="{022930BF-0E8F-3D11-3FA6-5E6463CF0757}"/>
+                <a16:creationId xmlns="" xmlns:a16="http://schemas.microsoft.com/office/drawing/2014/main" id="{022930BF-0E8F-3D11-3FA6-5E6463CF0757}"/>
               </a:ext>
             </a:extLst>
           </p:cNvPr>
@@ -8736,7 +8739,7 @@
           <p:cNvPr id="7" name="圖片 6">
             <a:extLst>
               <a:ext uri="{FF2B5EF4-FFF2-40B4-BE49-F238E27FC236}">
-                <a16:creationId xmlns:a16="http://schemas.microsoft.com/office/drawing/2014/main" xmlns="" id="{02D39684-3579-A68C-CCD9-2BBBB5E07AFB}"/>
+                <a16:creationId xmlns="" xmlns:a16="http://schemas.microsoft.com/office/drawing/2014/main" id="{02D39684-3579-A68C-CCD9-2BBBB5E07AFB}"/>
               </a:ext>
             </a:extLst>
           </p:cNvPr>
@@ -8764,7 +8767,7 @@
     </p:spTree>
     <p:extLst>
       <p:ext uri="{BB962C8B-B14F-4D97-AF65-F5344CB8AC3E}">
-        <p14:creationId xmlns:p14="http://schemas.microsoft.com/office/powerpoint/2010/main" xmlns="" val="1725175280"/>
+        <p14:creationId xmlns="" xmlns:p14="http://schemas.microsoft.com/office/powerpoint/2010/main" val="1725175280"/>
       </p:ext>
     </p:extLst>
   </p:cSld>
@@ -9413,7 +9416,7 @@
           <p:cNvPr id="2" name="標題 1">
             <a:extLst>
               <a:ext uri="{FF2B5EF4-FFF2-40B4-BE49-F238E27FC236}">
-                <a16:creationId xmlns:a16="http://schemas.microsoft.com/office/drawing/2014/main" xmlns="" id="{408CB574-E5AE-A3BF-1956-13019A8006C3}"/>
+                <a16:creationId xmlns="" xmlns:a16="http://schemas.microsoft.com/office/drawing/2014/main" id="{408CB574-E5AE-A3BF-1956-13019A8006C3}"/>
               </a:ext>
             </a:extLst>
           </p:cNvPr>
@@ -9453,7 +9456,7 @@
           <p:cNvPr id="3" name="內容版面配置區 2">
             <a:extLst>
               <a:ext uri="{FF2B5EF4-FFF2-40B4-BE49-F238E27FC236}">
-                <a16:creationId xmlns:a16="http://schemas.microsoft.com/office/drawing/2014/main" xmlns="" id="{022930BF-0E8F-3D11-3FA6-5E6463CF0757}"/>
+                <a16:creationId xmlns="" xmlns:a16="http://schemas.microsoft.com/office/drawing/2014/main" id="{022930BF-0E8F-3D11-3FA6-5E6463CF0757}"/>
               </a:ext>
             </a:extLst>
           </p:cNvPr>
@@ -11970,7 +11973,7 @@
     </p:spTree>
     <p:extLst>
       <p:ext uri="{BB962C8B-B14F-4D97-AF65-F5344CB8AC3E}">
-        <p14:creationId xmlns:p14="http://schemas.microsoft.com/office/powerpoint/2010/main" xmlns="" val="3870043132"/>
+        <p14:creationId xmlns="" xmlns:p14="http://schemas.microsoft.com/office/powerpoint/2010/main" val="3870043132"/>
       </p:ext>
     </p:extLst>
   </p:cSld>
@@ -12407,7 +12410,7 @@
   <a:extraClrSchemeLst/>
   <a:extLst>
     <a:ext uri="{05A4C25C-085E-4340-85A3-A5531E510DB2}">
-      <thm15:themeFamily xmlns:thm15="http://schemas.microsoft.com/office/thememl/2012/main" xmlns="" name="Office Theme" id="{62F939B6-93AF-4DB8-9C6B-D6C7DFDC589F}" vid="{4A3C46E8-61CC-4603-A589-7422A47A8E4A}"/>
+      <thm15:themeFamily xmlns="" xmlns:thm15="http://schemas.microsoft.com/office/thememl/2012/main" name="Office Theme" id="{62F939B6-93AF-4DB8-9C6B-D6C7DFDC589F}" vid="{4A3C46E8-61CC-4603-A589-7422A47A8E4A}"/>
     </a:ext>
   </a:extLst>
 </a:theme>
@@ -12702,7 +12705,7 @@
   <a:extraClrSchemeLst/>
   <a:extLst>
     <a:ext uri="{05A4C25C-085E-4340-85A3-A5531E510DB2}">
-      <thm15:themeFamily xmlns:thm15="http://schemas.microsoft.com/office/thememl/2012/main" xmlns="" name="Office Theme" id="{62F939B6-93AF-4DB8-9C6B-D6C7DFDC589F}" vid="{4A3C46E8-61CC-4603-A589-7422A47A8E4A}"/>
+      <thm15:themeFamily xmlns="" xmlns:thm15="http://schemas.microsoft.com/office/thememl/2012/main" name="Office Theme" id="{62F939B6-93AF-4DB8-9C6B-D6C7DFDC589F}" vid="{4A3C46E8-61CC-4603-A589-7422A47A8E4A}"/>
     </a:ext>
   </a:extLst>
 </a:theme>

--- a/產品簡介.pptx
+++ b/產品簡介.pptx
@@ -5,7 +5,7 @@
     <p:sldMasterId id="2147483796" r:id="rId1"/>
   </p:sldMasterIdLst>
   <p:notesMasterIdLst>
-    <p:notesMasterId r:id="rId13"/>
+    <p:notesMasterId r:id="rId24"/>
   </p:notesMasterIdLst>
   <p:sldIdLst>
     <p:sldId id="256" r:id="rId2"/>
@@ -13,12 +13,23 @@
     <p:sldId id="257" r:id="rId4"/>
     <p:sldId id="265" r:id="rId5"/>
     <p:sldId id="266" r:id="rId6"/>
-    <p:sldId id="260" r:id="rId7"/>
-    <p:sldId id="263" r:id="rId8"/>
-    <p:sldId id="262" r:id="rId9"/>
-    <p:sldId id="268" r:id="rId10"/>
-    <p:sldId id="269" r:id="rId11"/>
-    <p:sldId id="267" r:id="rId12"/>
+    <p:sldId id="270" r:id="rId7"/>
+    <p:sldId id="260" r:id="rId8"/>
+    <p:sldId id="263" r:id="rId9"/>
+    <p:sldId id="262" r:id="rId10"/>
+    <p:sldId id="268" r:id="rId11"/>
+    <p:sldId id="269" r:id="rId12"/>
+    <p:sldId id="272" r:id="rId13"/>
+    <p:sldId id="274" r:id="rId14"/>
+    <p:sldId id="275" r:id="rId15"/>
+    <p:sldId id="276" r:id="rId16"/>
+    <p:sldId id="277" r:id="rId17"/>
+    <p:sldId id="281" r:id="rId18"/>
+    <p:sldId id="282" r:id="rId19"/>
+    <p:sldId id="278" r:id="rId20"/>
+    <p:sldId id="280" r:id="rId21"/>
+    <p:sldId id="267" r:id="rId22"/>
+    <p:sldId id="271" r:id="rId23"/>
   </p:sldIdLst>
   <p:sldSz cx="12192000" cy="6858000"/>
   <p:notesSz cx="6858000" cy="9144000"/>
@@ -209,7 +220,7 @@
             <a:fld id="{34A52511-02C8-4B6C-8243-8000274C7536}" type="datetimeFigureOut">
               <a:rPr lang="zh-TW" altLang="en-US" smtClean="0"/>
               <a:pPr/>
-              <a:t>2023/2/27</a:t>
+              <a:t>2023/2/28</a:t>
             </a:fld>
             <a:endParaRPr lang="zh-TW" altLang="en-US"/>
           </a:p>
@@ -377,7 +388,7 @@
     </p:spTree>
     <p:extLst>
       <p:ext uri="{BB962C8B-B14F-4D97-AF65-F5344CB8AC3E}">
-        <p14:creationId xmlns="" xmlns:p14="http://schemas.microsoft.com/office/powerpoint/2010/main" val="1759276987"/>
+        <p14:creationId xmlns:p14="http://schemas.microsoft.com/office/powerpoint/2010/main" xmlns="" val="1759276987"/>
       </p:ext>
     </p:extLst>
   </p:cSld>
@@ -552,9 +563,1350 @@
     </p:spTree>
     <p:extLst>
       <p:ext uri="{BB962C8B-B14F-4D97-AF65-F5344CB8AC3E}">
-        <p14:creationId xmlns="" xmlns:p14="http://schemas.microsoft.com/office/powerpoint/2010/main" val="4069039462"/>
+        <p14:creationId xmlns:p14="http://schemas.microsoft.com/office/powerpoint/2010/main" xmlns="" val="4069039462"/>
       </p:ext>
     </p:extLst>
+  </p:cSld>
+  <p:clrMapOvr>
+    <a:masterClrMapping/>
+  </p:clrMapOvr>
+</p:notes>
+</file>
+
+<file path=ppt/notesSlides/notesSlide10.xml><?xml version="1.0" encoding="utf-8"?>
+<p:notes xmlns:a="http://schemas.openxmlformats.org/drawingml/2006/main" xmlns:r="http://schemas.openxmlformats.org/officeDocument/2006/relationships" xmlns:p="http://schemas.openxmlformats.org/presentationml/2006/main">
+  <p:cSld>
+    <p:spTree>
+      <p:nvGrpSpPr>
+        <p:cNvPr id="1" name=""/>
+        <p:cNvGrpSpPr/>
+        <p:nvPr/>
+      </p:nvGrpSpPr>
+      <p:grpSpPr>
+        <a:xfrm>
+          <a:off x="0" y="0"/>
+          <a:ext cx="0" cy="0"/>
+          <a:chOff x="0" y="0"/>
+          <a:chExt cx="0" cy="0"/>
+        </a:xfrm>
+      </p:grpSpPr>
+      <p:sp>
+        <p:nvSpPr>
+          <p:cNvPr id="2" name="投影片圖像版面配置區 1"/>
+          <p:cNvSpPr>
+            <a:spLocks noGrp="1" noRot="1" noChangeAspect="1"/>
+          </p:cNvSpPr>
+          <p:nvPr>
+            <p:ph type="sldImg"/>
+          </p:nvPr>
+        </p:nvSpPr>
+        <p:spPr/>
+      </p:sp>
+      <p:sp>
+        <p:nvSpPr>
+          <p:cNvPr id="3" name="備忘稿版面配置區 2"/>
+          <p:cNvSpPr>
+            <a:spLocks noGrp="1"/>
+          </p:cNvSpPr>
+          <p:nvPr>
+            <p:ph type="body" idx="1"/>
+          </p:nvPr>
+        </p:nvSpPr>
+        <p:spPr/>
+        <p:txBody>
+          <a:bodyPr>
+            <a:normAutofit/>
+          </a:bodyPr>
+          <a:lstStyle/>
+          <a:p>
+            <a:r>
+              <a:rPr lang="zh-TW" altLang="en-US" sz="1200" kern="1200" baseline="0" dirty="0" smtClean="0">
+                <a:solidFill>
+                  <a:schemeClr val="tx1"/>
+                </a:solidFill>
+                <a:latin typeface="+mn-lt"/>
+                <a:ea typeface="+mn-ea"/>
+                <a:cs typeface="+mn-cs"/>
+              </a:rPr>
+              <a:t>馬達於運動過程中為了確保安全，通常會使用極限來限制運動範圍以避免撞機</a:t>
+            </a:r>
+            <a:endParaRPr lang="en-US" altLang="zh-TW" sz="1200" kern="1200" baseline="0" dirty="0" smtClean="0">
+              <a:solidFill>
+                <a:schemeClr val="tx1"/>
+              </a:solidFill>
+              <a:latin typeface="+mn-lt"/>
+              <a:ea typeface="+mn-ea"/>
+              <a:cs typeface="+mn-cs"/>
+            </a:endParaRPr>
+          </a:p>
+          <a:p>
+            <a:r>
+              <a:rPr lang="zh-TW" altLang="en-US" dirty="0" smtClean="0"/>
+              <a:t>其中有分硬體極限與軟體極限</a:t>
+            </a:r>
+            <a:endParaRPr lang="en-US" altLang="zh-TW" dirty="0" smtClean="0"/>
+          </a:p>
+          <a:p>
+            <a:r>
+              <a:rPr lang="zh-TW" altLang="en-US" dirty="0" smtClean="0"/>
+              <a:t>硬體極限就包含機構極限與極限開關</a:t>
+            </a:r>
+            <a:endParaRPr lang="en-US" altLang="zh-TW" dirty="0" smtClean="0"/>
+          </a:p>
+          <a:p>
+            <a:r>
+              <a:rPr lang="zh-TW" altLang="en-US" dirty="0" smtClean="0"/>
+              <a:t>極限開關設定於機構極限之前，當馬達超過極限開關而未停止，最後將於機構極限位置停止，基本上就等於是撞機了</a:t>
+            </a:r>
+            <a:endParaRPr lang="en-US" altLang="zh-TW" dirty="0" smtClean="0"/>
+          </a:p>
+          <a:p>
+            <a:r>
+              <a:rPr lang="zh-TW" altLang="en-US" dirty="0" smtClean="0"/>
+              <a:t>而軟體極限就是利用軟體紀錄位置的上下限</a:t>
+            </a:r>
+            <a:endParaRPr lang="en-US" altLang="zh-TW" dirty="0" smtClean="0"/>
+          </a:p>
+          <a:p>
+            <a:r>
+              <a:rPr lang="zh-TW" altLang="en-US" dirty="0" smtClean="0"/>
+              <a:t>所以馬達撞機前會先到軟體極限，再來是極限開關，最後機構極限來限制馬達運動</a:t>
+            </a:r>
+            <a:endParaRPr lang="zh-TW" altLang="en-US" dirty="0"/>
+          </a:p>
+        </p:txBody>
+      </p:sp>
+      <p:sp>
+        <p:nvSpPr>
+          <p:cNvPr id="4" name="投影片編號版面配置區 3"/>
+          <p:cNvSpPr>
+            <a:spLocks noGrp="1"/>
+          </p:cNvSpPr>
+          <p:nvPr>
+            <p:ph type="sldNum" sz="quarter" idx="10"/>
+          </p:nvPr>
+        </p:nvSpPr>
+        <p:spPr/>
+        <p:txBody>
+          <a:bodyPr/>
+          <a:lstStyle/>
+          <a:p>
+            <a:fld id="{6405AE01-4B17-41A2-8DBD-55D0BF9841DD}" type="slidenum">
+              <a:rPr lang="zh-TW" altLang="en-US" smtClean="0"/>
+              <a:pPr/>
+              <a:t>14</a:t>
+            </a:fld>
+            <a:endParaRPr lang="zh-TW" altLang="en-US"/>
+          </a:p>
+        </p:txBody>
+      </p:sp>
+    </p:spTree>
+  </p:cSld>
+  <p:clrMapOvr>
+    <a:masterClrMapping/>
+  </p:clrMapOvr>
+</p:notes>
+</file>
+
+<file path=ppt/notesSlides/notesSlide11.xml><?xml version="1.0" encoding="utf-8"?>
+<p:notes xmlns:a="http://schemas.openxmlformats.org/drawingml/2006/main" xmlns:r="http://schemas.openxmlformats.org/officeDocument/2006/relationships" xmlns:p="http://schemas.openxmlformats.org/presentationml/2006/main">
+  <p:cSld>
+    <p:spTree>
+      <p:nvGrpSpPr>
+        <p:cNvPr id="1" name=""/>
+        <p:cNvGrpSpPr/>
+        <p:nvPr/>
+      </p:nvGrpSpPr>
+      <p:grpSpPr>
+        <a:xfrm>
+          <a:off x="0" y="0"/>
+          <a:ext cx="0" cy="0"/>
+          <a:chOff x="0" y="0"/>
+          <a:chExt cx="0" cy="0"/>
+        </a:xfrm>
+      </p:grpSpPr>
+      <p:sp>
+        <p:nvSpPr>
+          <p:cNvPr id="2" name="投影片圖像版面配置區 1"/>
+          <p:cNvSpPr>
+            <a:spLocks noGrp="1" noRot="1" noChangeAspect="1"/>
+          </p:cNvSpPr>
+          <p:nvPr>
+            <p:ph type="sldImg"/>
+          </p:nvPr>
+        </p:nvSpPr>
+        <p:spPr/>
+      </p:sp>
+      <p:sp>
+        <p:nvSpPr>
+          <p:cNvPr id="3" name="備忘稿版面配置區 2"/>
+          <p:cNvSpPr>
+            <a:spLocks noGrp="1"/>
+          </p:cNvSpPr>
+          <p:nvPr>
+            <p:ph type="body" idx="1"/>
+          </p:nvPr>
+        </p:nvSpPr>
+        <p:spPr/>
+        <p:txBody>
+          <a:bodyPr>
+            <a:normAutofit/>
+          </a:bodyPr>
+          <a:lstStyle/>
+          <a:p>
+            <a:pPr marL="0" marR="0" indent="0" algn="l" defTabSz="914400" rtl="0" eaLnBrk="1" fontAlgn="auto" latinLnBrk="0" hangingPunct="1">
+              <a:lnSpc>
+                <a:spcPct val="100000"/>
+              </a:lnSpc>
+              <a:spcBef>
+                <a:spcPts val="0"/>
+              </a:spcBef>
+              <a:spcAft>
+                <a:spcPts val="0"/>
+              </a:spcAft>
+              <a:buClrTx/>
+              <a:buSzTx/>
+              <a:buFontTx/>
+              <a:buNone/>
+              <a:tabLst/>
+              <a:defRPr/>
+            </a:pPr>
+            <a:r>
+              <a:rPr lang="zh-TW" altLang="en-US" sz="1200" kern="1200" baseline="0" dirty="0" smtClean="0">
+                <a:solidFill>
+                  <a:schemeClr val="tx1"/>
+                </a:solidFill>
+                <a:latin typeface="+mn-lt"/>
+                <a:ea typeface="+mn-ea"/>
+                <a:cs typeface="+mn-cs"/>
+              </a:rPr>
+              <a:t>動態制動器</a:t>
+            </a:r>
+            <a:r>
+              <a:rPr lang="en-US" altLang="zh-TW" sz="1200" kern="1200" baseline="0" dirty="0" smtClean="0">
+                <a:solidFill>
+                  <a:schemeClr val="tx1"/>
+                </a:solidFill>
+                <a:latin typeface="+mn-lt"/>
+                <a:ea typeface="+mn-ea"/>
+                <a:cs typeface="+mn-cs"/>
+              </a:rPr>
+              <a:t>(</a:t>
+            </a:r>
+            <a:r>
+              <a:rPr lang="zh-TW" altLang="en-US" sz="1200" kern="1200" baseline="0" dirty="0" smtClean="0">
+                <a:solidFill>
+                  <a:schemeClr val="tx1"/>
+                </a:solidFill>
+                <a:latin typeface="+mn-lt"/>
+                <a:ea typeface="+mn-ea"/>
+                <a:cs typeface="+mn-cs"/>
+              </a:rPr>
+              <a:t>剎車器</a:t>
+            </a:r>
+            <a:r>
+              <a:rPr lang="en-US" altLang="zh-TW" sz="1200" kern="1200" baseline="0" dirty="0" smtClean="0">
+                <a:solidFill>
+                  <a:schemeClr val="tx1"/>
+                </a:solidFill>
+                <a:latin typeface="+mn-lt"/>
+                <a:ea typeface="+mn-ea"/>
+                <a:cs typeface="+mn-cs"/>
+              </a:rPr>
+              <a:t>)</a:t>
+            </a:r>
+            <a:r>
+              <a:rPr lang="zh-TW" altLang="en-US" sz="1200" kern="1200" baseline="0" dirty="0" smtClean="0">
+                <a:solidFill>
+                  <a:schemeClr val="tx1"/>
+                </a:solidFill>
+                <a:latin typeface="+mn-lt"/>
+                <a:ea typeface="+mn-ea"/>
+                <a:cs typeface="+mn-cs"/>
+              </a:rPr>
+              <a:t>：在轉矩模式下，伺服馬達不能減速停止，必須使用外部機構停止</a:t>
+            </a:r>
+            <a:endParaRPr lang="en-US" altLang="zh-TW" sz="1200" kern="1200" baseline="0" dirty="0" smtClean="0">
+              <a:solidFill>
+                <a:schemeClr val="tx1"/>
+              </a:solidFill>
+              <a:latin typeface="+mn-lt"/>
+              <a:ea typeface="+mn-ea"/>
+              <a:cs typeface="+mn-cs"/>
+            </a:endParaRPr>
+          </a:p>
+          <a:p>
+            <a:pPr marL="0" marR="0" indent="0" algn="l" defTabSz="914400" rtl="0" eaLnBrk="1" fontAlgn="auto" latinLnBrk="0" hangingPunct="1">
+              <a:lnSpc>
+                <a:spcPct val="100000"/>
+              </a:lnSpc>
+              <a:spcBef>
+                <a:spcPts val="0"/>
+              </a:spcBef>
+              <a:spcAft>
+                <a:spcPts val="0"/>
+              </a:spcAft>
+              <a:buClrTx/>
+              <a:buSzTx/>
+              <a:buFontTx/>
+              <a:buNone/>
+              <a:tabLst/>
+              <a:defRPr/>
+            </a:pPr>
+            <a:r>
+              <a:rPr lang="zh-TW" altLang="en-US" sz="1200" kern="1200" baseline="0" dirty="0" smtClean="0">
+                <a:solidFill>
+                  <a:schemeClr val="tx1"/>
+                </a:solidFill>
+                <a:latin typeface="+mn-lt"/>
+                <a:ea typeface="+mn-ea"/>
+                <a:cs typeface="+mn-cs"/>
+              </a:rPr>
+              <a:t>自</a:t>
+            </a:r>
+            <a:r>
+              <a:rPr lang="zh-TW" altLang="en-US" dirty="0" smtClean="0"/>
+              <a:t>由運轉的停止即</a:t>
+            </a:r>
+            <a:r>
+              <a:rPr lang="zh-TW" altLang="en-US" sz="1200" kern="1200" baseline="0" dirty="0" smtClean="0">
+                <a:solidFill>
+                  <a:schemeClr val="tx1"/>
+                </a:solidFill>
+                <a:latin typeface="+mn-lt"/>
+                <a:ea typeface="+mn-ea"/>
+                <a:cs typeface="+mn-cs"/>
+              </a:rPr>
+              <a:t>馬達因運動產生的摩擦力自然停止</a:t>
+            </a:r>
+            <a:endParaRPr lang="en-US" altLang="zh-TW" dirty="0" smtClean="0"/>
+          </a:p>
+          <a:p>
+            <a:r>
+              <a:rPr lang="zh-TW" altLang="en-US" dirty="0" smtClean="0"/>
+              <a:t>設定減速，即設定減速的運動參數，</a:t>
+            </a:r>
+            <a:r>
+              <a:rPr lang="zh-TW" altLang="en-US" sz="1200" kern="1200" baseline="0" dirty="0" smtClean="0">
+                <a:solidFill>
+                  <a:schemeClr val="tx1"/>
+                </a:solidFill>
+                <a:latin typeface="+mn-lt"/>
+                <a:ea typeface="+mn-ea"/>
+                <a:cs typeface="+mn-cs"/>
+              </a:rPr>
+              <a:t>使用緊急停止轉矩，使馬達減速至停止</a:t>
+            </a:r>
+            <a:endParaRPr lang="zh-TW" altLang="en-US" dirty="0"/>
+          </a:p>
+        </p:txBody>
+      </p:sp>
+      <p:sp>
+        <p:nvSpPr>
+          <p:cNvPr id="4" name="投影片編號版面配置區 3"/>
+          <p:cNvSpPr>
+            <a:spLocks noGrp="1"/>
+          </p:cNvSpPr>
+          <p:nvPr>
+            <p:ph type="sldNum" sz="quarter" idx="10"/>
+          </p:nvPr>
+        </p:nvSpPr>
+        <p:spPr/>
+        <p:txBody>
+          <a:bodyPr/>
+          <a:lstStyle/>
+          <a:p>
+            <a:fld id="{6405AE01-4B17-41A2-8DBD-55D0BF9841DD}" type="slidenum">
+              <a:rPr lang="zh-TW" altLang="en-US" smtClean="0"/>
+              <a:pPr/>
+              <a:t>15</a:t>
+            </a:fld>
+            <a:endParaRPr lang="zh-TW" altLang="en-US"/>
+          </a:p>
+        </p:txBody>
+      </p:sp>
+    </p:spTree>
+  </p:cSld>
+  <p:clrMapOvr>
+    <a:masterClrMapping/>
+  </p:clrMapOvr>
+</p:notes>
+</file>
+
+<file path=ppt/notesSlides/notesSlide12.xml><?xml version="1.0" encoding="utf-8"?>
+<p:notes xmlns:a="http://schemas.openxmlformats.org/drawingml/2006/main" xmlns:r="http://schemas.openxmlformats.org/officeDocument/2006/relationships" xmlns:p="http://schemas.openxmlformats.org/presentationml/2006/main">
+  <p:cSld>
+    <p:spTree>
+      <p:nvGrpSpPr>
+        <p:cNvPr id="1" name=""/>
+        <p:cNvGrpSpPr/>
+        <p:nvPr/>
+      </p:nvGrpSpPr>
+      <p:grpSpPr>
+        <a:xfrm>
+          <a:off x="0" y="0"/>
+          <a:ext cx="0" cy="0"/>
+          <a:chOff x="0" y="0"/>
+          <a:chExt cx="0" cy="0"/>
+        </a:xfrm>
+      </p:grpSpPr>
+      <p:sp>
+        <p:nvSpPr>
+          <p:cNvPr id="2" name="投影片圖像版面配置區 1"/>
+          <p:cNvSpPr>
+            <a:spLocks noGrp="1" noRot="1" noChangeAspect="1"/>
+          </p:cNvSpPr>
+          <p:nvPr>
+            <p:ph type="sldImg"/>
+          </p:nvPr>
+        </p:nvSpPr>
+        <p:spPr/>
+      </p:sp>
+      <p:sp>
+        <p:nvSpPr>
+          <p:cNvPr id="3" name="備忘稿版面配置區 2"/>
+          <p:cNvSpPr>
+            <a:spLocks noGrp="1"/>
+          </p:cNvSpPr>
+          <p:nvPr>
+            <p:ph type="body" idx="1"/>
+          </p:nvPr>
+        </p:nvSpPr>
+        <p:spPr/>
+        <p:txBody>
+          <a:bodyPr>
+            <a:normAutofit/>
+          </a:bodyPr>
+          <a:lstStyle/>
+          <a:p>
+            <a:r>
+              <a:rPr lang="zh-TW" altLang="en-US" sz="1200" b="0" i="0" kern="1200" dirty="0" smtClean="0">
+                <a:solidFill>
+                  <a:schemeClr val="tx1"/>
+                </a:solidFill>
+                <a:latin typeface="+mn-lt"/>
+                <a:ea typeface="+mn-ea"/>
+                <a:cs typeface="+mn-cs"/>
+              </a:rPr>
+              <a:t>制動器是具有使運動部件</a:t>
+            </a:r>
+            <a:r>
+              <a:rPr lang="en-US" altLang="zh-TW" sz="1200" b="0" i="0" kern="1200" dirty="0" smtClean="0">
+                <a:solidFill>
+                  <a:schemeClr val="tx1"/>
+                </a:solidFill>
+                <a:latin typeface="+mn-lt"/>
+                <a:ea typeface="+mn-ea"/>
+                <a:cs typeface="+mn-cs"/>
+              </a:rPr>
+              <a:t>(</a:t>
+            </a:r>
+            <a:r>
+              <a:rPr lang="zh-TW" altLang="en-US" sz="1200" b="0" i="0" kern="1200" dirty="0" smtClean="0">
+                <a:solidFill>
+                  <a:schemeClr val="tx1"/>
+                </a:solidFill>
+                <a:latin typeface="+mn-lt"/>
+                <a:ea typeface="+mn-ea"/>
+                <a:cs typeface="+mn-cs"/>
+              </a:rPr>
+              <a:t>或運動機械</a:t>
+            </a:r>
+            <a:r>
+              <a:rPr lang="en-US" altLang="zh-TW" sz="1200" b="0" i="0" kern="1200" dirty="0" smtClean="0">
+                <a:solidFill>
+                  <a:schemeClr val="tx1"/>
+                </a:solidFill>
+                <a:latin typeface="+mn-lt"/>
+                <a:ea typeface="+mn-ea"/>
+                <a:cs typeface="+mn-cs"/>
+              </a:rPr>
+              <a:t>)</a:t>
+            </a:r>
+            <a:r>
+              <a:rPr lang="zh-TW" altLang="en-US" sz="1200" b="1" i="0" kern="1200" dirty="0" smtClean="0">
+                <a:solidFill>
+                  <a:schemeClr val="tx1"/>
+                </a:solidFill>
+                <a:latin typeface="+mn-lt"/>
+                <a:ea typeface="+mn-ea"/>
+                <a:cs typeface="+mn-cs"/>
+              </a:rPr>
+              <a:t>減速、停止或保持停止狀態</a:t>
+            </a:r>
+            <a:r>
+              <a:rPr lang="zh-TW" altLang="en-US" sz="1200" b="0" i="0" kern="1200" dirty="0" smtClean="0">
+                <a:solidFill>
+                  <a:schemeClr val="tx1"/>
+                </a:solidFill>
+                <a:latin typeface="+mn-lt"/>
+                <a:ea typeface="+mn-ea"/>
+                <a:cs typeface="+mn-cs"/>
+              </a:rPr>
+              <a:t>等功能的裝置，即剎車設備</a:t>
+            </a:r>
+            <a:endParaRPr lang="en-US" altLang="zh-TW" sz="1200" b="0" i="0" kern="1200" dirty="0" smtClean="0">
+              <a:solidFill>
+                <a:schemeClr val="tx1"/>
+              </a:solidFill>
+              <a:latin typeface="+mn-lt"/>
+              <a:ea typeface="+mn-ea"/>
+              <a:cs typeface="+mn-cs"/>
+            </a:endParaRPr>
+          </a:p>
+          <a:p>
+            <a:r>
+              <a:rPr lang="zh-TW" altLang="en-US" sz="1200" kern="1200" baseline="0" dirty="0" smtClean="0">
+                <a:solidFill>
+                  <a:schemeClr val="tx1"/>
+                </a:solidFill>
+                <a:latin typeface="+mn-lt"/>
+                <a:ea typeface="+mn-ea"/>
+                <a:cs typeface="+mn-cs"/>
+              </a:rPr>
+              <a:t>制動器通常用於在伺服</a:t>
+            </a:r>
+            <a:r>
+              <a:rPr lang="en-US" altLang="zh-TW" sz="1200" kern="1200" baseline="0" dirty="0" smtClean="0">
+                <a:solidFill>
+                  <a:schemeClr val="tx1"/>
+                </a:solidFill>
+                <a:latin typeface="+mn-lt"/>
+                <a:ea typeface="+mn-ea"/>
+                <a:cs typeface="+mn-cs"/>
+              </a:rPr>
+              <a:t>OFF</a:t>
+            </a:r>
+            <a:r>
+              <a:rPr lang="zh-TW" altLang="en-US" sz="1200" kern="1200" baseline="0" dirty="0" smtClean="0">
+                <a:solidFill>
+                  <a:schemeClr val="tx1"/>
+                </a:solidFill>
+                <a:latin typeface="+mn-lt"/>
+                <a:ea typeface="+mn-ea"/>
+                <a:cs typeface="+mn-cs"/>
+              </a:rPr>
+              <a:t>時避免馬達因外力或重力而移動。</a:t>
+            </a:r>
+            <a:endParaRPr lang="en-US" altLang="zh-TW" sz="1200" kern="1200" baseline="0" dirty="0" smtClean="0">
+              <a:solidFill>
+                <a:schemeClr val="tx1"/>
+              </a:solidFill>
+              <a:latin typeface="+mn-lt"/>
+              <a:ea typeface="+mn-ea"/>
+              <a:cs typeface="+mn-cs"/>
+            </a:endParaRPr>
+          </a:p>
+          <a:p>
+            <a:r>
+              <a:rPr lang="zh-TW" altLang="en-US" sz="1200" kern="1200" baseline="0" dirty="0" smtClean="0">
+                <a:solidFill>
+                  <a:schemeClr val="tx1"/>
+                </a:solidFill>
+                <a:latin typeface="+mn-lt"/>
+                <a:ea typeface="+mn-ea"/>
+                <a:cs typeface="+mn-cs"/>
+              </a:rPr>
+              <a:t>若需使用制動器控制輸出 </a:t>
+            </a:r>
+            <a:r>
+              <a:rPr lang="en-US" altLang="zh-TW" sz="1200" kern="1200" baseline="0" dirty="0" smtClean="0">
+                <a:solidFill>
+                  <a:schemeClr val="tx1"/>
+                </a:solidFill>
+                <a:latin typeface="+mn-lt"/>
+                <a:ea typeface="+mn-ea"/>
+                <a:cs typeface="+mn-cs"/>
+              </a:rPr>
+              <a:t>(BK) </a:t>
+            </a:r>
+            <a:r>
+              <a:rPr lang="zh-TW" altLang="en-US" sz="1200" kern="1200" baseline="0" dirty="0" smtClean="0">
+                <a:solidFill>
+                  <a:schemeClr val="tx1"/>
+                </a:solidFill>
+                <a:latin typeface="+mn-lt"/>
+                <a:ea typeface="+mn-ea"/>
+                <a:cs typeface="+mn-cs"/>
+              </a:rPr>
+              <a:t>訊號，建議搭配繼電器和額外的電源供應器，以避免因電流不足而導致作動異常</a:t>
+            </a:r>
+            <a:endParaRPr lang="en-US" altLang="zh-TW" sz="1200" kern="1200" baseline="0" dirty="0" smtClean="0">
+              <a:solidFill>
+                <a:schemeClr val="tx1"/>
+              </a:solidFill>
+              <a:latin typeface="+mn-lt"/>
+              <a:ea typeface="+mn-ea"/>
+              <a:cs typeface="+mn-cs"/>
+            </a:endParaRPr>
+          </a:p>
+          <a:p>
+            <a:pPr marL="0" marR="0" indent="0" algn="l" defTabSz="914400" rtl="0" eaLnBrk="1" fontAlgn="auto" latinLnBrk="0" hangingPunct="1">
+              <a:lnSpc>
+                <a:spcPct val="100000"/>
+              </a:lnSpc>
+              <a:spcBef>
+                <a:spcPts val="0"/>
+              </a:spcBef>
+              <a:spcAft>
+                <a:spcPts val="0"/>
+              </a:spcAft>
+              <a:buClrTx/>
+              <a:buSzTx/>
+              <a:buFontTx/>
+              <a:buNone/>
+              <a:tabLst/>
+              <a:defRPr/>
+            </a:pPr>
+            <a:r>
+              <a:rPr lang="en-US" altLang="zh-TW" dirty="0" smtClean="0"/>
+              <a:t>//=================================================================</a:t>
+            </a:r>
+            <a:endParaRPr lang="en-US" altLang="zh-TW" sz="1200" kern="1200" baseline="0" dirty="0" smtClean="0">
+              <a:solidFill>
+                <a:schemeClr val="tx1"/>
+              </a:solidFill>
+              <a:latin typeface="+mn-lt"/>
+              <a:ea typeface="+mn-ea"/>
+              <a:cs typeface="+mn-cs"/>
+            </a:endParaRPr>
+          </a:p>
+          <a:p>
+            <a:r>
+              <a:rPr lang="zh-TW" altLang="en-US" sz="1200" b="1" i="0" kern="1200" dirty="0" smtClean="0">
+                <a:solidFill>
+                  <a:schemeClr val="tx1"/>
+                </a:solidFill>
+                <a:latin typeface="+mn-lt"/>
+                <a:ea typeface="+mn-ea"/>
+                <a:cs typeface="+mn-cs"/>
+              </a:rPr>
+              <a:t>繼電器</a:t>
+            </a:r>
+            <a:r>
+              <a:rPr lang="zh-TW" altLang="en-US" sz="1200" b="0" i="0" kern="1200" dirty="0" smtClean="0">
+                <a:solidFill>
+                  <a:schemeClr val="tx1"/>
+                </a:solidFill>
+                <a:latin typeface="+mn-lt"/>
+                <a:ea typeface="+mn-ea"/>
+                <a:cs typeface="+mn-cs"/>
+              </a:rPr>
+              <a:t>（</a:t>
+            </a:r>
+            <a:r>
+              <a:rPr lang="en-US" altLang="zh-TW" sz="1200" b="0" i="0" kern="1200" dirty="0" smtClean="0">
+                <a:solidFill>
+                  <a:schemeClr val="tx1"/>
+                </a:solidFill>
+                <a:latin typeface="+mn-lt"/>
+                <a:ea typeface="+mn-ea"/>
+                <a:cs typeface="+mn-cs"/>
+              </a:rPr>
+              <a:t>Relay</a:t>
+            </a:r>
+            <a:r>
+              <a:rPr lang="zh-TW" altLang="en-US" sz="1200" b="0" i="0" kern="1200" dirty="0" smtClean="0">
+                <a:solidFill>
+                  <a:schemeClr val="tx1"/>
+                </a:solidFill>
+                <a:latin typeface="+mn-lt"/>
+                <a:ea typeface="+mn-ea"/>
+                <a:cs typeface="+mn-cs"/>
+              </a:rPr>
+              <a:t>），也稱</a:t>
+            </a:r>
+            <a:r>
+              <a:rPr lang="zh-TW" altLang="en-US" sz="1200" b="1" i="0" kern="1200" dirty="0" smtClean="0">
+                <a:solidFill>
+                  <a:schemeClr val="tx1"/>
+                </a:solidFill>
+                <a:latin typeface="+mn-lt"/>
+                <a:ea typeface="+mn-ea"/>
+                <a:cs typeface="+mn-cs"/>
+              </a:rPr>
+              <a:t>電驛</a:t>
+            </a:r>
+            <a:r>
+              <a:rPr lang="zh-TW" altLang="en-US" sz="1200" b="0" i="0" kern="1200" dirty="0" smtClean="0">
+                <a:solidFill>
+                  <a:schemeClr val="tx1"/>
+                </a:solidFill>
+                <a:latin typeface="+mn-lt"/>
+                <a:ea typeface="+mn-ea"/>
+                <a:cs typeface="+mn-cs"/>
+              </a:rPr>
+              <a:t>，是一種電子控制元件，它具有控制系統（又稱輸入迴路）和被控制系統（又稱輸出迴路），</a:t>
+            </a:r>
+            <a:endParaRPr lang="en-US" altLang="zh-TW" sz="1200" b="0" i="0" kern="1200" dirty="0" smtClean="0">
+              <a:solidFill>
+                <a:schemeClr val="tx1"/>
+              </a:solidFill>
+              <a:latin typeface="+mn-lt"/>
+              <a:ea typeface="+mn-ea"/>
+              <a:cs typeface="+mn-cs"/>
+            </a:endParaRPr>
+          </a:p>
+          <a:p>
+            <a:r>
+              <a:rPr lang="zh-TW" altLang="en-US" sz="1200" b="0" i="0" kern="1200" dirty="0" smtClean="0">
+                <a:solidFill>
+                  <a:schemeClr val="tx1"/>
+                </a:solidFill>
+                <a:latin typeface="+mn-lt"/>
+                <a:ea typeface="+mn-ea"/>
+                <a:cs typeface="+mn-cs"/>
+              </a:rPr>
+              <a:t>通常應用於</a:t>
+            </a:r>
+            <a:r>
+              <a:rPr lang="zh-TW" altLang="en-US" sz="1200" b="0" i="0" kern="1200" dirty="0" smtClean="0">
+                <a:solidFill>
+                  <a:schemeClr val="tx1"/>
+                </a:solidFill>
+                <a:latin typeface="+mn-lt"/>
+                <a:ea typeface="+mn-ea"/>
+                <a:cs typeface="+mn-cs"/>
+                <a:hlinkClick r:id="rId3" tooltip="自動控制"/>
+              </a:rPr>
+              <a:t>自動控制</a:t>
+            </a:r>
+            <a:r>
+              <a:rPr lang="zh-TW" altLang="en-US" sz="1200" b="0" i="0" kern="1200" dirty="0" smtClean="0">
+                <a:solidFill>
+                  <a:schemeClr val="tx1"/>
+                </a:solidFill>
+                <a:latin typeface="+mn-lt"/>
+                <a:ea typeface="+mn-ea"/>
+                <a:cs typeface="+mn-cs"/>
+              </a:rPr>
+              <a:t>電路中，它實際上是用較小的電流去控制較大電流的一種「自動</a:t>
+            </a:r>
+            <a:r>
+              <a:rPr lang="zh-TW" altLang="en-US" sz="1200" b="0" i="0" u="none" strike="noStrike" kern="1200" dirty="0" smtClean="0">
+                <a:solidFill>
+                  <a:schemeClr val="tx1"/>
+                </a:solidFill>
+                <a:latin typeface="+mn-lt"/>
+                <a:ea typeface="+mn-ea"/>
+                <a:cs typeface="+mn-cs"/>
+                <a:hlinkClick r:id="rId4" tooltip="開關"/>
+              </a:rPr>
+              <a:t>開關</a:t>
+            </a:r>
+            <a:r>
+              <a:rPr lang="zh-TW" altLang="en-US" sz="1200" b="0" i="0" kern="1200" dirty="0" smtClean="0">
+                <a:solidFill>
+                  <a:schemeClr val="tx1"/>
+                </a:solidFill>
+                <a:latin typeface="+mn-lt"/>
+                <a:ea typeface="+mn-ea"/>
+                <a:cs typeface="+mn-cs"/>
+              </a:rPr>
+              <a:t>」。故在電路中起著自動調節、安全保護、轉換電路等作用</a:t>
+            </a:r>
+            <a:endParaRPr lang="zh-TW" altLang="en-US" dirty="0"/>
+          </a:p>
+        </p:txBody>
+      </p:sp>
+      <p:sp>
+        <p:nvSpPr>
+          <p:cNvPr id="4" name="投影片編號版面配置區 3"/>
+          <p:cNvSpPr>
+            <a:spLocks noGrp="1"/>
+          </p:cNvSpPr>
+          <p:nvPr>
+            <p:ph type="sldNum" sz="quarter" idx="10"/>
+          </p:nvPr>
+        </p:nvSpPr>
+        <p:spPr/>
+        <p:txBody>
+          <a:bodyPr/>
+          <a:lstStyle/>
+          <a:p>
+            <a:fld id="{6405AE01-4B17-41A2-8DBD-55D0BF9841DD}" type="slidenum">
+              <a:rPr lang="zh-TW" altLang="en-US" smtClean="0"/>
+              <a:pPr/>
+              <a:t>16</a:t>
+            </a:fld>
+            <a:endParaRPr lang="zh-TW" altLang="en-US"/>
+          </a:p>
+        </p:txBody>
+      </p:sp>
+    </p:spTree>
+  </p:cSld>
+  <p:clrMapOvr>
+    <a:masterClrMapping/>
+  </p:clrMapOvr>
+</p:notes>
+</file>
+
+<file path=ppt/notesSlides/notesSlide13.xml><?xml version="1.0" encoding="utf-8"?>
+<p:notes xmlns:a="http://schemas.openxmlformats.org/drawingml/2006/main" xmlns:r="http://schemas.openxmlformats.org/officeDocument/2006/relationships" xmlns:p="http://schemas.openxmlformats.org/presentationml/2006/main">
+  <p:cSld>
+    <p:spTree>
+      <p:nvGrpSpPr>
+        <p:cNvPr id="1" name=""/>
+        <p:cNvGrpSpPr/>
+        <p:nvPr/>
+      </p:nvGrpSpPr>
+      <p:grpSpPr>
+        <a:xfrm>
+          <a:off x="0" y="0"/>
+          <a:ext cx="0" cy="0"/>
+          <a:chOff x="0" y="0"/>
+          <a:chExt cx="0" cy="0"/>
+        </a:xfrm>
+      </p:grpSpPr>
+      <p:sp>
+        <p:nvSpPr>
+          <p:cNvPr id="2" name="投影片圖像版面配置區 1"/>
+          <p:cNvSpPr>
+            <a:spLocks noGrp="1" noRot="1" noChangeAspect="1"/>
+          </p:cNvSpPr>
+          <p:nvPr>
+            <p:ph type="sldImg"/>
+          </p:nvPr>
+        </p:nvSpPr>
+        <p:spPr/>
+      </p:sp>
+      <p:sp>
+        <p:nvSpPr>
+          <p:cNvPr id="3" name="備忘稿版面配置區 2"/>
+          <p:cNvSpPr>
+            <a:spLocks noGrp="1"/>
+          </p:cNvSpPr>
+          <p:nvPr>
+            <p:ph type="body" idx="1"/>
+          </p:nvPr>
+        </p:nvSpPr>
+        <p:spPr/>
+        <p:txBody>
+          <a:bodyPr>
+            <a:normAutofit/>
+          </a:bodyPr>
+          <a:lstStyle/>
+          <a:p>
+            <a:r>
+              <a:rPr lang="zh-TW" altLang="en-US" sz="1200" b="0" i="0" kern="1200" dirty="0" smtClean="0">
+                <a:solidFill>
+                  <a:schemeClr val="tx1"/>
+                </a:solidFill>
+                <a:latin typeface="+mn-lt"/>
+                <a:ea typeface="+mn-ea"/>
+                <a:cs typeface="+mn-cs"/>
+              </a:rPr>
+              <a:t>所謂「 電子齒輪」 功能，主要有兩方面的應用：</a:t>
+            </a:r>
+            <a:endParaRPr lang="en-US" altLang="zh-TW" sz="1200" b="0" i="0" kern="1200" dirty="0" smtClean="0">
+              <a:solidFill>
+                <a:schemeClr val="tx1"/>
+              </a:solidFill>
+              <a:latin typeface="+mn-lt"/>
+              <a:ea typeface="+mn-ea"/>
+              <a:cs typeface="+mn-cs"/>
+            </a:endParaRPr>
+          </a:p>
+          <a:p>
+            <a:r>
+              <a:rPr lang="zh-TW" altLang="en-US" sz="1200" b="0" i="0" kern="1200" dirty="0" smtClean="0">
+                <a:solidFill>
+                  <a:schemeClr val="tx1"/>
+                </a:solidFill>
+                <a:latin typeface="+mn-lt"/>
+                <a:ea typeface="+mn-ea"/>
+                <a:cs typeface="+mn-cs"/>
+              </a:rPr>
+              <a:t>一是調整電機旋轉</a:t>
+            </a:r>
+            <a:r>
+              <a:rPr lang="en-US" altLang="zh-TW" sz="1200" b="0" i="0" kern="1200" dirty="0" smtClean="0">
+                <a:solidFill>
+                  <a:schemeClr val="tx1"/>
+                </a:solidFill>
+                <a:latin typeface="+mn-lt"/>
+                <a:ea typeface="+mn-ea"/>
+                <a:cs typeface="+mn-cs"/>
+              </a:rPr>
+              <a:t>1</a:t>
+            </a:r>
+            <a:r>
+              <a:rPr lang="zh-TW" altLang="en-US" sz="1200" b="0" i="0" kern="1200" dirty="0" smtClean="0">
+                <a:solidFill>
+                  <a:schemeClr val="tx1"/>
+                </a:solidFill>
+                <a:latin typeface="+mn-lt"/>
+                <a:ea typeface="+mn-ea"/>
+                <a:cs typeface="+mn-cs"/>
+              </a:rPr>
+              <a:t>圈所需要的指令脈衝數，以保證電機轉速能夠達到需求轉速</a:t>
+            </a:r>
+            <a:endParaRPr lang="en-US" altLang="zh-TW" sz="1200" b="0" i="0" kern="1200" dirty="0" smtClean="0">
+              <a:solidFill>
+                <a:schemeClr val="tx1"/>
+              </a:solidFill>
+              <a:latin typeface="+mn-lt"/>
+              <a:ea typeface="+mn-ea"/>
+              <a:cs typeface="+mn-cs"/>
+            </a:endParaRPr>
+          </a:p>
+          <a:p>
+            <a:r>
+              <a:rPr lang="zh-TW" altLang="en-US" sz="1200" b="0" i="0" kern="1200" dirty="0" smtClean="0">
+                <a:solidFill>
+                  <a:schemeClr val="tx1"/>
+                </a:solidFill>
+                <a:latin typeface="+mn-lt"/>
+                <a:ea typeface="+mn-ea"/>
+                <a:cs typeface="+mn-cs"/>
+              </a:rPr>
+              <a:t>二、避免脈衝數產生小數，取整後影響定位精度</a:t>
+            </a:r>
+            <a:r>
+              <a:rPr lang="zh-TW" altLang="en-US" dirty="0" smtClean="0"/>
+              <a:t/>
+            </a:r>
+            <a:br>
+              <a:rPr lang="zh-TW" altLang="en-US" dirty="0" smtClean="0"/>
+            </a:br>
+            <a:r>
+              <a:rPr lang="zh-TW" altLang="en-US" sz="1200" b="0" i="0" kern="1200" dirty="0" smtClean="0">
+                <a:solidFill>
+                  <a:schemeClr val="tx1"/>
+                </a:solidFill>
+                <a:latin typeface="+mn-lt"/>
+                <a:ea typeface="+mn-ea"/>
+                <a:cs typeface="+mn-cs"/>
+              </a:rPr>
+              <a:t>原文網址：</a:t>
+            </a:r>
+            <a:r>
+              <a:rPr lang="en-US" altLang="zh-TW" sz="1200" b="0" i="0" u="none" strike="noStrike" kern="1200" dirty="0" smtClean="0">
+                <a:solidFill>
+                  <a:schemeClr val="tx1"/>
+                </a:solidFill>
+                <a:latin typeface="+mn-lt"/>
+                <a:ea typeface="+mn-ea"/>
+                <a:cs typeface="+mn-cs"/>
+                <a:hlinkClick r:id="rId3"/>
+              </a:rPr>
+              <a:t>https://read01.com/0MgQaxN.html</a:t>
+            </a:r>
+            <a:endParaRPr lang="zh-TW" altLang="en-US" dirty="0"/>
+          </a:p>
+        </p:txBody>
+      </p:sp>
+      <p:sp>
+        <p:nvSpPr>
+          <p:cNvPr id="4" name="投影片編號版面配置區 3"/>
+          <p:cNvSpPr>
+            <a:spLocks noGrp="1"/>
+          </p:cNvSpPr>
+          <p:nvPr>
+            <p:ph type="sldNum" sz="quarter" idx="10"/>
+          </p:nvPr>
+        </p:nvSpPr>
+        <p:spPr/>
+        <p:txBody>
+          <a:bodyPr/>
+          <a:lstStyle/>
+          <a:p>
+            <a:fld id="{6405AE01-4B17-41A2-8DBD-55D0BF9841DD}" type="slidenum">
+              <a:rPr lang="zh-TW" altLang="en-US" smtClean="0"/>
+              <a:pPr/>
+              <a:t>17</a:t>
+            </a:fld>
+            <a:endParaRPr lang="zh-TW" altLang="en-US"/>
+          </a:p>
+        </p:txBody>
+      </p:sp>
+    </p:spTree>
+  </p:cSld>
+  <p:clrMapOvr>
+    <a:masterClrMapping/>
+  </p:clrMapOvr>
+</p:notes>
+</file>
+
+<file path=ppt/notesSlides/notesSlide14.xml><?xml version="1.0" encoding="utf-8"?>
+<p:notes xmlns:a="http://schemas.openxmlformats.org/drawingml/2006/main" xmlns:r="http://schemas.openxmlformats.org/officeDocument/2006/relationships" xmlns:p="http://schemas.openxmlformats.org/presentationml/2006/main">
+  <p:cSld>
+    <p:spTree>
+      <p:nvGrpSpPr>
+        <p:cNvPr id="1" name=""/>
+        <p:cNvGrpSpPr/>
+        <p:nvPr/>
+      </p:nvGrpSpPr>
+      <p:grpSpPr>
+        <a:xfrm>
+          <a:off x="0" y="0"/>
+          <a:ext cx="0" cy="0"/>
+          <a:chOff x="0" y="0"/>
+          <a:chExt cx="0" cy="0"/>
+        </a:xfrm>
+      </p:grpSpPr>
+      <p:sp>
+        <p:nvSpPr>
+          <p:cNvPr id="2" name="投影片圖像版面配置區 1"/>
+          <p:cNvSpPr>
+            <a:spLocks noGrp="1" noRot="1" noChangeAspect="1"/>
+          </p:cNvSpPr>
+          <p:nvPr>
+            <p:ph type="sldImg"/>
+          </p:nvPr>
+        </p:nvSpPr>
+        <p:spPr/>
+      </p:sp>
+      <p:sp>
+        <p:nvSpPr>
+          <p:cNvPr id="3" name="備忘稿版面配置區 2"/>
+          <p:cNvSpPr>
+            <a:spLocks noGrp="1"/>
+          </p:cNvSpPr>
+          <p:nvPr>
+            <p:ph type="body" idx="1"/>
+          </p:nvPr>
+        </p:nvSpPr>
+        <p:spPr/>
+        <p:txBody>
+          <a:bodyPr>
+            <a:normAutofit/>
+          </a:bodyPr>
+          <a:lstStyle/>
+          <a:p>
+            <a:r>
+              <a:rPr lang="zh-TW" altLang="en-US" sz="1200" kern="1200" baseline="0" dirty="0" smtClean="0">
+                <a:solidFill>
+                  <a:schemeClr val="tx1"/>
+                </a:solidFill>
+                <a:latin typeface="+mn-lt"/>
+                <a:ea typeface="+mn-ea"/>
+                <a:cs typeface="+mn-cs"/>
+              </a:rPr>
+              <a:t>在速度模式下，即使速度命令為</a:t>
+            </a:r>
+            <a:r>
+              <a:rPr lang="en-US" altLang="zh-TW" sz="1200" kern="1200" baseline="0" dirty="0" smtClean="0">
+                <a:solidFill>
+                  <a:schemeClr val="tx1"/>
+                </a:solidFill>
+                <a:latin typeface="+mn-lt"/>
+                <a:ea typeface="+mn-ea"/>
+                <a:cs typeface="+mn-cs"/>
+              </a:rPr>
+              <a:t>0 V</a:t>
+            </a:r>
+            <a:r>
+              <a:rPr lang="zh-TW" altLang="en-US" sz="1200" kern="1200" baseline="0" dirty="0" smtClean="0">
+                <a:solidFill>
+                  <a:schemeClr val="tx1"/>
+                </a:solidFill>
+                <a:latin typeface="+mn-lt"/>
+                <a:ea typeface="+mn-ea"/>
+                <a:cs typeface="+mn-cs"/>
+              </a:rPr>
+              <a:t>，馬達也可能產生些微的移動。</a:t>
+            </a:r>
+            <a:endParaRPr lang="en-US" altLang="zh-TW" sz="1200" kern="1200" baseline="0" dirty="0" smtClean="0">
+              <a:solidFill>
+                <a:schemeClr val="tx1"/>
+              </a:solidFill>
+              <a:latin typeface="+mn-lt"/>
+              <a:ea typeface="+mn-ea"/>
+              <a:cs typeface="+mn-cs"/>
+            </a:endParaRPr>
+          </a:p>
+          <a:p>
+            <a:r>
+              <a:rPr lang="zh-TW" altLang="en-US" sz="1200" kern="1200" baseline="0" dirty="0" smtClean="0">
+                <a:solidFill>
+                  <a:schemeClr val="tx1"/>
+                </a:solidFill>
+                <a:latin typeface="+mn-lt"/>
+                <a:ea typeface="+mn-ea"/>
+                <a:cs typeface="+mn-cs"/>
+              </a:rPr>
+              <a:t>這是因為驅動器內部偵測電壓時發生偏差，這種偏差稱為</a:t>
+            </a:r>
+            <a:r>
+              <a:rPr lang="zh-TW" altLang="en-US" sz="1200" b="1" kern="1200" baseline="0" dirty="0" smtClean="0">
+                <a:solidFill>
+                  <a:schemeClr val="tx1"/>
+                </a:solidFill>
+                <a:latin typeface="+mn-lt"/>
+                <a:ea typeface="+mn-ea"/>
+                <a:cs typeface="+mn-cs"/>
+              </a:rPr>
+              <a:t>偏壓</a:t>
+            </a:r>
+            <a:r>
+              <a:rPr lang="zh-TW" altLang="en-US" sz="1200" kern="1200" baseline="0" dirty="0" smtClean="0">
+                <a:solidFill>
+                  <a:schemeClr val="tx1"/>
+                </a:solidFill>
+                <a:latin typeface="+mn-lt"/>
+                <a:ea typeface="+mn-ea"/>
+                <a:cs typeface="+mn-cs"/>
+              </a:rPr>
+              <a:t>。</a:t>
+            </a:r>
+            <a:endParaRPr lang="en-US" altLang="zh-TW" sz="1200" kern="1200" baseline="0" dirty="0" smtClean="0">
+              <a:solidFill>
+                <a:schemeClr val="tx1"/>
+              </a:solidFill>
+              <a:latin typeface="+mn-lt"/>
+              <a:ea typeface="+mn-ea"/>
+              <a:cs typeface="+mn-cs"/>
+            </a:endParaRPr>
+          </a:p>
+          <a:p>
+            <a:r>
+              <a:rPr lang="zh-TW" altLang="en-US" sz="1200" kern="1200" baseline="0" dirty="0" smtClean="0">
+                <a:solidFill>
+                  <a:schemeClr val="tx1"/>
+                </a:solidFill>
+                <a:latin typeface="+mn-lt"/>
+                <a:ea typeface="+mn-ea"/>
+                <a:cs typeface="+mn-cs"/>
+              </a:rPr>
+              <a:t>發生此情形時可使用偏壓調整功能進行調整。</a:t>
+            </a:r>
+            <a:endParaRPr lang="en-US" altLang="zh-TW" sz="1200" kern="1200" baseline="0" dirty="0" smtClean="0">
+              <a:solidFill>
+                <a:schemeClr val="tx1"/>
+              </a:solidFill>
+              <a:latin typeface="+mn-lt"/>
+              <a:ea typeface="+mn-ea"/>
+              <a:cs typeface="+mn-cs"/>
+            </a:endParaRPr>
+          </a:p>
+          <a:p>
+            <a:r>
+              <a:rPr lang="zh-TW" altLang="en-US" sz="1200" b="1" kern="1200" dirty="0" smtClean="0">
+                <a:solidFill>
+                  <a:schemeClr val="tx1"/>
+                </a:solidFill>
+                <a:latin typeface="+mn-lt"/>
+                <a:ea typeface="+mn-ea"/>
+                <a:cs typeface="+mn-cs"/>
+              </a:rPr>
+              <a:t>圖中當</a:t>
+            </a:r>
+            <a:r>
+              <a:rPr lang="en-US" altLang="zh-TW" sz="1200" b="1" kern="1200" dirty="0" smtClean="0">
+                <a:solidFill>
+                  <a:schemeClr val="tx1"/>
+                </a:solidFill>
+                <a:latin typeface="+mn-lt"/>
+                <a:ea typeface="+mn-ea"/>
+                <a:cs typeface="+mn-cs"/>
+              </a:rPr>
+              <a:t>VMK</a:t>
+            </a:r>
+            <a:r>
+              <a:rPr lang="zh-TW" altLang="en-US" sz="1200" b="1" kern="1200" dirty="0" smtClean="0">
+                <a:solidFill>
+                  <a:schemeClr val="tx1"/>
+                </a:solidFill>
+                <a:latin typeface="+mn-lt"/>
+                <a:ea typeface="+mn-ea"/>
+                <a:cs typeface="+mn-cs"/>
+              </a:rPr>
+              <a:t>不為</a:t>
+            </a:r>
+            <a:r>
+              <a:rPr lang="en-US" altLang="zh-TW" sz="1200" b="1" kern="1200" dirty="0" smtClean="0">
+                <a:solidFill>
+                  <a:schemeClr val="tx1"/>
+                </a:solidFill>
+                <a:latin typeface="+mn-lt"/>
+                <a:ea typeface="+mn-ea"/>
+                <a:cs typeface="+mn-cs"/>
+              </a:rPr>
+              <a:t>0</a:t>
+            </a:r>
+            <a:r>
+              <a:rPr lang="zh-TW" altLang="en-US" sz="1200" b="1" kern="1200" dirty="0" smtClean="0">
+                <a:solidFill>
+                  <a:schemeClr val="tx1"/>
+                </a:solidFill>
+                <a:latin typeface="+mn-lt"/>
+                <a:ea typeface="+mn-ea"/>
+                <a:cs typeface="+mn-cs"/>
+              </a:rPr>
+              <a:t>即存在偏壓</a:t>
+            </a:r>
+            <a:endParaRPr lang="zh-TW" altLang="en-US" dirty="0"/>
+          </a:p>
+        </p:txBody>
+      </p:sp>
+      <p:sp>
+        <p:nvSpPr>
+          <p:cNvPr id="4" name="投影片編號版面配置區 3"/>
+          <p:cNvSpPr>
+            <a:spLocks noGrp="1"/>
+          </p:cNvSpPr>
+          <p:nvPr>
+            <p:ph type="sldNum" sz="quarter" idx="10"/>
+          </p:nvPr>
+        </p:nvSpPr>
+        <p:spPr/>
+        <p:txBody>
+          <a:bodyPr/>
+          <a:lstStyle/>
+          <a:p>
+            <a:fld id="{6405AE01-4B17-41A2-8DBD-55D0BF9841DD}" type="slidenum">
+              <a:rPr lang="zh-TW" altLang="en-US" smtClean="0"/>
+              <a:pPr/>
+              <a:t>19</a:t>
+            </a:fld>
+            <a:endParaRPr lang="zh-TW" altLang="en-US"/>
+          </a:p>
+        </p:txBody>
+      </p:sp>
+    </p:spTree>
+  </p:cSld>
+  <p:clrMapOvr>
+    <a:masterClrMapping/>
+  </p:clrMapOvr>
+</p:notes>
+</file>
+
+<file path=ppt/notesSlides/notesSlide15.xml><?xml version="1.0" encoding="utf-8"?>
+<p:notes xmlns:a="http://schemas.openxmlformats.org/drawingml/2006/main" xmlns:r="http://schemas.openxmlformats.org/officeDocument/2006/relationships" xmlns:p="http://schemas.openxmlformats.org/presentationml/2006/main">
+  <p:cSld>
+    <p:spTree>
+      <p:nvGrpSpPr>
+        <p:cNvPr id="1" name=""/>
+        <p:cNvGrpSpPr/>
+        <p:nvPr/>
+      </p:nvGrpSpPr>
+      <p:grpSpPr>
+        <a:xfrm>
+          <a:off x="0" y="0"/>
+          <a:ext cx="0" cy="0"/>
+          <a:chOff x="0" y="0"/>
+          <a:chExt cx="0" cy="0"/>
+        </a:xfrm>
+      </p:grpSpPr>
+      <p:sp>
+        <p:nvSpPr>
+          <p:cNvPr id="2" name="投影片圖像版面配置區 1"/>
+          <p:cNvSpPr>
+            <a:spLocks noGrp="1" noRot="1" noChangeAspect="1"/>
+          </p:cNvSpPr>
+          <p:nvPr>
+            <p:ph type="sldImg"/>
+          </p:nvPr>
+        </p:nvSpPr>
+        <p:spPr/>
+      </p:sp>
+      <p:sp>
+        <p:nvSpPr>
+          <p:cNvPr id="3" name="備忘稿版面配置區 2"/>
+          <p:cNvSpPr>
+            <a:spLocks noGrp="1"/>
+          </p:cNvSpPr>
+          <p:nvPr>
+            <p:ph type="body" idx="1"/>
+          </p:nvPr>
+        </p:nvSpPr>
+        <p:spPr/>
+        <p:txBody>
+          <a:bodyPr>
+            <a:normAutofit/>
+          </a:bodyPr>
+          <a:lstStyle/>
+          <a:p>
+            <a:r>
+              <a:rPr lang="zh-TW" altLang="en-US" sz="1200" b="0" i="0" kern="1200" dirty="0" smtClean="0">
+                <a:solidFill>
+                  <a:schemeClr val="tx1"/>
+                </a:solidFill>
+                <a:latin typeface="+mn-lt"/>
+                <a:ea typeface="+mn-ea"/>
+                <a:cs typeface="+mn-cs"/>
+              </a:rPr>
+              <a:t>軟起動追求的是一個平滑的升壓過程，可以實現無衝擊啟動，進而有效地保護電源系統以及電動機</a:t>
+            </a:r>
+            <a:endParaRPr lang="en-US" altLang="zh-TW" sz="1200" b="0" i="0" kern="1200" dirty="0" smtClean="0">
+              <a:solidFill>
+                <a:schemeClr val="tx1"/>
+              </a:solidFill>
+              <a:latin typeface="+mn-lt"/>
+              <a:ea typeface="+mn-ea"/>
+              <a:cs typeface="+mn-cs"/>
+            </a:endParaRPr>
+          </a:p>
+          <a:p>
+            <a:r>
+              <a:rPr lang="zh-TW" altLang="en-US" sz="1200" b="0" i="0" kern="1200" dirty="0" smtClean="0">
+                <a:solidFill>
+                  <a:schemeClr val="tx1"/>
+                </a:solidFill>
+                <a:latin typeface="+mn-lt"/>
+                <a:ea typeface="+mn-ea"/>
+                <a:cs typeface="+mn-cs"/>
+              </a:rPr>
+              <a:t>軟啟動即為圖左方之加速曲線</a:t>
+            </a:r>
+            <a:endParaRPr lang="en-US" altLang="zh-TW" sz="1200" b="0" i="0" kern="1200" dirty="0" smtClean="0">
+              <a:solidFill>
+                <a:schemeClr val="tx1"/>
+              </a:solidFill>
+              <a:latin typeface="+mn-lt"/>
+              <a:ea typeface="+mn-ea"/>
+              <a:cs typeface="+mn-cs"/>
+            </a:endParaRPr>
+          </a:p>
+          <a:p>
+            <a:r>
+              <a:rPr lang="zh-TW" altLang="en-US" sz="1200" b="0" i="0" kern="1200" dirty="0" smtClean="0">
+                <a:solidFill>
+                  <a:schemeClr val="tx1"/>
+                </a:solidFill>
+                <a:latin typeface="+mn-lt"/>
+                <a:ea typeface="+mn-ea"/>
+                <a:cs typeface="+mn-cs"/>
+              </a:rPr>
+              <a:t>同於軟啟動的機制，速度停止也有軟停車，即圖右方之減速曲線</a:t>
+            </a:r>
+            <a:endParaRPr lang="en-US" altLang="zh-TW" sz="1200" b="0" i="0" kern="1200" dirty="0" smtClean="0">
+              <a:solidFill>
+                <a:schemeClr val="tx1"/>
+              </a:solidFill>
+              <a:latin typeface="+mn-lt"/>
+              <a:ea typeface="+mn-ea"/>
+              <a:cs typeface="+mn-cs"/>
+            </a:endParaRPr>
+          </a:p>
+        </p:txBody>
+      </p:sp>
+      <p:sp>
+        <p:nvSpPr>
+          <p:cNvPr id="4" name="投影片編號版面配置區 3"/>
+          <p:cNvSpPr>
+            <a:spLocks noGrp="1"/>
+          </p:cNvSpPr>
+          <p:nvPr>
+            <p:ph type="sldNum" sz="quarter" idx="10"/>
+          </p:nvPr>
+        </p:nvSpPr>
+        <p:spPr/>
+        <p:txBody>
+          <a:bodyPr/>
+          <a:lstStyle/>
+          <a:p>
+            <a:fld id="{6405AE01-4B17-41A2-8DBD-55D0BF9841DD}" type="slidenum">
+              <a:rPr lang="zh-TW" altLang="en-US" smtClean="0"/>
+              <a:pPr/>
+              <a:t>20</a:t>
+            </a:fld>
+            <a:endParaRPr lang="zh-TW" altLang="en-US"/>
+          </a:p>
+        </p:txBody>
+      </p:sp>
+    </p:spTree>
   </p:cSld>
   <p:clrMapOvr>
     <a:masterClrMapping/>
@@ -687,7 +2039,7 @@
     </p:spTree>
     <p:extLst>
       <p:ext uri="{BB962C8B-B14F-4D97-AF65-F5344CB8AC3E}">
-        <p14:creationId xmlns="" xmlns:p14="http://schemas.microsoft.com/office/powerpoint/2010/main" val="1748171370"/>
+        <p14:creationId xmlns:p14="http://schemas.microsoft.com/office/powerpoint/2010/main" xmlns="" val="1748171370"/>
       </p:ext>
     </p:extLst>
   </p:cSld>
@@ -2405,7 +3757,7 @@
             <a:fld id="{6405AE01-4B17-41A2-8DBD-55D0BF9841DD}" type="slidenum">
               <a:rPr lang="zh-TW" altLang="en-US" smtClean="0"/>
               <a:pPr/>
-              <a:t>6</a:t>
+              <a:t>7</a:t>
             </a:fld>
             <a:endParaRPr lang="zh-TW" altLang="en-US"/>
           </a:p>
@@ -2414,7 +3766,7 @@
     </p:spTree>
     <p:extLst>
       <p:ext uri="{BB962C8B-B14F-4D97-AF65-F5344CB8AC3E}">
-        <p14:creationId xmlns="" xmlns:p14="http://schemas.microsoft.com/office/powerpoint/2010/main" val="3205938123"/>
+        <p14:creationId xmlns:p14="http://schemas.microsoft.com/office/powerpoint/2010/main" xmlns="" val="3205938123"/>
       </p:ext>
     </p:extLst>
   </p:cSld>
@@ -2660,7 +4012,7 @@
             <a:fld id="{6405AE01-4B17-41A2-8DBD-55D0BF9841DD}" type="slidenum">
               <a:rPr lang="zh-TW" altLang="en-US" smtClean="0"/>
               <a:pPr/>
-              <a:t>7</a:t>
+              <a:t>8</a:t>
             </a:fld>
             <a:endParaRPr lang="zh-TW" altLang="en-US"/>
           </a:p>
@@ -2840,7 +4192,7 @@
                 <a:ea typeface="+mn-ea"/>
                 <a:cs typeface="+mn-cs"/>
               </a:rPr>
-              <a:t>不需搭配編碼器轉換盒（</a:t>
+              <a:t>不需搭配編碼器轉換盒</a:t>
             </a:r>
             <a:r>
               <a:rPr lang="en-US" altLang="zh-TW" sz="1200" kern="1200" baseline="0" dirty="0" smtClean="0">
@@ -2851,7 +4203,7 @@
                 <a:ea typeface="+mn-ea"/>
                 <a:cs typeface="+mn-cs"/>
               </a:rPr>
-              <a:t>ESC)</a:t>
+              <a:t>(ESC)</a:t>
             </a:r>
             <a:endParaRPr lang="en-US" altLang="zh-TW" dirty="0" smtClean="0"/>
           </a:p>
@@ -2916,6 +4268,258 @@
               <a:rPr lang="en-US" altLang="zh-TW" dirty="0" smtClean="0"/>
               <a:t>ESC</a:t>
             </a:r>
+          </a:p>
+          <a:p>
+            <a:pPr marL="0" marR="0" indent="0" algn="l" defTabSz="914400" rtl="0" eaLnBrk="1" fontAlgn="auto" latinLnBrk="0" hangingPunct="1">
+              <a:lnSpc>
+                <a:spcPct val="100000"/>
+              </a:lnSpc>
+              <a:spcBef>
+                <a:spcPts val="0"/>
+              </a:spcBef>
+              <a:spcAft>
+                <a:spcPts val="0"/>
+              </a:spcAft>
+              <a:buClrTx/>
+              <a:buSzTx/>
+              <a:buFontTx/>
+              <a:buNone/>
+              <a:tabLst/>
+              <a:defRPr/>
+            </a:pPr>
+            <a:r>
+              <a:rPr lang="en-US" altLang="zh-TW" dirty="0" smtClean="0"/>
+              <a:t>//=================================================================</a:t>
+            </a:r>
+          </a:p>
+          <a:p>
+            <a:pPr marL="0" marR="0" indent="0" algn="l" defTabSz="914400" rtl="0" eaLnBrk="1" fontAlgn="auto" latinLnBrk="0" hangingPunct="1">
+              <a:lnSpc>
+                <a:spcPct val="100000"/>
+              </a:lnSpc>
+              <a:spcBef>
+                <a:spcPts val="0"/>
+              </a:spcBef>
+              <a:spcAft>
+                <a:spcPts val="0"/>
+              </a:spcAft>
+              <a:buClrTx/>
+              <a:buSzTx/>
+              <a:buFontTx/>
+              <a:buNone/>
+              <a:tabLst/>
+              <a:defRPr/>
+            </a:pPr>
+            <a:r>
+              <a:rPr lang="en-US" altLang="zh-TW" sz="1200" b="0" i="0" kern="1200" dirty="0" smtClean="0">
+                <a:solidFill>
+                  <a:schemeClr val="tx1"/>
+                </a:solidFill>
+                <a:latin typeface="+mn-lt"/>
+                <a:ea typeface="+mn-ea"/>
+                <a:cs typeface="+mn-cs"/>
+                <a:hlinkClick r:id="rId3"/>
+              </a:rPr>
+              <a:t>PTC</a:t>
+            </a:r>
+            <a:r>
+              <a:rPr lang="zh-TW" altLang="en-US" sz="1200" b="0" i="0" kern="1200" dirty="0" smtClean="0">
+                <a:solidFill>
+                  <a:schemeClr val="tx1"/>
+                </a:solidFill>
+                <a:latin typeface="+mn-lt"/>
+                <a:ea typeface="+mn-ea"/>
+                <a:cs typeface="+mn-cs"/>
+              </a:rPr>
+              <a:t> </a:t>
+            </a:r>
+            <a:r>
+              <a:rPr lang="en-US" altLang="zh-TW" sz="1200" b="0" i="0" kern="1200" dirty="0" smtClean="0">
+                <a:solidFill>
+                  <a:schemeClr val="tx1"/>
+                </a:solidFill>
+                <a:latin typeface="+mn-lt"/>
+                <a:ea typeface="+mn-ea"/>
+                <a:cs typeface="+mn-cs"/>
+              </a:rPr>
+              <a:t>(Positive Temperature Coefficient)</a:t>
+            </a:r>
+            <a:r>
+              <a:rPr lang="zh-TW" altLang="en-US" sz="1200" b="0" i="0" kern="1200" dirty="0" smtClean="0">
+                <a:solidFill>
+                  <a:schemeClr val="tx1"/>
+                </a:solidFill>
+                <a:latin typeface="+mn-lt"/>
+                <a:ea typeface="+mn-ea"/>
+                <a:cs typeface="+mn-cs"/>
+              </a:rPr>
+              <a:t>則是指正溫度係數，這種</a:t>
+            </a:r>
+            <a:r>
+              <a:rPr lang="zh-TW" altLang="en-US" sz="1200" b="1" i="0" kern="1200" dirty="0" smtClean="0">
+                <a:solidFill>
+                  <a:schemeClr val="tx1"/>
+                </a:solidFill>
+                <a:latin typeface="+mn-lt"/>
+                <a:ea typeface="+mn-ea"/>
+                <a:cs typeface="+mn-cs"/>
+              </a:rPr>
+              <a:t>熱敏電阻</a:t>
+            </a:r>
+            <a:r>
+              <a:rPr lang="zh-TW" altLang="en-US" sz="1200" b="0" i="0" kern="1200" dirty="0" smtClean="0">
+                <a:solidFill>
+                  <a:schemeClr val="tx1"/>
+                </a:solidFill>
+                <a:latin typeface="+mn-lt"/>
+                <a:ea typeface="+mn-ea"/>
+                <a:cs typeface="+mn-cs"/>
+              </a:rPr>
+              <a:t>的電阻值會隨著溫度上升而</a:t>
+            </a:r>
+            <a:r>
+              <a:rPr lang="zh-TW" altLang="en-US" sz="1200" b="1" i="0" kern="1200" dirty="0" smtClean="0">
+                <a:solidFill>
+                  <a:schemeClr val="tx1"/>
+                </a:solidFill>
+                <a:latin typeface="+mn-lt"/>
+                <a:ea typeface="+mn-ea"/>
+                <a:cs typeface="+mn-cs"/>
+              </a:rPr>
+              <a:t>增大</a:t>
+            </a:r>
+            <a:endParaRPr lang="en-US" altLang="zh-TW" sz="1200" b="1" i="0" kern="1200" dirty="0" smtClean="0">
+              <a:solidFill>
+                <a:schemeClr val="tx1"/>
+              </a:solidFill>
+              <a:latin typeface="+mn-lt"/>
+              <a:ea typeface="+mn-ea"/>
+              <a:cs typeface="+mn-cs"/>
+            </a:endParaRPr>
+          </a:p>
+          <a:p>
+            <a:pPr marL="0" marR="0" indent="0" algn="l" defTabSz="914400" rtl="0" eaLnBrk="1" fontAlgn="auto" latinLnBrk="0" hangingPunct="1">
+              <a:lnSpc>
+                <a:spcPct val="100000"/>
+              </a:lnSpc>
+              <a:spcBef>
+                <a:spcPts val="0"/>
+              </a:spcBef>
+              <a:spcAft>
+                <a:spcPts val="0"/>
+              </a:spcAft>
+              <a:buClrTx/>
+              <a:buSzTx/>
+              <a:buFontTx/>
+              <a:buNone/>
+              <a:tabLst/>
+              <a:defRPr/>
+            </a:pPr>
+            <a:r>
+              <a:rPr lang="en-US" altLang="zh-TW" sz="1200" b="0" i="0" kern="1200" dirty="0" smtClean="0">
+                <a:solidFill>
+                  <a:schemeClr val="tx1"/>
+                </a:solidFill>
+                <a:latin typeface="+mn-lt"/>
+                <a:ea typeface="+mn-ea"/>
+                <a:cs typeface="+mn-cs"/>
+                <a:hlinkClick r:id="rId3"/>
+              </a:rPr>
+              <a:t>NTC</a:t>
+            </a:r>
+            <a:r>
+              <a:rPr lang="zh-TW" altLang="en-US" sz="1200" b="0" i="0" kern="1200" dirty="0" smtClean="0">
+                <a:solidFill>
+                  <a:schemeClr val="tx1"/>
+                </a:solidFill>
+                <a:latin typeface="+mn-lt"/>
+                <a:ea typeface="+mn-ea"/>
+                <a:cs typeface="+mn-cs"/>
+              </a:rPr>
+              <a:t> </a:t>
+            </a:r>
+            <a:r>
+              <a:rPr lang="en-US" altLang="zh-TW" sz="1200" b="0" i="0" kern="1200" dirty="0" smtClean="0">
+                <a:solidFill>
+                  <a:schemeClr val="tx1"/>
+                </a:solidFill>
+                <a:latin typeface="+mn-lt"/>
+                <a:ea typeface="+mn-ea"/>
+                <a:cs typeface="+mn-cs"/>
+              </a:rPr>
+              <a:t>(Negative Temperature Coefficient)</a:t>
+            </a:r>
+            <a:r>
+              <a:rPr lang="zh-TW" altLang="en-US" sz="1200" b="0" i="0" kern="1200" dirty="0" smtClean="0">
+                <a:solidFill>
+                  <a:schemeClr val="tx1"/>
+                </a:solidFill>
+                <a:latin typeface="+mn-lt"/>
+                <a:ea typeface="+mn-ea"/>
+                <a:cs typeface="+mn-cs"/>
+              </a:rPr>
+              <a:t>則是指負溫度係數，這種</a:t>
+            </a:r>
+            <a:r>
+              <a:rPr lang="zh-TW" altLang="en-US" sz="1200" b="1" i="0" kern="1200" dirty="0" smtClean="0">
+                <a:solidFill>
+                  <a:schemeClr val="tx1"/>
+                </a:solidFill>
+                <a:latin typeface="+mn-lt"/>
+                <a:ea typeface="+mn-ea"/>
+                <a:cs typeface="+mn-cs"/>
+              </a:rPr>
+              <a:t>熱敏電阻</a:t>
+            </a:r>
+            <a:r>
+              <a:rPr lang="zh-TW" altLang="en-US" sz="1200" b="0" i="0" kern="1200" dirty="0" smtClean="0">
+                <a:solidFill>
+                  <a:schemeClr val="tx1"/>
+                </a:solidFill>
+                <a:latin typeface="+mn-lt"/>
+                <a:ea typeface="+mn-ea"/>
+                <a:cs typeface="+mn-cs"/>
+              </a:rPr>
+              <a:t>的電阻值會隨著溫度上升而</a:t>
+            </a:r>
+            <a:r>
+              <a:rPr lang="zh-TW" altLang="en-US" sz="1200" b="1" i="0" kern="1200" dirty="0" smtClean="0">
+                <a:solidFill>
+                  <a:schemeClr val="tx1"/>
+                </a:solidFill>
+                <a:latin typeface="+mn-lt"/>
+                <a:ea typeface="+mn-ea"/>
+                <a:cs typeface="+mn-cs"/>
+              </a:rPr>
+              <a:t>減小</a:t>
+            </a:r>
+            <a:endParaRPr lang="en-US" altLang="zh-TW" sz="1200" b="1" i="0" kern="1200" dirty="0" smtClean="0">
+              <a:solidFill>
+                <a:schemeClr val="tx1"/>
+              </a:solidFill>
+              <a:latin typeface="+mn-lt"/>
+              <a:ea typeface="+mn-ea"/>
+              <a:cs typeface="+mn-cs"/>
+            </a:endParaRPr>
+          </a:p>
+          <a:p>
+            <a:pPr marL="0" marR="0" indent="0" algn="l" defTabSz="914400" rtl="0" eaLnBrk="1" fontAlgn="auto" latinLnBrk="0" hangingPunct="1">
+              <a:lnSpc>
+                <a:spcPct val="100000"/>
+              </a:lnSpc>
+              <a:spcBef>
+                <a:spcPts val="0"/>
+              </a:spcBef>
+              <a:spcAft>
+                <a:spcPts val="0"/>
+              </a:spcAft>
+              <a:buClrTx/>
+              <a:buSzTx/>
+              <a:buFontTx/>
+              <a:buNone/>
+              <a:tabLst/>
+              <a:defRPr/>
+            </a:pPr>
             <a:endParaRPr lang="zh-TW" altLang="en-US" dirty="0"/>
           </a:p>
         </p:txBody>
@@ -2938,7 +4542,7 @@
             <a:fld id="{6405AE01-4B17-41A2-8DBD-55D0BF9841DD}" type="slidenum">
               <a:rPr lang="zh-TW" altLang="en-US" smtClean="0"/>
               <a:pPr/>
-              <a:t>8</a:t>
+              <a:t>9</a:t>
             </a:fld>
             <a:endParaRPr lang="zh-TW" altLang="en-US"/>
           </a:p>
@@ -2947,7 +4551,7 @@
     </p:spTree>
     <p:extLst>
       <p:ext uri="{BB962C8B-B14F-4D97-AF65-F5344CB8AC3E}">
-        <p14:creationId xmlns="" xmlns:p14="http://schemas.microsoft.com/office/powerpoint/2010/main" val="4069039462"/>
+        <p14:creationId xmlns:p14="http://schemas.microsoft.com/office/powerpoint/2010/main" xmlns="" val="4069039462"/>
       </p:ext>
     </p:extLst>
   </p:cSld>
@@ -3183,7 +4787,157 @@
             <a:fld id="{6405AE01-4B17-41A2-8DBD-55D0BF9841DD}" type="slidenum">
               <a:rPr lang="zh-TW" altLang="en-US" smtClean="0"/>
               <a:pPr/>
-              <a:t>9</a:t>
+              <a:t>10</a:t>
+            </a:fld>
+            <a:endParaRPr lang="zh-TW" altLang="en-US"/>
+          </a:p>
+        </p:txBody>
+      </p:sp>
+    </p:spTree>
+  </p:cSld>
+  <p:clrMapOvr>
+    <a:masterClrMapping/>
+  </p:clrMapOvr>
+</p:notes>
+</file>
+
+<file path=ppt/notesSlides/notesSlide9.xml><?xml version="1.0" encoding="utf-8"?>
+<p:notes xmlns:a="http://schemas.openxmlformats.org/drawingml/2006/main" xmlns:r="http://schemas.openxmlformats.org/officeDocument/2006/relationships" xmlns:p="http://schemas.openxmlformats.org/presentationml/2006/main">
+  <p:cSld>
+    <p:spTree>
+      <p:nvGrpSpPr>
+        <p:cNvPr id="1" name=""/>
+        <p:cNvGrpSpPr/>
+        <p:nvPr/>
+      </p:nvGrpSpPr>
+      <p:grpSpPr>
+        <a:xfrm>
+          <a:off x="0" y="0"/>
+          <a:ext cx="0" cy="0"/>
+          <a:chOff x="0" y="0"/>
+          <a:chExt cx="0" cy="0"/>
+        </a:xfrm>
+      </p:grpSpPr>
+      <p:sp>
+        <p:nvSpPr>
+          <p:cNvPr id="2" name="投影片圖像版面配置區 1"/>
+          <p:cNvSpPr>
+            <a:spLocks noGrp="1" noRot="1" noChangeAspect="1"/>
+          </p:cNvSpPr>
+          <p:nvPr>
+            <p:ph type="sldImg"/>
+          </p:nvPr>
+        </p:nvSpPr>
+        <p:spPr/>
+      </p:sp>
+      <p:sp>
+        <p:nvSpPr>
+          <p:cNvPr id="3" name="備忘稿版面配置區 2"/>
+          <p:cNvSpPr>
+            <a:spLocks noGrp="1"/>
+          </p:cNvSpPr>
+          <p:nvPr>
+            <p:ph type="body" idx="1"/>
+          </p:nvPr>
+        </p:nvSpPr>
+        <p:spPr/>
+        <p:txBody>
+          <a:bodyPr>
+            <a:normAutofit/>
+          </a:bodyPr>
+          <a:lstStyle/>
+          <a:p>
+            <a:r>
+              <a:rPr lang="zh-TW" altLang="en-US" dirty="0" smtClean="0"/>
+              <a:t>馬達依照運動的方向有分以下兩種</a:t>
+            </a:r>
+            <a:endParaRPr lang="en-US" altLang="zh-TW" dirty="0" smtClean="0"/>
+          </a:p>
+          <a:p>
+            <a:r>
+              <a:rPr lang="zh-TW" altLang="en-US" dirty="0" smtClean="0"/>
+              <a:t>繞圈前進的旋轉馬達，其方向以</a:t>
+            </a:r>
+            <a:r>
+              <a:rPr lang="en-US" altLang="zh-TW" dirty="0" smtClean="0"/>
+              <a:t>CCW</a:t>
+            </a:r>
+            <a:r>
+              <a:rPr lang="zh-TW" altLang="en-US" dirty="0" smtClean="0"/>
+              <a:t>與</a:t>
+            </a:r>
+            <a:r>
+              <a:rPr lang="en-US" altLang="zh-TW" dirty="0" smtClean="0"/>
+              <a:t>CW</a:t>
+            </a:r>
+            <a:r>
+              <a:rPr lang="zh-TW" altLang="en-US" dirty="0" smtClean="0"/>
+              <a:t>區分，出廠方向一般為</a:t>
+            </a:r>
+            <a:r>
+              <a:rPr lang="en-US" altLang="zh-TW" dirty="0" smtClean="0"/>
+              <a:t>CCW(</a:t>
+            </a:r>
+            <a:r>
+              <a:rPr lang="zh-TW" altLang="en-US" dirty="0" smtClean="0"/>
+              <a:t>逆時針轉</a:t>
+            </a:r>
+            <a:r>
+              <a:rPr lang="en-US" altLang="zh-TW" dirty="0" smtClean="0"/>
+              <a:t>)</a:t>
+            </a:r>
+          </a:p>
+          <a:p>
+            <a:pPr marL="0" marR="0" indent="0" algn="l" defTabSz="914400" rtl="0" eaLnBrk="1" fontAlgn="auto" latinLnBrk="0" hangingPunct="1">
+              <a:lnSpc>
+                <a:spcPct val="100000"/>
+              </a:lnSpc>
+              <a:spcBef>
+                <a:spcPts val="0"/>
+              </a:spcBef>
+              <a:spcAft>
+                <a:spcPts val="0"/>
+              </a:spcAft>
+              <a:buClrTx/>
+              <a:buSzTx/>
+              <a:buFontTx/>
+              <a:buNone/>
+              <a:tabLst/>
+              <a:defRPr/>
+            </a:pPr>
+            <a:r>
+              <a:rPr lang="zh-TW" altLang="en-US" dirty="0" smtClean="0"/>
+              <a:t>直線前進的線性馬達，其方向以上數方向與下數方向區分，其出廠預設為上數方向</a:t>
+            </a:r>
+            <a:endParaRPr lang="en-US" altLang="zh-TW" dirty="0" smtClean="0"/>
+          </a:p>
+          <a:p>
+            <a:endParaRPr lang="en-US" altLang="zh-TW" dirty="0" smtClean="0"/>
+          </a:p>
+          <a:p>
+            <a:endParaRPr lang="zh-TW" altLang="en-US" dirty="0"/>
+          </a:p>
+        </p:txBody>
+      </p:sp>
+      <p:sp>
+        <p:nvSpPr>
+          <p:cNvPr id="4" name="投影片編號版面配置區 3"/>
+          <p:cNvSpPr>
+            <a:spLocks noGrp="1"/>
+          </p:cNvSpPr>
+          <p:nvPr>
+            <p:ph type="sldNum" sz="quarter" idx="10"/>
+          </p:nvPr>
+        </p:nvSpPr>
+        <p:spPr/>
+        <p:txBody>
+          <a:bodyPr/>
+          <a:lstStyle/>
+          <a:p>
+            <a:fld id="{6405AE01-4B17-41A2-8DBD-55D0BF9841DD}" type="slidenum">
+              <a:rPr lang="zh-TW" altLang="en-US" smtClean="0"/>
+              <a:pPr/>
+              <a:t>12</a:t>
             </a:fld>
             <a:endParaRPr lang="zh-TW" altLang="en-US"/>
           </a:p>
@@ -3219,7 +4973,7 @@
           <p:cNvPr id="2" name="標題 1">
             <a:extLst>
               <a:ext uri="{FF2B5EF4-FFF2-40B4-BE49-F238E27FC236}">
-                <a16:creationId xmlns="" xmlns:a16="http://schemas.microsoft.com/office/drawing/2014/main" id="{2CD0E6FB-7B7B-F909-1BF5-D12AC97350CA}"/>
+                <a16:creationId xmlns:a16="http://schemas.microsoft.com/office/drawing/2014/main" xmlns="" id="{2CD0E6FB-7B7B-F909-1BF5-D12AC97350CA}"/>
               </a:ext>
             </a:extLst>
           </p:cNvPr>
@@ -3256,7 +5010,7 @@
           <p:cNvPr id="3" name="副標題 2">
             <a:extLst>
               <a:ext uri="{FF2B5EF4-FFF2-40B4-BE49-F238E27FC236}">
-                <a16:creationId xmlns="" xmlns:a16="http://schemas.microsoft.com/office/drawing/2014/main" id="{B1CE7A28-DE13-5FF2-5382-C47964FA44BE}"/>
+                <a16:creationId xmlns:a16="http://schemas.microsoft.com/office/drawing/2014/main" xmlns="" id="{B1CE7A28-DE13-5FF2-5382-C47964FA44BE}"/>
               </a:ext>
             </a:extLst>
           </p:cNvPr>
@@ -3326,7 +5080,7 @@
           <p:cNvPr id="4" name="日期版面配置區 3">
             <a:extLst>
               <a:ext uri="{FF2B5EF4-FFF2-40B4-BE49-F238E27FC236}">
-                <a16:creationId xmlns="" xmlns:a16="http://schemas.microsoft.com/office/drawing/2014/main" id="{6C99ED39-E741-9612-DA17-7C13411BD590}"/>
+                <a16:creationId xmlns:a16="http://schemas.microsoft.com/office/drawing/2014/main" xmlns="" id="{6C99ED39-E741-9612-DA17-7C13411BD590}"/>
               </a:ext>
             </a:extLst>
           </p:cNvPr>
@@ -3345,7 +5099,7 @@
             <a:fld id="{A37943B4-2A46-4713-B7EA-BA325A1C4890}" type="datetimeFigureOut">
               <a:rPr lang="zh-TW" altLang="en-US" smtClean="0"/>
               <a:pPr/>
-              <a:t>2023/2/27</a:t>
+              <a:t>2023/2/28</a:t>
             </a:fld>
             <a:endParaRPr lang="zh-TW" altLang="en-US"/>
           </a:p>
@@ -3356,7 +5110,7 @@
           <p:cNvPr id="5" name="頁尾版面配置區 4">
             <a:extLst>
               <a:ext uri="{FF2B5EF4-FFF2-40B4-BE49-F238E27FC236}">
-                <a16:creationId xmlns="" xmlns:a16="http://schemas.microsoft.com/office/drawing/2014/main" id="{5724EFE7-99E2-51A0-DC5F-5C30126EF946}"/>
+                <a16:creationId xmlns:a16="http://schemas.microsoft.com/office/drawing/2014/main" xmlns="" id="{5724EFE7-99E2-51A0-DC5F-5C30126EF946}"/>
               </a:ext>
             </a:extLst>
           </p:cNvPr>
@@ -3381,7 +5135,7 @@
           <p:cNvPr id="6" name="投影片編號版面配置區 5">
             <a:extLst>
               <a:ext uri="{FF2B5EF4-FFF2-40B4-BE49-F238E27FC236}">
-                <a16:creationId xmlns="" xmlns:a16="http://schemas.microsoft.com/office/drawing/2014/main" id="{2A26E2F8-DDF5-CAB5-C549-C41D6F4B257E}"/>
+                <a16:creationId xmlns:a16="http://schemas.microsoft.com/office/drawing/2014/main" xmlns="" id="{2A26E2F8-DDF5-CAB5-C549-C41D6F4B257E}"/>
               </a:ext>
             </a:extLst>
           </p:cNvPr>
@@ -3409,7 +5163,7 @@
     </p:spTree>
     <p:extLst>
       <p:ext uri="{BB962C8B-B14F-4D97-AF65-F5344CB8AC3E}">
-        <p14:creationId xmlns="" xmlns:p14="http://schemas.microsoft.com/office/powerpoint/2010/main" val="987678864"/>
+        <p14:creationId xmlns:p14="http://schemas.microsoft.com/office/powerpoint/2010/main" xmlns="" val="987678864"/>
       </p:ext>
     </p:extLst>
   </p:cSld>
@@ -3441,7 +5195,7 @@
           <p:cNvPr id="2" name="標題 1">
             <a:extLst>
               <a:ext uri="{FF2B5EF4-FFF2-40B4-BE49-F238E27FC236}">
-                <a16:creationId xmlns="" xmlns:a16="http://schemas.microsoft.com/office/drawing/2014/main" id="{A5B7053A-6E0F-5028-DC19-97F986B5710A}"/>
+                <a16:creationId xmlns:a16="http://schemas.microsoft.com/office/drawing/2014/main" xmlns="" id="{A5B7053A-6E0F-5028-DC19-97F986B5710A}"/>
               </a:ext>
             </a:extLst>
           </p:cNvPr>
@@ -3469,7 +5223,7 @@
           <p:cNvPr id="3" name="直排文字版面配置區 2">
             <a:extLst>
               <a:ext uri="{FF2B5EF4-FFF2-40B4-BE49-F238E27FC236}">
-                <a16:creationId xmlns="" xmlns:a16="http://schemas.microsoft.com/office/drawing/2014/main" id="{FA4D0D79-C526-E4E5-1C6D-013ADEA0DFBA}"/>
+                <a16:creationId xmlns:a16="http://schemas.microsoft.com/office/drawing/2014/main" xmlns="" id="{FA4D0D79-C526-E4E5-1C6D-013ADEA0DFBA}"/>
               </a:ext>
             </a:extLst>
           </p:cNvPr>
@@ -3526,7 +5280,7 @@
           <p:cNvPr id="4" name="日期版面配置區 3">
             <a:extLst>
               <a:ext uri="{FF2B5EF4-FFF2-40B4-BE49-F238E27FC236}">
-                <a16:creationId xmlns="" xmlns:a16="http://schemas.microsoft.com/office/drawing/2014/main" id="{4375BD5B-41FF-8FDE-F651-127CD9F040A3}"/>
+                <a16:creationId xmlns:a16="http://schemas.microsoft.com/office/drawing/2014/main" xmlns="" id="{4375BD5B-41FF-8FDE-F651-127CD9F040A3}"/>
               </a:ext>
             </a:extLst>
           </p:cNvPr>
@@ -3545,7 +5299,7 @@
             <a:fld id="{A37943B4-2A46-4713-B7EA-BA325A1C4890}" type="datetimeFigureOut">
               <a:rPr lang="zh-TW" altLang="en-US" smtClean="0"/>
               <a:pPr/>
-              <a:t>2023/2/27</a:t>
+              <a:t>2023/2/28</a:t>
             </a:fld>
             <a:endParaRPr lang="zh-TW" altLang="en-US"/>
           </a:p>
@@ -3556,7 +5310,7 @@
           <p:cNvPr id="5" name="頁尾版面配置區 4">
             <a:extLst>
               <a:ext uri="{FF2B5EF4-FFF2-40B4-BE49-F238E27FC236}">
-                <a16:creationId xmlns="" xmlns:a16="http://schemas.microsoft.com/office/drawing/2014/main" id="{B6B749A4-644D-9723-337D-38FD05E2EFA0}"/>
+                <a16:creationId xmlns:a16="http://schemas.microsoft.com/office/drawing/2014/main" xmlns="" id="{B6B749A4-644D-9723-337D-38FD05E2EFA0}"/>
               </a:ext>
             </a:extLst>
           </p:cNvPr>
@@ -3581,7 +5335,7 @@
           <p:cNvPr id="6" name="投影片編號版面配置區 5">
             <a:extLst>
               <a:ext uri="{FF2B5EF4-FFF2-40B4-BE49-F238E27FC236}">
-                <a16:creationId xmlns="" xmlns:a16="http://schemas.microsoft.com/office/drawing/2014/main" id="{E0B96040-E9A2-0584-7EE6-2B1A5B1997BE}"/>
+                <a16:creationId xmlns:a16="http://schemas.microsoft.com/office/drawing/2014/main" xmlns="" id="{E0B96040-E9A2-0584-7EE6-2B1A5B1997BE}"/>
               </a:ext>
             </a:extLst>
           </p:cNvPr>
@@ -3609,7 +5363,7 @@
     </p:spTree>
     <p:extLst>
       <p:ext uri="{BB962C8B-B14F-4D97-AF65-F5344CB8AC3E}">
-        <p14:creationId xmlns="" xmlns:p14="http://schemas.microsoft.com/office/powerpoint/2010/main" val="3536740035"/>
+        <p14:creationId xmlns:p14="http://schemas.microsoft.com/office/powerpoint/2010/main" xmlns="" val="3536740035"/>
       </p:ext>
     </p:extLst>
   </p:cSld>
@@ -3641,7 +5395,7 @@
           <p:cNvPr id="2" name="直排標題 1">
             <a:extLst>
               <a:ext uri="{FF2B5EF4-FFF2-40B4-BE49-F238E27FC236}">
-                <a16:creationId xmlns="" xmlns:a16="http://schemas.microsoft.com/office/drawing/2014/main" id="{2C61F1CC-666D-5386-1BB7-976E4BDD8C76}"/>
+                <a16:creationId xmlns:a16="http://schemas.microsoft.com/office/drawing/2014/main" xmlns="" id="{2C61F1CC-666D-5386-1BB7-976E4BDD8C76}"/>
               </a:ext>
             </a:extLst>
           </p:cNvPr>
@@ -3674,7 +5428,7 @@
           <p:cNvPr id="3" name="直排文字版面配置區 2">
             <a:extLst>
               <a:ext uri="{FF2B5EF4-FFF2-40B4-BE49-F238E27FC236}">
-                <a16:creationId xmlns="" xmlns:a16="http://schemas.microsoft.com/office/drawing/2014/main" id="{F92AD93E-AE08-FA8A-7071-D1071740467B}"/>
+                <a16:creationId xmlns:a16="http://schemas.microsoft.com/office/drawing/2014/main" xmlns="" id="{F92AD93E-AE08-FA8A-7071-D1071740467B}"/>
               </a:ext>
             </a:extLst>
           </p:cNvPr>
@@ -3736,7 +5490,7 @@
           <p:cNvPr id="4" name="日期版面配置區 3">
             <a:extLst>
               <a:ext uri="{FF2B5EF4-FFF2-40B4-BE49-F238E27FC236}">
-                <a16:creationId xmlns="" xmlns:a16="http://schemas.microsoft.com/office/drawing/2014/main" id="{18AC7D99-71FA-C532-4957-08428F7B0802}"/>
+                <a16:creationId xmlns:a16="http://schemas.microsoft.com/office/drawing/2014/main" xmlns="" id="{18AC7D99-71FA-C532-4957-08428F7B0802}"/>
               </a:ext>
             </a:extLst>
           </p:cNvPr>
@@ -3755,7 +5509,7 @@
             <a:fld id="{A37943B4-2A46-4713-B7EA-BA325A1C4890}" type="datetimeFigureOut">
               <a:rPr lang="zh-TW" altLang="en-US" smtClean="0"/>
               <a:pPr/>
-              <a:t>2023/2/27</a:t>
+              <a:t>2023/2/28</a:t>
             </a:fld>
             <a:endParaRPr lang="zh-TW" altLang="en-US"/>
           </a:p>
@@ -3766,7 +5520,7 @@
           <p:cNvPr id="5" name="頁尾版面配置區 4">
             <a:extLst>
               <a:ext uri="{FF2B5EF4-FFF2-40B4-BE49-F238E27FC236}">
-                <a16:creationId xmlns="" xmlns:a16="http://schemas.microsoft.com/office/drawing/2014/main" id="{9EA856D5-87B4-E51F-E418-39E5E64D70CB}"/>
+                <a16:creationId xmlns:a16="http://schemas.microsoft.com/office/drawing/2014/main" xmlns="" id="{9EA856D5-87B4-E51F-E418-39E5E64D70CB}"/>
               </a:ext>
             </a:extLst>
           </p:cNvPr>
@@ -3791,7 +5545,7 @@
           <p:cNvPr id="6" name="投影片編號版面配置區 5">
             <a:extLst>
               <a:ext uri="{FF2B5EF4-FFF2-40B4-BE49-F238E27FC236}">
-                <a16:creationId xmlns="" xmlns:a16="http://schemas.microsoft.com/office/drawing/2014/main" id="{12552C20-E052-72E6-534C-B8799655B48E}"/>
+                <a16:creationId xmlns:a16="http://schemas.microsoft.com/office/drawing/2014/main" xmlns="" id="{12552C20-E052-72E6-534C-B8799655B48E}"/>
               </a:ext>
             </a:extLst>
           </p:cNvPr>
@@ -3819,7 +5573,7 @@
     </p:spTree>
     <p:extLst>
       <p:ext uri="{BB962C8B-B14F-4D97-AF65-F5344CB8AC3E}">
-        <p14:creationId xmlns="" xmlns:p14="http://schemas.microsoft.com/office/powerpoint/2010/main" val="1519589652"/>
+        <p14:creationId xmlns:p14="http://schemas.microsoft.com/office/powerpoint/2010/main" xmlns="" val="1519589652"/>
       </p:ext>
     </p:extLst>
   </p:cSld>
@@ -3851,7 +5605,7 @@
           <p:cNvPr id="2" name="標題 1">
             <a:extLst>
               <a:ext uri="{FF2B5EF4-FFF2-40B4-BE49-F238E27FC236}">
-                <a16:creationId xmlns="" xmlns:a16="http://schemas.microsoft.com/office/drawing/2014/main" id="{7DAB742F-9B6E-DFCB-846A-E839FDD0C0B6}"/>
+                <a16:creationId xmlns:a16="http://schemas.microsoft.com/office/drawing/2014/main" xmlns="" id="{7DAB742F-9B6E-DFCB-846A-E839FDD0C0B6}"/>
               </a:ext>
             </a:extLst>
           </p:cNvPr>
@@ -3879,7 +5633,7 @@
           <p:cNvPr id="3" name="內容版面配置區 2">
             <a:extLst>
               <a:ext uri="{FF2B5EF4-FFF2-40B4-BE49-F238E27FC236}">
-                <a16:creationId xmlns="" xmlns:a16="http://schemas.microsoft.com/office/drawing/2014/main" id="{B2D44134-4BB1-117E-FA07-DAC806C335C6}"/>
+                <a16:creationId xmlns:a16="http://schemas.microsoft.com/office/drawing/2014/main" xmlns="" id="{B2D44134-4BB1-117E-FA07-DAC806C335C6}"/>
               </a:ext>
             </a:extLst>
           </p:cNvPr>
@@ -3936,7 +5690,7 @@
           <p:cNvPr id="4" name="日期版面配置區 3">
             <a:extLst>
               <a:ext uri="{FF2B5EF4-FFF2-40B4-BE49-F238E27FC236}">
-                <a16:creationId xmlns="" xmlns:a16="http://schemas.microsoft.com/office/drawing/2014/main" id="{F1B6C17B-B94F-70B4-1AAB-59E394C37AD6}"/>
+                <a16:creationId xmlns:a16="http://schemas.microsoft.com/office/drawing/2014/main" xmlns="" id="{F1B6C17B-B94F-70B4-1AAB-59E394C37AD6}"/>
               </a:ext>
             </a:extLst>
           </p:cNvPr>
@@ -3955,7 +5709,7 @@
             <a:fld id="{A37943B4-2A46-4713-B7EA-BA325A1C4890}" type="datetimeFigureOut">
               <a:rPr lang="zh-TW" altLang="en-US" smtClean="0"/>
               <a:pPr/>
-              <a:t>2023/2/27</a:t>
+              <a:t>2023/2/28</a:t>
             </a:fld>
             <a:endParaRPr lang="zh-TW" altLang="en-US"/>
           </a:p>
@@ -3966,7 +5720,7 @@
           <p:cNvPr id="5" name="頁尾版面配置區 4">
             <a:extLst>
               <a:ext uri="{FF2B5EF4-FFF2-40B4-BE49-F238E27FC236}">
-                <a16:creationId xmlns="" xmlns:a16="http://schemas.microsoft.com/office/drawing/2014/main" id="{DF9FEE71-B4C2-70FF-C489-2144BB782479}"/>
+                <a16:creationId xmlns:a16="http://schemas.microsoft.com/office/drawing/2014/main" xmlns="" id="{DF9FEE71-B4C2-70FF-C489-2144BB782479}"/>
               </a:ext>
             </a:extLst>
           </p:cNvPr>
@@ -3991,7 +5745,7 @@
           <p:cNvPr id="6" name="投影片編號版面配置區 5">
             <a:extLst>
               <a:ext uri="{FF2B5EF4-FFF2-40B4-BE49-F238E27FC236}">
-                <a16:creationId xmlns="" xmlns:a16="http://schemas.microsoft.com/office/drawing/2014/main" id="{3D0E2120-EDC6-D77C-7F3F-FDB1D537F9C1}"/>
+                <a16:creationId xmlns:a16="http://schemas.microsoft.com/office/drawing/2014/main" xmlns="" id="{3D0E2120-EDC6-D77C-7F3F-FDB1D537F9C1}"/>
               </a:ext>
             </a:extLst>
           </p:cNvPr>
@@ -4019,7 +5773,7 @@
     </p:spTree>
     <p:extLst>
       <p:ext uri="{BB962C8B-B14F-4D97-AF65-F5344CB8AC3E}">
-        <p14:creationId xmlns="" xmlns:p14="http://schemas.microsoft.com/office/powerpoint/2010/main" val="1842765412"/>
+        <p14:creationId xmlns:p14="http://schemas.microsoft.com/office/powerpoint/2010/main" xmlns="" val="1842765412"/>
       </p:ext>
     </p:extLst>
   </p:cSld>
@@ -4051,7 +5805,7 @@
           <p:cNvPr id="2" name="標題 1">
             <a:extLst>
               <a:ext uri="{FF2B5EF4-FFF2-40B4-BE49-F238E27FC236}">
-                <a16:creationId xmlns="" xmlns:a16="http://schemas.microsoft.com/office/drawing/2014/main" id="{3803C411-BB53-1BF7-BE57-834B072019A0}"/>
+                <a16:creationId xmlns:a16="http://schemas.microsoft.com/office/drawing/2014/main" xmlns="" id="{3803C411-BB53-1BF7-BE57-834B072019A0}"/>
               </a:ext>
             </a:extLst>
           </p:cNvPr>
@@ -4088,7 +5842,7 @@
           <p:cNvPr id="3" name="文字版面配置區 2">
             <a:extLst>
               <a:ext uri="{FF2B5EF4-FFF2-40B4-BE49-F238E27FC236}">
-                <a16:creationId xmlns="" xmlns:a16="http://schemas.microsoft.com/office/drawing/2014/main" id="{70E5F4F6-CF3A-D61C-AF63-4313705E438A}"/>
+                <a16:creationId xmlns:a16="http://schemas.microsoft.com/office/drawing/2014/main" xmlns="" id="{70E5F4F6-CF3A-D61C-AF63-4313705E438A}"/>
               </a:ext>
             </a:extLst>
           </p:cNvPr>
@@ -4213,7 +5967,7 @@
           <p:cNvPr id="4" name="日期版面配置區 3">
             <a:extLst>
               <a:ext uri="{FF2B5EF4-FFF2-40B4-BE49-F238E27FC236}">
-                <a16:creationId xmlns="" xmlns:a16="http://schemas.microsoft.com/office/drawing/2014/main" id="{E1700BB1-3F23-2333-F461-F022C90E9FEB}"/>
+                <a16:creationId xmlns:a16="http://schemas.microsoft.com/office/drawing/2014/main" xmlns="" id="{E1700BB1-3F23-2333-F461-F022C90E9FEB}"/>
               </a:ext>
             </a:extLst>
           </p:cNvPr>
@@ -4232,7 +5986,7 @@
             <a:fld id="{A37943B4-2A46-4713-B7EA-BA325A1C4890}" type="datetimeFigureOut">
               <a:rPr lang="zh-TW" altLang="en-US" smtClean="0"/>
               <a:pPr/>
-              <a:t>2023/2/27</a:t>
+              <a:t>2023/2/28</a:t>
             </a:fld>
             <a:endParaRPr lang="zh-TW" altLang="en-US"/>
           </a:p>
@@ -4243,7 +5997,7 @@
           <p:cNvPr id="5" name="頁尾版面配置區 4">
             <a:extLst>
               <a:ext uri="{FF2B5EF4-FFF2-40B4-BE49-F238E27FC236}">
-                <a16:creationId xmlns="" xmlns:a16="http://schemas.microsoft.com/office/drawing/2014/main" id="{1A07DFAC-3314-8B7D-F223-019B13C6AC7A}"/>
+                <a16:creationId xmlns:a16="http://schemas.microsoft.com/office/drawing/2014/main" xmlns="" id="{1A07DFAC-3314-8B7D-F223-019B13C6AC7A}"/>
               </a:ext>
             </a:extLst>
           </p:cNvPr>
@@ -4268,7 +6022,7 @@
           <p:cNvPr id="6" name="投影片編號版面配置區 5">
             <a:extLst>
               <a:ext uri="{FF2B5EF4-FFF2-40B4-BE49-F238E27FC236}">
-                <a16:creationId xmlns="" xmlns:a16="http://schemas.microsoft.com/office/drawing/2014/main" id="{5DF9FA55-3372-9163-AFA1-21784D9148AB}"/>
+                <a16:creationId xmlns:a16="http://schemas.microsoft.com/office/drawing/2014/main" xmlns="" id="{5DF9FA55-3372-9163-AFA1-21784D9148AB}"/>
               </a:ext>
             </a:extLst>
           </p:cNvPr>
@@ -4296,7 +6050,7 @@
     </p:spTree>
     <p:extLst>
       <p:ext uri="{BB962C8B-B14F-4D97-AF65-F5344CB8AC3E}">
-        <p14:creationId xmlns="" xmlns:p14="http://schemas.microsoft.com/office/powerpoint/2010/main" val="2238552289"/>
+        <p14:creationId xmlns:p14="http://schemas.microsoft.com/office/powerpoint/2010/main" xmlns="" val="2238552289"/>
       </p:ext>
     </p:extLst>
   </p:cSld>
@@ -4328,7 +6082,7 @@
           <p:cNvPr id="2" name="標題 1">
             <a:extLst>
               <a:ext uri="{FF2B5EF4-FFF2-40B4-BE49-F238E27FC236}">
-                <a16:creationId xmlns="" xmlns:a16="http://schemas.microsoft.com/office/drawing/2014/main" id="{FB94A59F-E5AA-1C6B-4747-23D9E118A354}"/>
+                <a16:creationId xmlns:a16="http://schemas.microsoft.com/office/drawing/2014/main" xmlns="" id="{FB94A59F-E5AA-1C6B-4747-23D9E118A354}"/>
               </a:ext>
             </a:extLst>
           </p:cNvPr>
@@ -4356,7 +6110,7 @@
           <p:cNvPr id="3" name="內容版面配置區 2">
             <a:extLst>
               <a:ext uri="{FF2B5EF4-FFF2-40B4-BE49-F238E27FC236}">
-                <a16:creationId xmlns="" xmlns:a16="http://schemas.microsoft.com/office/drawing/2014/main" id="{6AC0A7EB-5634-C550-57C1-73C840606459}"/>
+                <a16:creationId xmlns:a16="http://schemas.microsoft.com/office/drawing/2014/main" xmlns="" id="{6AC0A7EB-5634-C550-57C1-73C840606459}"/>
               </a:ext>
             </a:extLst>
           </p:cNvPr>
@@ -4418,7 +6172,7 @@
           <p:cNvPr id="4" name="內容版面配置區 3">
             <a:extLst>
               <a:ext uri="{FF2B5EF4-FFF2-40B4-BE49-F238E27FC236}">
-                <a16:creationId xmlns="" xmlns:a16="http://schemas.microsoft.com/office/drawing/2014/main" id="{E3C38A89-6989-DC4E-07C0-B78825400BD8}"/>
+                <a16:creationId xmlns:a16="http://schemas.microsoft.com/office/drawing/2014/main" xmlns="" id="{E3C38A89-6989-DC4E-07C0-B78825400BD8}"/>
               </a:ext>
             </a:extLst>
           </p:cNvPr>
@@ -4480,7 +6234,7 @@
           <p:cNvPr id="5" name="日期版面配置區 4">
             <a:extLst>
               <a:ext uri="{FF2B5EF4-FFF2-40B4-BE49-F238E27FC236}">
-                <a16:creationId xmlns="" xmlns:a16="http://schemas.microsoft.com/office/drawing/2014/main" id="{00F3C4EB-7238-6A8A-695D-650FD85E29B9}"/>
+                <a16:creationId xmlns:a16="http://schemas.microsoft.com/office/drawing/2014/main" xmlns="" id="{00F3C4EB-7238-6A8A-695D-650FD85E29B9}"/>
               </a:ext>
             </a:extLst>
           </p:cNvPr>
@@ -4499,7 +6253,7 @@
             <a:fld id="{A37943B4-2A46-4713-B7EA-BA325A1C4890}" type="datetimeFigureOut">
               <a:rPr lang="zh-TW" altLang="en-US" smtClean="0"/>
               <a:pPr/>
-              <a:t>2023/2/27</a:t>
+              <a:t>2023/2/28</a:t>
             </a:fld>
             <a:endParaRPr lang="zh-TW" altLang="en-US"/>
           </a:p>
@@ -4510,7 +6264,7 @@
           <p:cNvPr id="6" name="頁尾版面配置區 5">
             <a:extLst>
               <a:ext uri="{FF2B5EF4-FFF2-40B4-BE49-F238E27FC236}">
-                <a16:creationId xmlns="" xmlns:a16="http://schemas.microsoft.com/office/drawing/2014/main" id="{56C3AF47-EEA0-1005-931B-D418968C214E}"/>
+                <a16:creationId xmlns:a16="http://schemas.microsoft.com/office/drawing/2014/main" xmlns="" id="{56C3AF47-EEA0-1005-931B-D418968C214E}"/>
               </a:ext>
             </a:extLst>
           </p:cNvPr>
@@ -4535,7 +6289,7 @@
           <p:cNvPr id="7" name="投影片編號版面配置區 6">
             <a:extLst>
               <a:ext uri="{FF2B5EF4-FFF2-40B4-BE49-F238E27FC236}">
-                <a16:creationId xmlns="" xmlns:a16="http://schemas.microsoft.com/office/drawing/2014/main" id="{424A7DC9-6A47-A4A5-EF2E-953AB9019F46}"/>
+                <a16:creationId xmlns:a16="http://schemas.microsoft.com/office/drawing/2014/main" xmlns="" id="{424A7DC9-6A47-A4A5-EF2E-953AB9019F46}"/>
               </a:ext>
             </a:extLst>
           </p:cNvPr>
@@ -4563,7 +6317,7 @@
     </p:spTree>
     <p:extLst>
       <p:ext uri="{BB962C8B-B14F-4D97-AF65-F5344CB8AC3E}">
-        <p14:creationId xmlns="" xmlns:p14="http://schemas.microsoft.com/office/powerpoint/2010/main" val="2692384493"/>
+        <p14:creationId xmlns:p14="http://schemas.microsoft.com/office/powerpoint/2010/main" xmlns="" val="2692384493"/>
       </p:ext>
     </p:extLst>
   </p:cSld>
@@ -4595,7 +6349,7 @@
           <p:cNvPr id="2" name="標題 1">
             <a:extLst>
               <a:ext uri="{FF2B5EF4-FFF2-40B4-BE49-F238E27FC236}">
-                <a16:creationId xmlns="" xmlns:a16="http://schemas.microsoft.com/office/drawing/2014/main" id="{C9FB82F5-E71C-4CBD-4195-0011576DABF0}"/>
+                <a16:creationId xmlns:a16="http://schemas.microsoft.com/office/drawing/2014/main" xmlns="" id="{C9FB82F5-E71C-4CBD-4195-0011576DABF0}"/>
               </a:ext>
             </a:extLst>
           </p:cNvPr>
@@ -4628,7 +6382,7 @@
           <p:cNvPr id="3" name="文字版面配置區 2">
             <a:extLst>
               <a:ext uri="{FF2B5EF4-FFF2-40B4-BE49-F238E27FC236}">
-                <a16:creationId xmlns="" xmlns:a16="http://schemas.microsoft.com/office/drawing/2014/main" id="{9D75D8DD-ED1D-6EC7-BD38-C8C06CE04A51}"/>
+                <a16:creationId xmlns:a16="http://schemas.microsoft.com/office/drawing/2014/main" xmlns="" id="{9D75D8DD-ED1D-6EC7-BD38-C8C06CE04A51}"/>
               </a:ext>
             </a:extLst>
           </p:cNvPr>
@@ -4699,7 +6453,7 @@
           <p:cNvPr id="4" name="內容版面配置區 3">
             <a:extLst>
               <a:ext uri="{FF2B5EF4-FFF2-40B4-BE49-F238E27FC236}">
-                <a16:creationId xmlns="" xmlns:a16="http://schemas.microsoft.com/office/drawing/2014/main" id="{309D3795-2C6B-2033-F751-62F9837197C2}"/>
+                <a16:creationId xmlns:a16="http://schemas.microsoft.com/office/drawing/2014/main" xmlns="" id="{309D3795-2C6B-2033-F751-62F9837197C2}"/>
               </a:ext>
             </a:extLst>
           </p:cNvPr>
@@ -4761,7 +6515,7 @@
           <p:cNvPr id="5" name="文字版面配置區 4">
             <a:extLst>
               <a:ext uri="{FF2B5EF4-FFF2-40B4-BE49-F238E27FC236}">
-                <a16:creationId xmlns="" xmlns:a16="http://schemas.microsoft.com/office/drawing/2014/main" id="{D02622AB-DC7C-E47C-4DFA-2CE374691C1E}"/>
+                <a16:creationId xmlns:a16="http://schemas.microsoft.com/office/drawing/2014/main" xmlns="" id="{D02622AB-DC7C-E47C-4DFA-2CE374691C1E}"/>
               </a:ext>
             </a:extLst>
           </p:cNvPr>
@@ -4832,7 +6586,7 @@
           <p:cNvPr id="6" name="內容版面配置區 5">
             <a:extLst>
               <a:ext uri="{FF2B5EF4-FFF2-40B4-BE49-F238E27FC236}">
-                <a16:creationId xmlns="" xmlns:a16="http://schemas.microsoft.com/office/drawing/2014/main" id="{6838A61E-C33D-F483-98CF-6A4B5C845901}"/>
+                <a16:creationId xmlns:a16="http://schemas.microsoft.com/office/drawing/2014/main" xmlns="" id="{6838A61E-C33D-F483-98CF-6A4B5C845901}"/>
               </a:ext>
             </a:extLst>
           </p:cNvPr>
@@ -4894,7 +6648,7 @@
           <p:cNvPr id="7" name="日期版面配置區 6">
             <a:extLst>
               <a:ext uri="{FF2B5EF4-FFF2-40B4-BE49-F238E27FC236}">
-                <a16:creationId xmlns="" xmlns:a16="http://schemas.microsoft.com/office/drawing/2014/main" id="{A4C85FD9-CB19-3011-4EC2-C80B50A63DAA}"/>
+                <a16:creationId xmlns:a16="http://schemas.microsoft.com/office/drawing/2014/main" xmlns="" id="{A4C85FD9-CB19-3011-4EC2-C80B50A63DAA}"/>
               </a:ext>
             </a:extLst>
           </p:cNvPr>
@@ -4913,7 +6667,7 @@
             <a:fld id="{A37943B4-2A46-4713-B7EA-BA325A1C4890}" type="datetimeFigureOut">
               <a:rPr lang="zh-TW" altLang="en-US" smtClean="0"/>
               <a:pPr/>
-              <a:t>2023/2/27</a:t>
+              <a:t>2023/2/28</a:t>
             </a:fld>
             <a:endParaRPr lang="zh-TW" altLang="en-US"/>
           </a:p>
@@ -4924,7 +6678,7 @@
           <p:cNvPr id="8" name="頁尾版面配置區 7">
             <a:extLst>
               <a:ext uri="{FF2B5EF4-FFF2-40B4-BE49-F238E27FC236}">
-                <a16:creationId xmlns="" xmlns:a16="http://schemas.microsoft.com/office/drawing/2014/main" id="{E8162E41-F1D1-4AFB-81E2-DEB5C55C4B50}"/>
+                <a16:creationId xmlns:a16="http://schemas.microsoft.com/office/drawing/2014/main" xmlns="" id="{E8162E41-F1D1-4AFB-81E2-DEB5C55C4B50}"/>
               </a:ext>
             </a:extLst>
           </p:cNvPr>
@@ -4949,7 +6703,7 @@
           <p:cNvPr id="9" name="投影片編號版面配置區 8">
             <a:extLst>
               <a:ext uri="{FF2B5EF4-FFF2-40B4-BE49-F238E27FC236}">
-                <a16:creationId xmlns="" xmlns:a16="http://schemas.microsoft.com/office/drawing/2014/main" id="{9D0FFFE0-3DD8-36C2-A255-F92116490851}"/>
+                <a16:creationId xmlns:a16="http://schemas.microsoft.com/office/drawing/2014/main" xmlns="" id="{9D0FFFE0-3DD8-36C2-A255-F92116490851}"/>
               </a:ext>
             </a:extLst>
           </p:cNvPr>
@@ -4977,7 +6731,7 @@
     </p:spTree>
     <p:extLst>
       <p:ext uri="{BB962C8B-B14F-4D97-AF65-F5344CB8AC3E}">
-        <p14:creationId xmlns="" xmlns:p14="http://schemas.microsoft.com/office/powerpoint/2010/main" val="2246632081"/>
+        <p14:creationId xmlns:p14="http://schemas.microsoft.com/office/powerpoint/2010/main" xmlns="" val="2246632081"/>
       </p:ext>
     </p:extLst>
   </p:cSld>
@@ -5009,7 +6763,7 @@
           <p:cNvPr id="2" name="標題 1">
             <a:extLst>
               <a:ext uri="{FF2B5EF4-FFF2-40B4-BE49-F238E27FC236}">
-                <a16:creationId xmlns="" xmlns:a16="http://schemas.microsoft.com/office/drawing/2014/main" id="{57D2C1B1-99A2-8EE2-1B6F-F4BE3B34FFE3}"/>
+                <a16:creationId xmlns:a16="http://schemas.microsoft.com/office/drawing/2014/main" xmlns="" id="{57D2C1B1-99A2-8EE2-1B6F-F4BE3B34FFE3}"/>
               </a:ext>
             </a:extLst>
           </p:cNvPr>
@@ -5037,7 +6791,7 @@
           <p:cNvPr id="3" name="日期版面配置區 2">
             <a:extLst>
               <a:ext uri="{FF2B5EF4-FFF2-40B4-BE49-F238E27FC236}">
-                <a16:creationId xmlns="" xmlns:a16="http://schemas.microsoft.com/office/drawing/2014/main" id="{B162F161-9E51-B6B0-D7E3-5C9EC22D7469}"/>
+                <a16:creationId xmlns:a16="http://schemas.microsoft.com/office/drawing/2014/main" xmlns="" id="{B162F161-9E51-B6B0-D7E3-5C9EC22D7469}"/>
               </a:ext>
             </a:extLst>
           </p:cNvPr>
@@ -5056,7 +6810,7 @@
             <a:fld id="{A37943B4-2A46-4713-B7EA-BA325A1C4890}" type="datetimeFigureOut">
               <a:rPr lang="zh-TW" altLang="en-US" smtClean="0"/>
               <a:pPr/>
-              <a:t>2023/2/27</a:t>
+              <a:t>2023/2/28</a:t>
             </a:fld>
             <a:endParaRPr lang="zh-TW" altLang="en-US"/>
           </a:p>
@@ -5067,7 +6821,7 @@
           <p:cNvPr id="4" name="頁尾版面配置區 3">
             <a:extLst>
               <a:ext uri="{FF2B5EF4-FFF2-40B4-BE49-F238E27FC236}">
-                <a16:creationId xmlns="" xmlns:a16="http://schemas.microsoft.com/office/drawing/2014/main" id="{07379E70-3A32-F56E-8304-CFAA87B659EC}"/>
+                <a16:creationId xmlns:a16="http://schemas.microsoft.com/office/drawing/2014/main" xmlns="" id="{07379E70-3A32-F56E-8304-CFAA87B659EC}"/>
               </a:ext>
             </a:extLst>
           </p:cNvPr>
@@ -5092,7 +6846,7 @@
           <p:cNvPr id="5" name="投影片編號版面配置區 4">
             <a:extLst>
               <a:ext uri="{FF2B5EF4-FFF2-40B4-BE49-F238E27FC236}">
-                <a16:creationId xmlns="" xmlns:a16="http://schemas.microsoft.com/office/drawing/2014/main" id="{C5896DF3-50A4-D0C1-218C-47E3A99E03C3}"/>
+                <a16:creationId xmlns:a16="http://schemas.microsoft.com/office/drawing/2014/main" xmlns="" id="{C5896DF3-50A4-D0C1-218C-47E3A99E03C3}"/>
               </a:ext>
             </a:extLst>
           </p:cNvPr>
@@ -5120,7 +6874,7 @@
     </p:spTree>
     <p:extLst>
       <p:ext uri="{BB962C8B-B14F-4D97-AF65-F5344CB8AC3E}">
-        <p14:creationId xmlns="" xmlns:p14="http://schemas.microsoft.com/office/powerpoint/2010/main" val="1813981051"/>
+        <p14:creationId xmlns:p14="http://schemas.microsoft.com/office/powerpoint/2010/main" xmlns="" val="1813981051"/>
       </p:ext>
     </p:extLst>
   </p:cSld>
@@ -5152,7 +6906,7 @@
           <p:cNvPr id="2" name="日期版面配置區 1">
             <a:extLst>
               <a:ext uri="{FF2B5EF4-FFF2-40B4-BE49-F238E27FC236}">
-                <a16:creationId xmlns="" xmlns:a16="http://schemas.microsoft.com/office/drawing/2014/main" id="{CCD22773-A126-7DB8-71F3-23FB4A8B8BB5}"/>
+                <a16:creationId xmlns:a16="http://schemas.microsoft.com/office/drawing/2014/main" xmlns="" id="{CCD22773-A126-7DB8-71F3-23FB4A8B8BB5}"/>
               </a:ext>
             </a:extLst>
           </p:cNvPr>
@@ -5171,7 +6925,7 @@
             <a:fld id="{A37943B4-2A46-4713-B7EA-BA325A1C4890}" type="datetimeFigureOut">
               <a:rPr lang="zh-TW" altLang="en-US" smtClean="0"/>
               <a:pPr/>
-              <a:t>2023/2/27</a:t>
+              <a:t>2023/2/28</a:t>
             </a:fld>
             <a:endParaRPr lang="zh-TW" altLang="en-US"/>
           </a:p>
@@ -5182,7 +6936,7 @@
           <p:cNvPr id="3" name="頁尾版面配置區 2">
             <a:extLst>
               <a:ext uri="{FF2B5EF4-FFF2-40B4-BE49-F238E27FC236}">
-                <a16:creationId xmlns="" xmlns:a16="http://schemas.microsoft.com/office/drawing/2014/main" id="{86F28AA1-2222-3B5E-47A2-9322F650CF0F}"/>
+                <a16:creationId xmlns:a16="http://schemas.microsoft.com/office/drawing/2014/main" xmlns="" id="{86F28AA1-2222-3B5E-47A2-9322F650CF0F}"/>
               </a:ext>
             </a:extLst>
           </p:cNvPr>
@@ -5207,7 +6961,7 @@
           <p:cNvPr id="4" name="投影片編號版面配置區 3">
             <a:extLst>
               <a:ext uri="{FF2B5EF4-FFF2-40B4-BE49-F238E27FC236}">
-                <a16:creationId xmlns="" xmlns:a16="http://schemas.microsoft.com/office/drawing/2014/main" id="{C1C94738-C207-5FDC-FDC6-B5F6092E370E}"/>
+                <a16:creationId xmlns:a16="http://schemas.microsoft.com/office/drawing/2014/main" xmlns="" id="{C1C94738-C207-5FDC-FDC6-B5F6092E370E}"/>
               </a:ext>
             </a:extLst>
           </p:cNvPr>
@@ -5235,7 +6989,7 @@
     </p:spTree>
     <p:extLst>
       <p:ext uri="{BB962C8B-B14F-4D97-AF65-F5344CB8AC3E}">
-        <p14:creationId xmlns="" xmlns:p14="http://schemas.microsoft.com/office/powerpoint/2010/main" val="3078286093"/>
+        <p14:creationId xmlns:p14="http://schemas.microsoft.com/office/powerpoint/2010/main" xmlns="" val="3078286093"/>
       </p:ext>
     </p:extLst>
   </p:cSld>
@@ -5267,7 +7021,7 @@
           <p:cNvPr id="2" name="標題 1">
             <a:extLst>
               <a:ext uri="{FF2B5EF4-FFF2-40B4-BE49-F238E27FC236}">
-                <a16:creationId xmlns="" xmlns:a16="http://schemas.microsoft.com/office/drawing/2014/main" id="{89BD495E-F378-F29A-BAC6-7ECBB68CCF0A}"/>
+                <a16:creationId xmlns:a16="http://schemas.microsoft.com/office/drawing/2014/main" xmlns="" id="{89BD495E-F378-F29A-BAC6-7ECBB68CCF0A}"/>
               </a:ext>
             </a:extLst>
           </p:cNvPr>
@@ -5304,7 +7058,7 @@
           <p:cNvPr id="3" name="內容版面配置區 2">
             <a:extLst>
               <a:ext uri="{FF2B5EF4-FFF2-40B4-BE49-F238E27FC236}">
-                <a16:creationId xmlns="" xmlns:a16="http://schemas.microsoft.com/office/drawing/2014/main" id="{2F7181C8-538D-7416-6614-5E76840B3CE9}"/>
+                <a16:creationId xmlns:a16="http://schemas.microsoft.com/office/drawing/2014/main" xmlns="" id="{2F7181C8-538D-7416-6614-5E76840B3CE9}"/>
               </a:ext>
             </a:extLst>
           </p:cNvPr>
@@ -5394,7 +7148,7 @@
           <p:cNvPr id="4" name="文字版面配置區 3">
             <a:extLst>
               <a:ext uri="{FF2B5EF4-FFF2-40B4-BE49-F238E27FC236}">
-                <a16:creationId xmlns="" xmlns:a16="http://schemas.microsoft.com/office/drawing/2014/main" id="{52B7E32F-893A-255D-64D4-A42D74467F3B}"/>
+                <a16:creationId xmlns:a16="http://schemas.microsoft.com/office/drawing/2014/main" xmlns="" id="{52B7E32F-893A-255D-64D4-A42D74467F3B}"/>
               </a:ext>
             </a:extLst>
           </p:cNvPr>
@@ -5465,7 +7219,7 @@
           <p:cNvPr id="5" name="日期版面配置區 4">
             <a:extLst>
               <a:ext uri="{FF2B5EF4-FFF2-40B4-BE49-F238E27FC236}">
-                <a16:creationId xmlns="" xmlns:a16="http://schemas.microsoft.com/office/drawing/2014/main" id="{5723F016-C701-63D7-9AB0-F389577DFDD1}"/>
+                <a16:creationId xmlns:a16="http://schemas.microsoft.com/office/drawing/2014/main" xmlns="" id="{5723F016-C701-63D7-9AB0-F389577DFDD1}"/>
               </a:ext>
             </a:extLst>
           </p:cNvPr>
@@ -5484,7 +7238,7 @@
             <a:fld id="{A37943B4-2A46-4713-B7EA-BA325A1C4890}" type="datetimeFigureOut">
               <a:rPr lang="zh-TW" altLang="en-US" smtClean="0"/>
               <a:pPr/>
-              <a:t>2023/2/27</a:t>
+              <a:t>2023/2/28</a:t>
             </a:fld>
             <a:endParaRPr lang="zh-TW" altLang="en-US"/>
           </a:p>
@@ -5495,7 +7249,7 @@
           <p:cNvPr id="6" name="頁尾版面配置區 5">
             <a:extLst>
               <a:ext uri="{FF2B5EF4-FFF2-40B4-BE49-F238E27FC236}">
-                <a16:creationId xmlns="" xmlns:a16="http://schemas.microsoft.com/office/drawing/2014/main" id="{80DBAA74-DF50-D7CB-BE58-6C9B3EF2BF07}"/>
+                <a16:creationId xmlns:a16="http://schemas.microsoft.com/office/drawing/2014/main" xmlns="" id="{80DBAA74-DF50-D7CB-BE58-6C9B3EF2BF07}"/>
               </a:ext>
             </a:extLst>
           </p:cNvPr>
@@ -5520,7 +7274,7 @@
           <p:cNvPr id="7" name="投影片編號版面配置區 6">
             <a:extLst>
               <a:ext uri="{FF2B5EF4-FFF2-40B4-BE49-F238E27FC236}">
-                <a16:creationId xmlns="" xmlns:a16="http://schemas.microsoft.com/office/drawing/2014/main" id="{630BC702-38D4-CCAC-7A56-1421423E1033}"/>
+                <a16:creationId xmlns:a16="http://schemas.microsoft.com/office/drawing/2014/main" xmlns="" id="{630BC702-38D4-CCAC-7A56-1421423E1033}"/>
               </a:ext>
             </a:extLst>
           </p:cNvPr>
@@ -5548,7 +7302,7 @@
     </p:spTree>
     <p:extLst>
       <p:ext uri="{BB962C8B-B14F-4D97-AF65-F5344CB8AC3E}">
-        <p14:creationId xmlns="" xmlns:p14="http://schemas.microsoft.com/office/powerpoint/2010/main" val="1387266159"/>
+        <p14:creationId xmlns:p14="http://schemas.microsoft.com/office/powerpoint/2010/main" xmlns="" val="1387266159"/>
       </p:ext>
     </p:extLst>
   </p:cSld>
@@ -5580,7 +7334,7 @@
           <p:cNvPr id="2" name="標題 1">
             <a:extLst>
               <a:ext uri="{FF2B5EF4-FFF2-40B4-BE49-F238E27FC236}">
-                <a16:creationId xmlns="" xmlns:a16="http://schemas.microsoft.com/office/drawing/2014/main" id="{4300DCD7-2972-3B12-0206-2E337AFDDA18}"/>
+                <a16:creationId xmlns:a16="http://schemas.microsoft.com/office/drawing/2014/main" xmlns="" id="{4300DCD7-2972-3B12-0206-2E337AFDDA18}"/>
               </a:ext>
             </a:extLst>
           </p:cNvPr>
@@ -5617,7 +7371,7 @@
           <p:cNvPr id="3" name="圖片版面配置區 2">
             <a:extLst>
               <a:ext uri="{FF2B5EF4-FFF2-40B4-BE49-F238E27FC236}">
-                <a16:creationId xmlns="" xmlns:a16="http://schemas.microsoft.com/office/drawing/2014/main" id="{9851ACDD-78E2-D4F9-E3A5-64AC3B338894}"/>
+                <a16:creationId xmlns:a16="http://schemas.microsoft.com/office/drawing/2014/main" xmlns="" id="{9851ACDD-78E2-D4F9-E3A5-64AC3B338894}"/>
               </a:ext>
             </a:extLst>
           </p:cNvPr>
@@ -5684,7 +7438,7 @@
           <p:cNvPr id="4" name="文字版面配置區 3">
             <a:extLst>
               <a:ext uri="{FF2B5EF4-FFF2-40B4-BE49-F238E27FC236}">
-                <a16:creationId xmlns="" xmlns:a16="http://schemas.microsoft.com/office/drawing/2014/main" id="{388FA762-932F-8E12-0C52-EDE1F47B92C5}"/>
+                <a16:creationId xmlns:a16="http://schemas.microsoft.com/office/drawing/2014/main" xmlns="" id="{388FA762-932F-8E12-0C52-EDE1F47B92C5}"/>
               </a:ext>
             </a:extLst>
           </p:cNvPr>
@@ -5755,7 +7509,7 @@
           <p:cNvPr id="5" name="日期版面配置區 4">
             <a:extLst>
               <a:ext uri="{FF2B5EF4-FFF2-40B4-BE49-F238E27FC236}">
-                <a16:creationId xmlns="" xmlns:a16="http://schemas.microsoft.com/office/drawing/2014/main" id="{08D764D5-4DE8-E073-95DE-6149C1186337}"/>
+                <a16:creationId xmlns:a16="http://schemas.microsoft.com/office/drawing/2014/main" xmlns="" id="{08D764D5-4DE8-E073-95DE-6149C1186337}"/>
               </a:ext>
             </a:extLst>
           </p:cNvPr>
@@ -5774,7 +7528,7 @@
             <a:fld id="{A37943B4-2A46-4713-B7EA-BA325A1C4890}" type="datetimeFigureOut">
               <a:rPr lang="zh-TW" altLang="en-US" smtClean="0"/>
               <a:pPr/>
-              <a:t>2023/2/27</a:t>
+              <a:t>2023/2/28</a:t>
             </a:fld>
             <a:endParaRPr lang="zh-TW" altLang="en-US"/>
           </a:p>
@@ -5785,7 +7539,7 @@
           <p:cNvPr id="6" name="頁尾版面配置區 5">
             <a:extLst>
               <a:ext uri="{FF2B5EF4-FFF2-40B4-BE49-F238E27FC236}">
-                <a16:creationId xmlns="" xmlns:a16="http://schemas.microsoft.com/office/drawing/2014/main" id="{15272B26-6354-13E3-28E7-88F12D582B47}"/>
+                <a16:creationId xmlns:a16="http://schemas.microsoft.com/office/drawing/2014/main" xmlns="" id="{15272B26-6354-13E3-28E7-88F12D582B47}"/>
               </a:ext>
             </a:extLst>
           </p:cNvPr>
@@ -5810,7 +7564,7 @@
           <p:cNvPr id="7" name="投影片編號版面配置區 6">
             <a:extLst>
               <a:ext uri="{FF2B5EF4-FFF2-40B4-BE49-F238E27FC236}">
-                <a16:creationId xmlns="" xmlns:a16="http://schemas.microsoft.com/office/drawing/2014/main" id="{4D495EEE-47BF-0B7C-D3E3-95A7BADF62FE}"/>
+                <a16:creationId xmlns:a16="http://schemas.microsoft.com/office/drawing/2014/main" xmlns="" id="{4D495EEE-47BF-0B7C-D3E3-95A7BADF62FE}"/>
               </a:ext>
             </a:extLst>
           </p:cNvPr>
@@ -5838,7 +7592,7 @@
     </p:spTree>
     <p:extLst>
       <p:ext uri="{BB962C8B-B14F-4D97-AF65-F5344CB8AC3E}">
-        <p14:creationId xmlns="" xmlns:p14="http://schemas.microsoft.com/office/powerpoint/2010/main" val="446247971"/>
+        <p14:creationId xmlns:p14="http://schemas.microsoft.com/office/powerpoint/2010/main" xmlns="" val="446247971"/>
       </p:ext>
     </p:extLst>
   </p:cSld>
@@ -5875,7 +7629,7 @@
           <p:cNvPr id="2" name="標題版面配置區 1">
             <a:extLst>
               <a:ext uri="{FF2B5EF4-FFF2-40B4-BE49-F238E27FC236}">
-                <a16:creationId xmlns="" xmlns:a16="http://schemas.microsoft.com/office/drawing/2014/main" id="{A2BEDBB3-485C-3A2B-0683-A63D1658AD10}"/>
+                <a16:creationId xmlns:a16="http://schemas.microsoft.com/office/drawing/2014/main" xmlns="" id="{A2BEDBB3-485C-3A2B-0683-A63D1658AD10}"/>
               </a:ext>
             </a:extLst>
           </p:cNvPr>
@@ -5913,7 +7667,7 @@
           <p:cNvPr id="3" name="文字版面配置區 2">
             <a:extLst>
               <a:ext uri="{FF2B5EF4-FFF2-40B4-BE49-F238E27FC236}">
-                <a16:creationId xmlns="" xmlns:a16="http://schemas.microsoft.com/office/drawing/2014/main" id="{37152904-746C-6074-B8CC-3FD7967FF676}"/>
+                <a16:creationId xmlns:a16="http://schemas.microsoft.com/office/drawing/2014/main" xmlns="" id="{37152904-746C-6074-B8CC-3FD7967FF676}"/>
               </a:ext>
             </a:extLst>
           </p:cNvPr>
@@ -5980,7 +7734,7 @@
           <p:cNvPr id="4" name="日期版面配置區 3">
             <a:extLst>
               <a:ext uri="{FF2B5EF4-FFF2-40B4-BE49-F238E27FC236}">
-                <a16:creationId xmlns="" xmlns:a16="http://schemas.microsoft.com/office/drawing/2014/main" id="{8DF97183-00FC-2B0E-8908-9A6DEF26F98E}"/>
+                <a16:creationId xmlns:a16="http://schemas.microsoft.com/office/drawing/2014/main" xmlns="" id="{8DF97183-00FC-2B0E-8908-9A6DEF26F98E}"/>
               </a:ext>
             </a:extLst>
           </p:cNvPr>
@@ -6017,7 +7771,7 @@
             <a:fld id="{A37943B4-2A46-4713-B7EA-BA325A1C4890}" type="datetimeFigureOut">
               <a:rPr lang="zh-TW" altLang="en-US" smtClean="0"/>
               <a:pPr/>
-              <a:t>2023/2/27</a:t>
+              <a:t>2023/2/28</a:t>
             </a:fld>
             <a:endParaRPr lang="zh-TW" altLang="en-US"/>
           </a:p>
@@ -6028,7 +7782,7 @@
           <p:cNvPr id="5" name="頁尾版面配置區 4">
             <a:extLst>
               <a:ext uri="{FF2B5EF4-FFF2-40B4-BE49-F238E27FC236}">
-                <a16:creationId xmlns="" xmlns:a16="http://schemas.microsoft.com/office/drawing/2014/main" id="{E81D0100-10B8-DDB2-6DA6-51C900B7A753}"/>
+                <a16:creationId xmlns:a16="http://schemas.microsoft.com/office/drawing/2014/main" xmlns="" id="{E81D0100-10B8-DDB2-6DA6-51C900B7A753}"/>
               </a:ext>
             </a:extLst>
           </p:cNvPr>
@@ -6071,7 +7825,7 @@
           <p:cNvPr id="6" name="投影片編號版面配置區 5">
             <a:extLst>
               <a:ext uri="{FF2B5EF4-FFF2-40B4-BE49-F238E27FC236}">
-                <a16:creationId xmlns="" xmlns:a16="http://schemas.microsoft.com/office/drawing/2014/main" id="{1C889210-1D06-1A4B-70A7-A3F452DF8C87}"/>
+                <a16:creationId xmlns:a16="http://schemas.microsoft.com/office/drawing/2014/main" xmlns="" id="{1C889210-1D06-1A4B-70A7-A3F452DF8C87}"/>
               </a:ext>
             </a:extLst>
           </p:cNvPr>
@@ -6117,7 +7871,7 @@
     </p:spTree>
     <p:extLst>
       <p:ext uri="{BB962C8B-B14F-4D97-AF65-F5344CB8AC3E}">
-        <p14:creationId xmlns="" xmlns:p14="http://schemas.microsoft.com/office/powerpoint/2010/main" val="1347593689"/>
+        <p14:creationId xmlns:p14="http://schemas.microsoft.com/office/powerpoint/2010/main" xmlns="" val="1347593689"/>
       </p:ext>
     </p:extLst>
   </p:cSld>
@@ -6440,7 +8194,7 @@
           <p:cNvPr id="2" name="標題 1">
             <a:extLst>
               <a:ext uri="{FF2B5EF4-FFF2-40B4-BE49-F238E27FC236}">
-                <a16:creationId xmlns="" xmlns:a16="http://schemas.microsoft.com/office/drawing/2014/main" id="{ACD68456-319B-AB99-AE1E-E2069A11C775}"/>
+                <a16:creationId xmlns:a16="http://schemas.microsoft.com/office/drawing/2014/main" xmlns="" id="{ACD68456-319B-AB99-AE1E-E2069A11C775}"/>
               </a:ext>
             </a:extLst>
           </p:cNvPr>
@@ -6502,7 +8256,7 @@
           <p:cNvPr id="3" name="副標題 2">
             <a:extLst>
               <a:ext uri="{FF2B5EF4-FFF2-40B4-BE49-F238E27FC236}">
-                <a16:creationId xmlns="" xmlns:a16="http://schemas.microsoft.com/office/drawing/2014/main" id="{A03E9E86-8D59-94B7-BB5B-AC2AFE849830}"/>
+                <a16:creationId xmlns:a16="http://schemas.microsoft.com/office/drawing/2014/main" xmlns="" id="{A03E9E86-8D59-94B7-BB5B-AC2AFE849830}"/>
               </a:ext>
             </a:extLst>
           </p:cNvPr>
@@ -6572,8 +8326,8 @@
         </p:blipFill>
         <p:spPr bwMode="auto">
           <a:xfrm>
-            <a:off x="3490913" y="3385268"/>
-            <a:ext cx="4725987" cy="3472732"/>
+            <a:off x="4179154" y="3699892"/>
+            <a:ext cx="3598144" cy="2643975"/>
           </a:xfrm>
           <a:prstGeom prst="rect">
             <a:avLst/>
@@ -6591,7 +8345,7 @@
     </p:spTree>
     <p:extLst>
       <p:ext uri="{BB962C8B-B14F-4D97-AF65-F5344CB8AC3E}">
-        <p14:creationId xmlns="" xmlns:p14="http://schemas.microsoft.com/office/powerpoint/2010/main" val="2654978135"/>
+        <p14:creationId xmlns:p14="http://schemas.microsoft.com/office/powerpoint/2010/main" xmlns="" val="2654978135"/>
       </p:ext>
     </p:extLst>
   </p:cSld>
@@ -6642,18 +8396,33 @@
           <a:p>
             <a:pPr algn="ctr"/>
             <a:r>
+              <a:rPr lang="en-US" altLang="zh-TW" dirty="0" smtClean="0"/>
+              <a:t>E1</a:t>
+            </a:r>
+            <a:r>
               <a:rPr lang="zh-TW" altLang="en-US" dirty="0" smtClean="0"/>
-              <a:t>回生</a:t>
-            </a:r>
-            <a:r>
-              <a:rPr lang="zh-TW" altLang="en-US" dirty="0" smtClean="0"/>
-              <a:t>電阻</a:t>
-            </a:r>
-            <a:r>
-              <a:rPr lang="en-US" altLang="zh-TW" smtClean="0"/>
-              <a:t>TTTT</a:t>
-            </a:r>
-            <a:endParaRPr lang="zh-TW" altLang="en-US" dirty="0"/>
+              <a:t>系列驅動器與編碼器轉換盒的搭配</a:t>
+            </a:r>
+            <a:r>
+              <a:rPr lang="en-US" altLang="zh-TW" dirty="0" smtClean="0"/>
+              <a:t>_2</a:t>
+            </a:r>
+            <a:br>
+              <a:rPr lang="en-US" altLang="zh-TW" dirty="0" smtClean="0"/>
+            </a:br>
+            <a:r>
+              <a:rPr lang="en-US" altLang="zh-TW" sz="3200" dirty="0" smtClean="0"/>
+              <a:t>(</a:t>
+            </a:r>
+            <a:r>
+              <a:rPr lang="zh-TW" altLang="en-US" sz="3200" dirty="0" smtClean="0"/>
+              <a:t>以伺服馬達為例</a:t>
+            </a:r>
+            <a:r>
+              <a:rPr lang="en-US" altLang="zh-TW" sz="3200" dirty="0" smtClean="0"/>
+              <a:t>)</a:t>
+            </a:r>
+            <a:endParaRPr lang="zh-TW" altLang="en-US" sz="3200" dirty="0"/>
           </a:p>
         </p:txBody>
       </p:sp>
@@ -6676,6 +8445,39 @@
           </a:p>
         </p:txBody>
       </p:sp>
+      <p:pic>
+        <p:nvPicPr>
+          <p:cNvPr id="7169" name="Picture 1"/>
+          <p:cNvPicPr>
+            <a:picLocks noChangeAspect="1" noChangeArrowheads="1"/>
+          </p:cNvPicPr>
+          <p:nvPr/>
+        </p:nvPicPr>
+        <p:blipFill>
+          <a:blip r:embed="rId3"/>
+          <a:srcRect/>
+          <a:stretch>
+            <a:fillRect/>
+          </a:stretch>
+        </p:blipFill>
+        <p:spPr bwMode="auto">
+          <a:xfrm>
+            <a:off x="-5838" y="1825820"/>
+            <a:ext cx="12192000" cy="4353868"/>
+          </a:xfrm>
+          <a:prstGeom prst="rect">
+            <a:avLst/>
+          </a:prstGeom>
+          <a:noFill/>
+          <a:ln w="9525">
+            <a:noFill/>
+            <a:miter lim="800000"/>
+            <a:headEnd/>
+            <a:tailEnd/>
+          </a:ln>
+          <a:effectLst/>
+        </p:spPr>
+      </p:pic>
     </p:spTree>
   </p:cSld>
   <p:clrMapOvr>
@@ -6723,7 +8525,28 @@
           <a:bodyPr/>
           <a:lstStyle/>
           <a:p>
-            <a:endParaRPr lang="zh-TW" altLang="en-US"/>
+            <a:pPr algn="ctr"/>
+            <a:r>
+              <a:rPr lang="zh-TW" altLang="en-US" b="1" dirty="0" smtClean="0">
+                <a:solidFill>
+                  <a:srgbClr val="FF0000"/>
+                </a:solidFill>
+              </a:rPr>
+              <a:t>回生電阻介紹與計算</a:t>
+            </a:r>
+            <a:r>
+              <a:rPr lang="en-US" altLang="zh-TW" b="1" dirty="0" smtClean="0">
+                <a:solidFill>
+                  <a:srgbClr val="FF0000"/>
+                </a:solidFill>
+              </a:rPr>
+              <a:t>????????</a:t>
+            </a:r>
+            <a:endParaRPr lang="zh-TW" altLang="en-US" b="1" dirty="0">
+              <a:solidFill>
+                <a:srgbClr val="FF0000"/>
+              </a:solidFill>
+            </a:endParaRPr>
           </a:p>
         </p:txBody>
       </p:sp>
@@ -6739,28 +8562,2522 @@
         </p:nvSpPr>
         <p:spPr/>
         <p:txBody>
+          <a:bodyPr/>
+          <a:lstStyle/>
+          <a:p>
+            <a:endParaRPr lang="zh-TW" altLang="en-US"/>
+          </a:p>
+        </p:txBody>
+      </p:sp>
+    </p:spTree>
+  </p:cSld>
+  <p:clrMapOvr>
+    <a:masterClrMapping/>
+  </p:clrMapOvr>
+  <p:timing>
+    <p:tnLst>
+      <p:par>
+        <p:cTn id="1" dur="indefinite" restart="never" nodeType="tmRoot"/>
+      </p:par>
+    </p:tnLst>
+  </p:timing>
+</p:sld>
+</file>
+
+<file path=ppt/slides/slide12.xml><?xml version="1.0" encoding="utf-8"?>
+<p:sld xmlns:a="http://schemas.openxmlformats.org/drawingml/2006/main" xmlns:r="http://schemas.openxmlformats.org/officeDocument/2006/relationships" xmlns:p="http://schemas.openxmlformats.org/presentationml/2006/main">
+  <p:cSld>
+    <p:spTree>
+      <p:nvGrpSpPr>
+        <p:cNvPr id="1" name=""/>
+        <p:cNvGrpSpPr/>
+        <p:nvPr/>
+      </p:nvGrpSpPr>
+      <p:grpSpPr>
+        <a:xfrm>
+          <a:off x="0" y="0"/>
+          <a:ext cx="0" cy="0"/>
+          <a:chOff x="0" y="0"/>
+          <a:chExt cx="0" cy="0"/>
+        </a:xfrm>
+      </p:grpSpPr>
+      <p:sp>
+        <p:nvSpPr>
+          <p:cNvPr id="2" name="標題 1"/>
+          <p:cNvSpPr>
+            <a:spLocks noGrp="1"/>
+          </p:cNvSpPr>
+          <p:nvPr>
+            <p:ph type="title"/>
+          </p:nvPr>
+        </p:nvSpPr>
+        <p:spPr/>
+        <p:txBody>
+          <a:bodyPr/>
+          <a:lstStyle/>
+          <a:p>
+            <a:pPr algn="ctr"/>
+            <a:r>
+              <a:rPr lang="zh-TW" altLang="en-US" dirty="0" smtClean="0"/>
+              <a:t>馬達運動方向定義</a:t>
+            </a:r>
+            <a:r>
+              <a:rPr lang="en-US" altLang="zh-TW" dirty="0" smtClean="0"/>
+              <a:t>_1</a:t>
+            </a:r>
+            <a:endParaRPr lang="zh-TW" altLang="en-US" dirty="0"/>
+          </a:p>
+        </p:txBody>
+      </p:sp>
+      <p:sp>
+        <p:nvSpPr>
+          <p:cNvPr id="3" name="內容版面配置區 2"/>
+          <p:cNvSpPr>
+            <a:spLocks noGrp="1"/>
+          </p:cNvSpPr>
+          <p:nvPr>
+            <p:ph idx="1"/>
+          </p:nvPr>
+        </p:nvSpPr>
+        <p:spPr/>
+        <p:txBody>
+          <a:bodyPr/>
+          <a:lstStyle/>
+          <a:p>
+            <a:r>
+              <a:rPr lang="zh-TW" altLang="en-US" dirty="0" smtClean="0"/>
+              <a:t>旋轉馬達</a:t>
+            </a:r>
+            <a:endParaRPr lang="en-US" altLang="zh-TW" dirty="0" smtClean="0"/>
+          </a:p>
+          <a:p>
+            <a:pPr>
+              <a:buNone/>
+            </a:pPr>
+            <a:r>
+              <a:rPr lang="zh-TW" altLang="en-US" dirty="0" smtClean="0"/>
+              <a:t>　</a:t>
+            </a:r>
+            <a:r>
+              <a:rPr lang="en-US" altLang="zh-TW" dirty="0" smtClean="0"/>
+              <a:t>CCW(</a:t>
+            </a:r>
+            <a:r>
+              <a:rPr lang="en-US" dirty="0" smtClean="0"/>
+              <a:t>Counter-Clockwise</a:t>
+            </a:r>
+            <a:r>
+              <a:rPr lang="en-US" altLang="zh-TW" dirty="0" smtClean="0"/>
+              <a:t>)</a:t>
+            </a:r>
+            <a:r>
+              <a:rPr lang="zh-TW" altLang="en-US" dirty="0" smtClean="0"/>
+              <a:t>逆時針轉，</a:t>
+            </a:r>
+            <a:r>
+              <a:rPr lang="zh-TW" altLang="en-US" b="1" dirty="0" smtClean="0">
+                <a:solidFill>
+                  <a:srgbClr val="FF0000"/>
+                </a:solidFill>
+              </a:rPr>
+              <a:t>出廠預設</a:t>
+            </a:r>
+            <a:endParaRPr lang="en-US" altLang="zh-TW" b="1" dirty="0" smtClean="0">
+              <a:solidFill>
+                <a:srgbClr val="FF0000"/>
+              </a:solidFill>
+            </a:endParaRPr>
+          </a:p>
+          <a:p>
+            <a:pPr>
+              <a:buNone/>
+            </a:pPr>
+            <a:r>
+              <a:rPr lang="zh-TW" altLang="en-US" dirty="0" smtClean="0"/>
+              <a:t>　</a:t>
+            </a:r>
+            <a:r>
+              <a:rPr lang="en-US" altLang="zh-TW" dirty="0" smtClean="0"/>
+              <a:t>CW(</a:t>
+            </a:r>
+            <a:r>
+              <a:rPr lang="en-US" dirty="0" smtClean="0"/>
+              <a:t>Clockwise</a:t>
+            </a:r>
+            <a:r>
+              <a:rPr lang="en-US" altLang="zh-TW" dirty="0" smtClean="0"/>
+              <a:t>)</a:t>
+            </a:r>
+            <a:r>
+              <a:rPr lang="zh-TW" altLang="en-US" dirty="0" smtClean="0"/>
+              <a:t>順時針轉</a:t>
+            </a:r>
+            <a:endParaRPr lang="en-US" altLang="zh-TW" dirty="0" smtClean="0"/>
+          </a:p>
+          <a:p>
+            <a:pPr>
+              <a:buNone/>
+            </a:pPr>
+            <a:endParaRPr lang="en-US" altLang="zh-TW" dirty="0" smtClean="0"/>
+          </a:p>
+          <a:p>
+            <a:pPr>
+              <a:buNone/>
+            </a:pPr>
+            <a:endParaRPr lang="en-US" altLang="zh-TW" dirty="0" smtClean="0"/>
+          </a:p>
+          <a:p>
+            <a:r>
+              <a:rPr lang="zh-TW" altLang="en-US" dirty="0" smtClean="0"/>
+              <a:t>線性馬達</a:t>
+            </a:r>
+            <a:endParaRPr lang="en-US" altLang="zh-TW" dirty="0" smtClean="0"/>
+          </a:p>
+          <a:p>
+            <a:pPr>
+              <a:buNone/>
+            </a:pPr>
+            <a:r>
+              <a:rPr lang="zh-TW" altLang="en-US" dirty="0" smtClean="0"/>
+              <a:t>　往上數方向，</a:t>
+            </a:r>
+            <a:r>
+              <a:rPr lang="zh-TW" altLang="en-US" b="1" dirty="0" smtClean="0">
+                <a:solidFill>
+                  <a:srgbClr val="FF0000"/>
+                </a:solidFill>
+              </a:rPr>
+              <a:t>出廠預設</a:t>
+            </a:r>
+            <a:endParaRPr lang="en-US" altLang="zh-TW" b="1" dirty="0" smtClean="0">
+              <a:solidFill>
+                <a:srgbClr val="FF0000"/>
+              </a:solidFill>
+            </a:endParaRPr>
+          </a:p>
+          <a:p>
+            <a:pPr>
+              <a:buNone/>
+            </a:pPr>
+            <a:r>
+              <a:rPr lang="zh-TW" altLang="en-US" dirty="0" smtClean="0"/>
+              <a:t>　往下數方向</a:t>
+            </a:r>
+            <a:endParaRPr lang="zh-TW" altLang="en-US" dirty="0" smtClean="0">
+              <a:solidFill>
+                <a:srgbClr val="000000"/>
+              </a:solidFill>
+              <a:latin typeface="新細明體"/>
+            </a:endParaRPr>
+          </a:p>
+          <a:p>
+            <a:endParaRPr lang="zh-TW" altLang="en-US" dirty="0" smtClean="0">
+              <a:solidFill>
+                <a:srgbClr val="000000"/>
+              </a:solidFill>
+              <a:latin typeface="新細明體"/>
+            </a:endParaRPr>
+          </a:p>
+          <a:p>
+            <a:endParaRPr lang="en-US" altLang="zh-TW" dirty="0" smtClean="0"/>
+          </a:p>
+          <a:p>
+            <a:endParaRPr lang="zh-TW" altLang="en-US" dirty="0" smtClean="0">
+              <a:solidFill>
+                <a:srgbClr val="000000"/>
+              </a:solidFill>
+              <a:latin typeface="新細明體"/>
+            </a:endParaRPr>
+          </a:p>
+        </p:txBody>
+      </p:sp>
+      <p:pic>
+        <p:nvPicPr>
+          <p:cNvPr id="1027" name="Picture 3"/>
+          <p:cNvPicPr>
+            <a:picLocks noChangeAspect="1" noChangeArrowheads="1"/>
+          </p:cNvPicPr>
+          <p:nvPr/>
+        </p:nvPicPr>
+        <p:blipFill>
+          <a:blip r:embed="rId3"/>
+          <a:srcRect/>
+          <a:stretch>
+            <a:fillRect/>
+          </a:stretch>
+        </p:blipFill>
+        <p:spPr bwMode="auto">
+          <a:xfrm>
+            <a:off x="5208450" y="2828227"/>
+            <a:ext cx="5223576" cy="1491065"/>
+          </a:xfrm>
+          <a:prstGeom prst="rect">
+            <a:avLst/>
+          </a:prstGeom>
+          <a:noFill/>
+          <a:ln w="9525">
+            <a:noFill/>
+            <a:miter lim="800000"/>
+            <a:headEnd/>
+            <a:tailEnd/>
+          </a:ln>
+          <a:effectLst/>
+        </p:spPr>
+      </p:pic>
+    </p:spTree>
+  </p:cSld>
+  <p:clrMapOvr>
+    <a:masterClrMapping/>
+  </p:clrMapOvr>
+  <p:timing>
+    <p:tnLst>
+      <p:par>
+        <p:cTn id="1" dur="indefinite" restart="never" nodeType="tmRoot"/>
+      </p:par>
+    </p:tnLst>
+  </p:timing>
+</p:sld>
+</file>
+
+<file path=ppt/slides/slide13.xml><?xml version="1.0" encoding="utf-8"?>
+<p:sld xmlns:a="http://schemas.openxmlformats.org/drawingml/2006/main" xmlns:r="http://schemas.openxmlformats.org/officeDocument/2006/relationships" xmlns:p="http://schemas.openxmlformats.org/presentationml/2006/main">
+  <p:cSld>
+    <p:spTree>
+      <p:nvGrpSpPr>
+        <p:cNvPr id="1" name=""/>
+        <p:cNvGrpSpPr/>
+        <p:nvPr/>
+      </p:nvGrpSpPr>
+      <p:grpSpPr>
+        <a:xfrm>
+          <a:off x="0" y="0"/>
+          <a:ext cx="0" cy="0"/>
+          <a:chOff x="0" y="0"/>
+          <a:chExt cx="0" cy="0"/>
+        </a:xfrm>
+      </p:grpSpPr>
+      <p:sp>
+        <p:nvSpPr>
+          <p:cNvPr id="2" name="標題 1"/>
+          <p:cNvSpPr>
+            <a:spLocks noGrp="1"/>
+          </p:cNvSpPr>
+          <p:nvPr>
+            <p:ph type="title"/>
+          </p:nvPr>
+        </p:nvSpPr>
+        <p:spPr/>
+        <p:txBody>
+          <a:bodyPr/>
+          <a:lstStyle/>
+          <a:p>
+            <a:pPr algn="ctr"/>
+            <a:r>
+              <a:rPr lang="zh-TW" altLang="en-US" dirty="0" smtClean="0"/>
+              <a:t>馬達運動方向定義</a:t>
+            </a:r>
+            <a:r>
+              <a:rPr lang="en-US" altLang="zh-TW" dirty="0" smtClean="0"/>
+              <a:t>_2</a:t>
+            </a:r>
+            <a:endParaRPr lang="zh-TW" altLang="en-US" dirty="0"/>
+          </a:p>
+        </p:txBody>
+      </p:sp>
+      <p:graphicFrame>
+        <p:nvGraphicFramePr>
+          <p:cNvPr id="4" name="內容版面配置區 8"/>
+          <p:cNvGraphicFramePr>
+            <a:graphicFrameLocks/>
+          </p:cNvGraphicFramePr>
+          <p:nvPr/>
+        </p:nvGraphicFramePr>
+        <p:xfrm>
+          <a:off x="1968265" y="1854889"/>
+          <a:ext cx="8444070" cy="4752384"/>
+        </p:xfrm>
+        <a:graphic>
+          <a:graphicData uri="http://schemas.openxmlformats.org/drawingml/2006/table">
+            <a:tbl>
+              <a:tblPr>
+                <a:tableStyleId>{5C22544A-7EE6-4342-B048-85BDC9FD1C3A}</a:tableStyleId>
+              </a:tblPr>
+              <a:tblGrid>
+                <a:gridCol w="1238782"/>
+                <a:gridCol w="3046930"/>
+                <a:gridCol w="862041"/>
+                <a:gridCol w="2026354"/>
+                <a:gridCol w="1269963"/>
+              </a:tblGrid>
+              <a:tr h="334008">
+                <a:tc>
+                  <a:txBody>
+                    <a:bodyPr/>
+                    <a:lstStyle/>
+                    <a:p>
+                      <a:pPr algn="ctr" fontAlgn="ctr"/>
+                      <a:r>
+                        <a:rPr lang="zh-TW" altLang="en-US" sz="2000" u="none" strike="noStrike" dirty="0"/>
+                        <a:t>馬達類型</a:t>
+                      </a:r>
+                      <a:endParaRPr lang="zh-TW" altLang="en-US" sz="2000" b="0" i="0" u="none" strike="noStrike" dirty="0">
+                        <a:solidFill>
+                          <a:srgbClr val="000000"/>
+                        </a:solidFill>
+                        <a:latin typeface="新細明體"/>
+                      </a:endParaRPr>
+                    </a:p>
+                  </a:txBody>
+                  <a:tcPr marL="0" marR="0" marT="0" marB="0" anchor="ctr"/>
+                </a:tc>
+                <a:tc>
+                  <a:txBody>
+                    <a:bodyPr/>
+                    <a:lstStyle/>
+                    <a:p>
+                      <a:pPr algn="ctr" fontAlgn="ctr"/>
+                      <a:r>
+                        <a:rPr lang="zh-TW" altLang="en-US" sz="2000" u="none" strike="noStrike"/>
+                        <a:t>方向</a:t>
+                      </a:r>
+                      <a:endParaRPr lang="zh-TW" altLang="en-US" sz="2000" b="0" i="0" u="none" strike="noStrike">
+                        <a:solidFill>
+                          <a:srgbClr val="000000"/>
+                        </a:solidFill>
+                        <a:latin typeface="新細明體"/>
+                      </a:endParaRPr>
+                    </a:p>
+                  </a:txBody>
+                  <a:tcPr marL="0" marR="0" marT="0" marB="0" anchor="ctr"/>
+                </a:tc>
+                <a:tc>
+                  <a:txBody>
+                    <a:bodyPr/>
+                    <a:lstStyle/>
+                    <a:p>
+                      <a:pPr algn="ctr" fontAlgn="ctr"/>
+                      <a:r>
+                        <a:rPr lang="zh-TW" altLang="en-US" sz="2000" u="none" strike="noStrike"/>
+                        <a:t>指令</a:t>
+                      </a:r>
+                      <a:endParaRPr lang="zh-TW" altLang="en-US" sz="2000" b="0" i="0" u="none" strike="noStrike">
+                        <a:solidFill>
+                          <a:srgbClr val="000000"/>
+                        </a:solidFill>
+                        <a:latin typeface="新細明體"/>
+                      </a:endParaRPr>
+                    </a:p>
+                  </a:txBody>
+                  <a:tcPr marL="0" marR="0" marT="0" marB="0" anchor="ctr"/>
+                </a:tc>
+                <a:tc>
+                  <a:txBody>
+                    <a:bodyPr/>
+                    <a:lstStyle/>
+                    <a:p>
+                      <a:pPr algn="ctr" fontAlgn="ctr"/>
+                      <a:r>
+                        <a:rPr lang="zh-TW" altLang="en-US" sz="2000" u="none" strike="noStrike"/>
+                        <a:t>馬達運動方向</a:t>
+                      </a:r>
+                      <a:endParaRPr lang="zh-TW" altLang="en-US" sz="2000" b="0" i="0" u="none" strike="noStrike">
+                        <a:solidFill>
+                          <a:srgbClr val="000000"/>
+                        </a:solidFill>
+                        <a:latin typeface="新細明體"/>
+                      </a:endParaRPr>
+                    </a:p>
+                  </a:txBody>
+                  <a:tcPr marL="0" marR="0" marT="0" marB="0" anchor="ctr"/>
+                </a:tc>
+                <a:tc>
+                  <a:txBody>
+                    <a:bodyPr/>
+                    <a:lstStyle/>
+                    <a:p>
+                      <a:pPr algn="ctr" fontAlgn="ctr"/>
+                      <a:r>
+                        <a:rPr lang="zh-TW" altLang="en-US" sz="2000" u="none" strike="noStrike"/>
+                        <a:t>示意圖</a:t>
+                      </a:r>
+                      <a:endParaRPr lang="zh-TW" altLang="en-US" sz="2000" b="0" i="0" u="none" strike="noStrike">
+                        <a:solidFill>
+                          <a:srgbClr val="000000"/>
+                        </a:solidFill>
+                        <a:latin typeface="新細明體"/>
+                      </a:endParaRPr>
+                    </a:p>
+                  </a:txBody>
+                  <a:tcPr marL="0" marR="0" marT="0" marB="0" anchor="ctr"/>
+                </a:tc>
+              </a:tr>
+              <a:tr h="1104594">
+                <a:tc rowSpan="2">
+                  <a:txBody>
+                    <a:bodyPr/>
+                    <a:lstStyle/>
+                    <a:p>
+                      <a:pPr algn="ctr" fontAlgn="ctr"/>
+                      <a:r>
+                        <a:rPr lang="zh-TW" altLang="en-US" sz="2000" u="none" strike="noStrike" dirty="0"/>
+                        <a:t>旋轉馬達</a:t>
+                      </a:r>
+                      <a:endParaRPr lang="zh-TW" altLang="en-US" sz="2000" b="0" i="0" u="none" strike="noStrike" dirty="0">
+                        <a:solidFill>
+                          <a:srgbClr val="000000"/>
+                        </a:solidFill>
+                        <a:latin typeface="新細明體"/>
+                      </a:endParaRPr>
+                    </a:p>
+                  </a:txBody>
+                  <a:tcPr marL="0" marR="0" marT="0" marB="0" anchor="ctr"/>
+                </a:tc>
+                <a:tc rowSpan="2">
+                  <a:txBody>
+                    <a:bodyPr/>
+                    <a:lstStyle/>
+                    <a:p>
+                      <a:pPr algn="l" fontAlgn="ctr"/>
+                      <a:r>
+                        <a:rPr lang="en-US" altLang="zh-TW" sz="2000" u="none" strike="noStrike" dirty="0"/>
+                        <a:t>CCW(</a:t>
+                      </a:r>
+                      <a:r>
+                        <a:rPr lang="zh-TW" altLang="en-US" sz="2000" u="none" strike="noStrike" dirty="0"/>
+                        <a:t>逆時針轉</a:t>
+                      </a:r>
+                      <a:r>
+                        <a:rPr lang="en-US" altLang="zh-TW" sz="2000" u="none" strike="noStrike" dirty="0"/>
+                        <a:t>)(</a:t>
+                      </a:r>
+                      <a:r>
+                        <a:rPr lang="zh-TW" altLang="en-US" sz="2000" u="none" strike="noStrike" dirty="0"/>
+                        <a:t>出廠預設</a:t>
+                      </a:r>
+                      <a:r>
+                        <a:rPr lang="en-US" altLang="zh-TW" sz="2000" u="none" strike="noStrike" dirty="0"/>
+                        <a:t>)</a:t>
+                      </a:r>
+                      <a:r>
+                        <a:rPr lang="zh-TW" altLang="en-US" sz="2000" u="none" strike="noStrike" dirty="0"/>
+                        <a:t/>
+                      </a:r>
+                      <a:br>
+                        <a:rPr lang="zh-TW" altLang="en-US" sz="2000" u="none" strike="noStrike" dirty="0"/>
+                      </a:br>
+                      <a:r>
+                        <a:rPr lang="en-US" altLang="zh-TW" sz="2000" u="none" strike="noStrike" dirty="0"/>
+                        <a:t>CW(</a:t>
+                      </a:r>
+                      <a:r>
+                        <a:rPr lang="zh-TW" altLang="en-US" sz="2000" u="none" strike="noStrike" dirty="0"/>
+                        <a:t>順時針轉</a:t>
+                      </a:r>
+                      <a:r>
+                        <a:rPr lang="en-US" altLang="zh-TW" sz="2000" u="none" strike="noStrike" dirty="0"/>
+                        <a:t>)</a:t>
+                      </a:r>
+                      <a:endParaRPr lang="en-US" altLang="zh-TW" sz="2000" b="0" i="0" u="none" strike="noStrike" dirty="0">
+                        <a:solidFill>
+                          <a:srgbClr val="000000"/>
+                        </a:solidFill>
+                        <a:latin typeface="新細明體"/>
+                      </a:endParaRPr>
+                    </a:p>
+                  </a:txBody>
+                  <a:tcPr marL="0" marR="0" marT="0" marB="0" anchor="ctr"/>
+                </a:tc>
+                <a:tc>
+                  <a:txBody>
+                    <a:bodyPr/>
+                    <a:lstStyle/>
+                    <a:p>
+                      <a:pPr algn="ctr" fontAlgn="ctr"/>
+                      <a:r>
+                        <a:rPr lang="zh-TW" altLang="en-US" sz="2000" u="none" strike="noStrike" dirty="0"/>
+                        <a:t>正向</a:t>
+                      </a:r>
+                      <a:endParaRPr lang="zh-TW" altLang="en-US" sz="2000" b="0" i="0" u="none" strike="noStrike" dirty="0">
+                        <a:solidFill>
+                          <a:srgbClr val="000000"/>
+                        </a:solidFill>
+                        <a:latin typeface="新細明體"/>
+                      </a:endParaRPr>
+                    </a:p>
+                  </a:txBody>
+                  <a:tcPr marL="0" marR="0" marT="0" marB="0" anchor="ctr"/>
+                </a:tc>
+                <a:tc>
+                  <a:txBody>
+                    <a:bodyPr/>
+                    <a:lstStyle/>
+                    <a:p>
+                      <a:pPr algn="ctr" fontAlgn="ctr"/>
+                      <a:r>
+                        <a:rPr lang="en-US" sz="2000" u="none" strike="noStrike" dirty="0"/>
+                        <a:t>CCW(</a:t>
+                      </a:r>
+                      <a:r>
+                        <a:rPr lang="zh-TW" altLang="en-US" sz="2000" u="none" strike="noStrike" dirty="0"/>
+                        <a:t>逆時針轉</a:t>
+                      </a:r>
+                      <a:r>
+                        <a:rPr lang="en-US" altLang="zh-TW" sz="2000" u="none" strike="noStrike" dirty="0"/>
+                        <a:t>)</a:t>
+                      </a:r>
+                      <a:endParaRPr lang="en-US" altLang="zh-TW" sz="2000" b="0" i="0" u="none" strike="noStrike" dirty="0">
+                        <a:solidFill>
+                          <a:srgbClr val="000000"/>
+                        </a:solidFill>
+                        <a:latin typeface="新細明體"/>
+                      </a:endParaRPr>
+                    </a:p>
+                  </a:txBody>
+                  <a:tcPr marL="0" marR="0" marT="0" marB="0" anchor="ctr"/>
+                </a:tc>
+                <a:tc>
+                  <a:txBody>
+                    <a:bodyPr/>
+                    <a:lstStyle/>
+                    <a:p>
+                      <a:pPr algn="l" fontAlgn="ctr"/>
+                      <a:endParaRPr lang="zh-TW" altLang="en-US" sz="2000" b="0" i="0" u="none" strike="noStrike" dirty="0">
+                        <a:solidFill>
+                          <a:srgbClr val="000000"/>
+                        </a:solidFill>
+                        <a:latin typeface="新細明體"/>
+                      </a:endParaRPr>
+                    </a:p>
+                  </a:txBody>
+                  <a:tcPr marL="0" marR="0" marT="0" marB="0" anchor="ctr"/>
+                </a:tc>
+              </a:tr>
+              <a:tr h="1104594">
+                <a:tc vMerge="1">
+                  <a:txBody>
+                    <a:bodyPr/>
+                    <a:lstStyle/>
+                    <a:p>
+                      <a:endParaRPr lang="zh-TW" altLang="en-US"/>
+                    </a:p>
+                  </a:txBody>
+                  <a:tcPr/>
+                </a:tc>
+                <a:tc vMerge="1">
+                  <a:txBody>
+                    <a:bodyPr/>
+                    <a:lstStyle/>
+                    <a:p>
+                      <a:endParaRPr lang="zh-TW" altLang="en-US"/>
+                    </a:p>
+                  </a:txBody>
+                  <a:tcPr/>
+                </a:tc>
+                <a:tc>
+                  <a:txBody>
+                    <a:bodyPr/>
+                    <a:lstStyle/>
+                    <a:p>
+                      <a:pPr algn="ctr" fontAlgn="ctr"/>
+                      <a:r>
+                        <a:rPr lang="zh-TW" altLang="en-US" sz="2000" u="none" strike="noStrike" dirty="0"/>
+                        <a:t>反向</a:t>
+                      </a:r>
+                      <a:endParaRPr lang="zh-TW" altLang="en-US" sz="2000" b="0" i="0" u="none" strike="noStrike" dirty="0">
+                        <a:solidFill>
+                          <a:srgbClr val="000000"/>
+                        </a:solidFill>
+                        <a:latin typeface="新細明體"/>
+                      </a:endParaRPr>
+                    </a:p>
+                  </a:txBody>
+                  <a:tcPr marL="0" marR="0" marT="0" marB="0" anchor="ctr"/>
+                </a:tc>
+                <a:tc>
+                  <a:txBody>
+                    <a:bodyPr/>
+                    <a:lstStyle/>
+                    <a:p>
+                      <a:pPr algn="ctr" fontAlgn="ctr"/>
+                      <a:r>
+                        <a:rPr lang="en-US" sz="2000" u="none" strike="noStrike" dirty="0"/>
+                        <a:t>CW(</a:t>
+                      </a:r>
+                      <a:r>
+                        <a:rPr lang="zh-TW" altLang="en-US" sz="2000" u="none" strike="noStrike" dirty="0"/>
+                        <a:t>順時針轉</a:t>
+                      </a:r>
+                      <a:r>
+                        <a:rPr lang="en-US" altLang="zh-TW" sz="2000" u="none" strike="noStrike" dirty="0"/>
+                        <a:t>)</a:t>
+                      </a:r>
+                      <a:endParaRPr lang="en-US" altLang="zh-TW" sz="2000" b="0" i="0" u="none" strike="noStrike" dirty="0">
+                        <a:solidFill>
+                          <a:srgbClr val="000000"/>
+                        </a:solidFill>
+                        <a:latin typeface="新細明體"/>
+                      </a:endParaRPr>
+                    </a:p>
+                  </a:txBody>
+                  <a:tcPr marL="0" marR="0" marT="0" marB="0" anchor="ctr"/>
+                </a:tc>
+                <a:tc>
+                  <a:txBody>
+                    <a:bodyPr/>
+                    <a:lstStyle/>
+                    <a:p>
+                      <a:pPr algn="l" fontAlgn="ctr"/>
+                      <a:endParaRPr lang="zh-TW" altLang="en-US" sz="2000" b="0" i="0" u="none" strike="noStrike" dirty="0">
+                        <a:solidFill>
+                          <a:srgbClr val="000000"/>
+                        </a:solidFill>
+                        <a:latin typeface="新細明體"/>
+                      </a:endParaRPr>
+                    </a:p>
+                  </a:txBody>
+                  <a:tcPr marL="0" marR="0" marT="0" marB="0" anchor="ctr"/>
+                </a:tc>
+              </a:tr>
+              <a:tr h="1104594">
+                <a:tc rowSpan="2">
+                  <a:txBody>
+                    <a:bodyPr/>
+                    <a:lstStyle/>
+                    <a:p>
+                      <a:pPr algn="ctr" fontAlgn="ctr"/>
+                      <a:r>
+                        <a:rPr lang="zh-TW" altLang="en-US" sz="2000" u="none" strike="noStrike" dirty="0"/>
+                        <a:t>線性馬達</a:t>
+                      </a:r>
+                      <a:endParaRPr lang="zh-TW" altLang="en-US" sz="2000" b="0" i="0" u="none" strike="noStrike" dirty="0">
+                        <a:solidFill>
+                          <a:srgbClr val="000000"/>
+                        </a:solidFill>
+                        <a:latin typeface="新細明體"/>
+                      </a:endParaRPr>
+                    </a:p>
+                  </a:txBody>
+                  <a:tcPr marL="0" marR="0" marT="0" marB="0" anchor="ctr"/>
+                </a:tc>
+                <a:tc rowSpan="2">
+                  <a:txBody>
+                    <a:bodyPr/>
+                    <a:lstStyle/>
+                    <a:p>
+                      <a:pPr algn="l" fontAlgn="ctr"/>
+                      <a:r>
+                        <a:rPr lang="zh-TW" altLang="en-US" sz="2000" u="none" strike="noStrike" dirty="0"/>
+                        <a:t>往上數</a:t>
+                      </a:r>
+                      <a:r>
+                        <a:rPr lang="en-US" altLang="zh-TW" sz="2000" u="none" strike="noStrike" dirty="0"/>
+                        <a:t>(</a:t>
+                      </a:r>
+                      <a:r>
+                        <a:rPr lang="zh-TW" altLang="en-US" sz="2000" u="none" strike="noStrike" dirty="0"/>
+                        <a:t>出廠預設</a:t>
+                      </a:r>
+                      <a:r>
+                        <a:rPr lang="en-US" altLang="zh-TW" sz="2000" u="none" strike="noStrike" dirty="0"/>
+                        <a:t>)</a:t>
+                      </a:r>
+                      <a:r>
+                        <a:rPr lang="zh-TW" altLang="en-US" sz="2000" u="none" strike="noStrike" dirty="0"/>
+                        <a:t/>
+                      </a:r>
+                      <a:br>
+                        <a:rPr lang="zh-TW" altLang="en-US" sz="2000" u="none" strike="noStrike" dirty="0"/>
+                      </a:br>
+                      <a:r>
+                        <a:rPr lang="zh-TW" altLang="en-US" sz="2000" u="none" strike="noStrike" dirty="0"/>
+                        <a:t>往下數</a:t>
+                      </a:r>
+                      <a:endParaRPr lang="zh-TW" altLang="en-US" sz="2000" b="0" i="0" u="none" strike="noStrike" dirty="0">
+                        <a:solidFill>
+                          <a:srgbClr val="000000"/>
+                        </a:solidFill>
+                        <a:latin typeface="新細明體"/>
+                      </a:endParaRPr>
+                    </a:p>
+                  </a:txBody>
+                  <a:tcPr marL="0" marR="0" marT="0" marB="0" anchor="ctr"/>
+                </a:tc>
+                <a:tc>
+                  <a:txBody>
+                    <a:bodyPr/>
+                    <a:lstStyle/>
+                    <a:p>
+                      <a:pPr algn="ctr" fontAlgn="ctr"/>
+                      <a:r>
+                        <a:rPr lang="zh-TW" altLang="en-US" sz="2000" u="none" strike="noStrike" dirty="0"/>
+                        <a:t>正向</a:t>
+                      </a:r>
+                      <a:endParaRPr lang="zh-TW" altLang="en-US" sz="2000" b="0" i="0" u="none" strike="noStrike" dirty="0">
+                        <a:solidFill>
+                          <a:srgbClr val="000000"/>
+                        </a:solidFill>
+                        <a:latin typeface="新細明體"/>
+                      </a:endParaRPr>
+                    </a:p>
+                  </a:txBody>
+                  <a:tcPr marL="0" marR="0" marT="0" marB="0" anchor="ctr"/>
+                </a:tc>
+                <a:tc>
+                  <a:txBody>
+                    <a:bodyPr/>
+                    <a:lstStyle/>
+                    <a:p>
+                      <a:pPr algn="ctr" fontAlgn="ctr"/>
+                      <a:r>
+                        <a:rPr lang="zh-TW" altLang="en-US" sz="2000" u="none" strike="noStrike" dirty="0"/>
+                        <a:t>往上</a:t>
+                      </a:r>
+                      <a:r>
+                        <a:rPr lang="zh-TW" altLang="en-US" sz="2000" u="none" strike="noStrike" dirty="0" smtClean="0"/>
+                        <a:t>數方向</a:t>
+                      </a:r>
+                      <a:endParaRPr lang="zh-TW" altLang="en-US" sz="2000" b="0" i="0" u="none" strike="noStrike" dirty="0">
+                        <a:solidFill>
+                          <a:srgbClr val="000000"/>
+                        </a:solidFill>
+                        <a:latin typeface="新細明體"/>
+                      </a:endParaRPr>
+                    </a:p>
+                  </a:txBody>
+                  <a:tcPr marL="0" marR="0" marT="0" marB="0" anchor="ctr"/>
+                </a:tc>
+                <a:tc>
+                  <a:txBody>
+                    <a:bodyPr/>
+                    <a:lstStyle/>
+                    <a:p>
+                      <a:pPr algn="l" fontAlgn="ctr"/>
+                      <a:endParaRPr lang="zh-TW" altLang="en-US" sz="2000" b="0" i="0" u="none" strike="noStrike" dirty="0">
+                        <a:solidFill>
+                          <a:srgbClr val="000000"/>
+                        </a:solidFill>
+                        <a:latin typeface="新細明體"/>
+                      </a:endParaRPr>
+                    </a:p>
+                  </a:txBody>
+                  <a:tcPr marL="0" marR="0" marT="0" marB="0" anchor="ctr"/>
+                </a:tc>
+              </a:tr>
+              <a:tr h="1104594">
+                <a:tc vMerge="1">
+                  <a:txBody>
+                    <a:bodyPr/>
+                    <a:lstStyle/>
+                    <a:p>
+                      <a:endParaRPr lang="zh-TW" altLang="en-US"/>
+                    </a:p>
+                  </a:txBody>
+                  <a:tcPr/>
+                </a:tc>
+                <a:tc vMerge="1">
+                  <a:txBody>
+                    <a:bodyPr/>
+                    <a:lstStyle/>
+                    <a:p>
+                      <a:endParaRPr lang="zh-TW" altLang="en-US"/>
+                    </a:p>
+                  </a:txBody>
+                  <a:tcPr/>
+                </a:tc>
+                <a:tc>
+                  <a:txBody>
+                    <a:bodyPr/>
+                    <a:lstStyle/>
+                    <a:p>
+                      <a:pPr algn="ctr" fontAlgn="ctr"/>
+                      <a:r>
+                        <a:rPr lang="zh-TW" altLang="en-US" sz="2000" u="none" strike="noStrike"/>
+                        <a:t>反向</a:t>
+                      </a:r>
+                      <a:endParaRPr lang="zh-TW" altLang="en-US" sz="2000" b="0" i="0" u="none" strike="noStrike">
+                        <a:solidFill>
+                          <a:srgbClr val="000000"/>
+                        </a:solidFill>
+                        <a:latin typeface="新細明體"/>
+                      </a:endParaRPr>
+                    </a:p>
+                  </a:txBody>
+                  <a:tcPr marL="0" marR="0" marT="0" marB="0" anchor="ctr"/>
+                </a:tc>
+                <a:tc>
+                  <a:txBody>
+                    <a:bodyPr/>
+                    <a:lstStyle/>
+                    <a:p>
+                      <a:pPr algn="ctr" fontAlgn="ctr"/>
+                      <a:r>
+                        <a:rPr lang="zh-TW" altLang="en-US" sz="2000" u="none" strike="noStrike" dirty="0"/>
+                        <a:t>往</a:t>
+                      </a:r>
+                      <a:r>
+                        <a:rPr lang="zh-TW" altLang="en-US" sz="2000" u="none" strike="noStrike" dirty="0" smtClean="0"/>
+                        <a:t>下數方向</a:t>
+                      </a:r>
+                      <a:endParaRPr lang="zh-TW" altLang="en-US" sz="2000" b="0" i="0" u="none" strike="noStrike" dirty="0">
+                        <a:solidFill>
+                          <a:srgbClr val="000000"/>
+                        </a:solidFill>
+                        <a:latin typeface="新細明體"/>
+                      </a:endParaRPr>
+                    </a:p>
+                  </a:txBody>
+                  <a:tcPr marL="0" marR="0" marT="0" marB="0" anchor="ctr"/>
+                </a:tc>
+                <a:tc>
+                  <a:txBody>
+                    <a:bodyPr/>
+                    <a:lstStyle/>
+                    <a:p>
+                      <a:pPr algn="l" fontAlgn="ctr"/>
+                      <a:endParaRPr lang="zh-TW" altLang="en-US" sz="2000" b="0" i="0" u="none" strike="noStrike" dirty="0">
+                        <a:solidFill>
+                          <a:srgbClr val="000000"/>
+                        </a:solidFill>
+                        <a:latin typeface="新細明體"/>
+                      </a:endParaRPr>
+                    </a:p>
+                  </a:txBody>
+                  <a:tcPr marL="0" marR="0" marT="0" marB="0" anchor="ctr"/>
+                </a:tc>
+              </a:tr>
+            </a:tbl>
+          </a:graphicData>
+        </a:graphic>
+      </p:graphicFrame>
+      <p:pic>
+        <p:nvPicPr>
+          <p:cNvPr id="5" name="圖片 4" descr="09_CW與CCW_2_p161_旋轉馬達-1_CCW.png"/>
+          <p:cNvPicPr>
+            <a:picLocks noChangeAspect="1"/>
+          </p:cNvPicPr>
+          <p:nvPr/>
+        </p:nvPicPr>
+        <p:blipFill>
+          <a:blip r:embed="rId2">
+            <a:clrChange>
+              <a:clrFrom>
+                <a:srgbClr val="FFFFFF"/>
+              </a:clrFrom>
+              <a:clrTo>
+                <a:srgbClr val="FFFFFF">
+                  <a:alpha val="0"/>
+                </a:srgbClr>
+              </a:clrTo>
+            </a:clrChange>
+          </a:blip>
+          <a:stretch>
+            <a:fillRect/>
+          </a:stretch>
+        </p:blipFill>
+        <p:spPr>
+          <a:xfrm>
+            <a:off x="9383612" y="2280078"/>
+            <a:ext cx="798858" cy="946795"/>
+          </a:xfrm>
+          <a:prstGeom prst="rect">
+            <a:avLst/>
+          </a:prstGeom>
+        </p:spPr>
+      </p:pic>
+      <p:pic>
+        <p:nvPicPr>
+          <p:cNvPr id="6" name="圖片 5" descr="09_CW與CCW_2_p161_旋轉馬達-2_CW.png"/>
+          <p:cNvPicPr>
+            <a:picLocks noChangeAspect="1"/>
+          </p:cNvPicPr>
+          <p:nvPr/>
+        </p:nvPicPr>
+        <p:blipFill>
+          <a:blip r:embed="rId3">
+            <a:clrChange>
+              <a:clrFrom>
+                <a:srgbClr val="FFFFFF"/>
+              </a:clrFrom>
+              <a:clrTo>
+                <a:srgbClr val="FFFFFF">
+                  <a:alpha val="0"/>
+                </a:srgbClr>
+              </a:clrTo>
+            </a:clrChange>
+          </a:blip>
+          <a:stretch>
+            <a:fillRect/>
+          </a:stretch>
+        </p:blipFill>
+        <p:spPr>
+          <a:xfrm>
+            <a:off x="9383612" y="3366182"/>
+            <a:ext cx="863575" cy="946795"/>
+          </a:xfrm>
+          <a:prstGeom prst="rect">
+            <a:avLst/>
+          </a:prstGeom>
+        </p:spPr>
+      </p:pic>
+      <p:pic>
+        <p:nvPicPr>
+          <p:cNvPr id="10" name="圖片 9" descr="09_CW與CCW_3_p162_線性馬達-2_下數.png"/>
+          <p:cNvPicPr>
+            <a:picLocks noChangeAspect="1"/>
+          </p:cNvPicPr>
+          <p:nvPr/>
+        </p:nvPicPr>
+        <p:blipFill>
+          <a:blip r:embed="rId4">
+            <a:clrChange>
+              <a:clrFrom>
+                <a:srgbClr val="FFFFFF"/>
+              </a:clrFrom>
+              <a:clrTo>
+                <a:srgbClr val="FFFFFF">
+                  <a:alpha val="0"/>
+                </a:srgbClr>
+              </a:clrTo>
+            </a:clrChange>
+          </a:blip>
+          <a:stretch>
+            <a:fillRect/>
+          </a:stretch>
+        </p:blipFill>
+        <p:spPr>
+          <a:xfrm>
+            <a:off x="9383612" y="5603249"/>
+            <a:ext cx="905643" cy="958916"/>
+          </a:xfrm>
+          <a:prstGeom prst="rect">
+            <a:avLst/>
+          </a:prstGeom>
+        </p:spPr>
+      </p:pic>
+      <p:pic>
+        <p:nvPicPr>
+          <p:cNvPr id="9" name="內容版面配置區 8" descr="09_CW與CCW_3_p162_線性馬達-1_上數.png"/>
+          <p:cNvPicPr>
+            <a:picLocks noGrp="1" noChangeAspect="1"/>
+          </p:cNvPicPr>
+          <p:nvPr>
+            <p:ph idx="1"/>
+          </p:nvPr>
+        </p:nvPicPr>
+        <p:blipFill>
+          <a:blip r:embed="rId5">
+            <a:clrChange>
+              <a:clrFrom>
+                <a:srgbClr val="FFFFFF"/>
+              </a:clrFrom>
+              <a:clrTo>
+                <a:srgbClr val="FFFFFF">
+                  <a:alpha val="0"/>
+                </a:srgbClr>
+              </a:clrTo>
+            </a:clrChange>
+          </a:blip>
+          <a:stretch>
+            <a:fillRect/>
+          </a:stretch>
+        </p:blipFill>
+        <p:spPr>
+          <a:xfrm>
+            <a:off x="9383612" y="4452286"/>
+            <a:ext cx="843044" cy="1011653"/>
+          </a:xfrm>
+        </p:spPr>
+      </p:pic>
+    </p:spTree>
+  </p:cSld>
+  <p:clrMapOvr>
+    <a:masterClrMapping/>
+  </p:clrMapOvr>
+  <p:timing>
+    <p:tnLst>
+      <p:par>
+        <p:cTn id="1" dur="indefinite" restart="never" nodeType="tmRoot"/>
+      </p:par>
+    </p:tnLst>
+  </p:timing>
+</p:sld>
+</file>
+
+<file path=ppt/slides/slide14.xml><?xml version="1.0" encoding="utf-8"?>
+<p:sld xmlns:a="http://schemas.openxmlformats.org/drawingml/2006/main" xmlns:r="http://schemas.openxmlformats.org/officeDocument/2006/relationships" xmlns:p="http://schemas.openxmlformats.org/presentationml/2006/main">
+  <p:cSld>
+    <p:spTree>
+      <p:nvGrpSpPr>
+        <p:cNvPr id="1" name=""/>
+        <p:cNvGrpSpPr/>
+        <p:nvPr/>
+      </p:nvGrpSpPr>
+      <p:grpSpPr>
+        <a:xfrm>
+          <a:off x="0" y="0"/>
+          <a:ext cx="0" cy="0"/>
+          <a:chOff x="0" y="0"/>
+          <a:chExt cx="0" cy="0"/>
+        </a:xfrm>
+      </p:grpSpPr>
+      <p:sp>
+        <p:nvSpPr>
+          <p:cNvPr id="2" name="標題 1"/>
+          <p:cNvSpPr>
+            <a:spLocks noGrp="1"/>
+          </p:cNvSpPr>
+          <p:nvPr>
+            <p:ph type="title"/>
+          </p:nvPr>
+        </p:nvSpPr>
+        <p:spPr/>
+        <p:txBody>
+          <a:bodyPr/>
+          <a:lstStyle/>
+          <a:p>
+            <a:pPr algn="ctr"/>
+            <a:r>
+              <a:rPr lang="zh-TW" altLang="en-US" dirty="0" smtClean="0"/>
+              <a:t>馬達超程</a:t>
+            </a:r>
+            <a:r>
+              <a:rPr lang="en-US" altLang="zh-TW" dirty="0" smtClean="0"/>
+              <a:t>(</a:t>
+            </a:r>
+            <a:r>
+              <a:rPr lang="zh-TW" altLang="en-US" dirty="0" smtClean="0"/>
+              <a:t>超行程</a:t>
+            </a:r>
+            <a:r>
+              <a:rPr lang="en-US" altLang="zh-TW" dirty="0" smtClean="0"/>
+              <a:t>)</a:t>
+            </a:r>
+            <a:r>
+              <a:rPr lang="zh-TW" altLang="en-US" dirty="0" smtClean="0"/>
+              <a:t>防護</a:t>
+            </a:r>
+            <a:endParaRPr lang="zh-TW" altLang="en-US" dirty="0"/>
+          </a:p>
+        </p:txBody>
+      </p:sp>
+      <p:sp>
+        <p:nvSpPr>
+          <p:cNvPr id="3" name="內容版面配置區 2"/>
+          <p:cNvSpPr>
+            <a:spLocks noGrp="1"/>
+          </p:cNvSpPr>
+          <p:nvPr>
+            <p:ph idx="1"/>
+          </p:nvPr>
+        </p:nvSpPr>
+        <p:spPr/>
+        <p:txBody>
+          <a:bodyPr/>
+          <a:lstStyle/>
+          <a:p>
+            <a:r>
+              <a:rPr lang="zh-TW" altLang="en-US" dirty="0" smtClean="0"/>
+              <a:t>機構極限</a:t>
+            </a:r>
+            <a:r>
+              <a:rPr lang="en-US" altLang="zh-TW" dirty="0" smtClean="0"/>
+              <a:t>(End Stop)</a:t>
+            </a:r>
+          </a:p>
+          <a:p>
+            <a:r>
+              <a:rPr lang="zh-TW" altLang="en-US" dirty="0" smtClean="0"/>
+              <a:t>極限開關</a:t>
+            </a:r>
+            <a:r>
+              <a:rPr lang="en-US" altLang="zh-TW" dirty="0" smtClean="0"/>
+              <a:t>(Limit Switch</a:t>
+            </a:r>
+            <a:r>
+              <a:rPr lang="zh-TW" altLang="en-US" dirty="0" smtClean="0"/>
+              <a:t>：</a:t>
+            </a:r>
+            <a:r>
+              <a:rPr lang="en-US" altLang="zh-TW" dirty="0" smtClean="0"/>
+              <a:t>P-OT</a:t>
+            </a:r>
+            <a:r>
+              <a:rPr lang="zh-TW" altLang="en-US" dirty="0" smtClean="0"/>
+              <a:t>、</a:t>
+            </a:r>
+            <a:r>
+              <a:rPr lang="en-US" altLang="zh-TW" dirty="0" smtClean="0"/>
+              <a:t>N-OT)</a:t>
+            </a:r>
+          </a:p>
+          <a:p>
+            <a:r>
+              <a:rPr lang="zh-TW" altLang="en-US" dirty="0" smtClean="0"/>
+              <a:t>軟體極限</a:t>
+            </a:r>
+            <a:r>
+              <a:rPr lang="en-US" altLang="zh-TW" dirty="0" smtClean="0"/>
+              <a:t>(Software </a:t>
+            </a:r>
+            <a:r>
+              <a:rPr lang="en-US" altLang="zh-TW" dirty="0" err="1" smtClean="0"/>
+              <a:t>Linit</a:t>
+            </a:r>
+            <a:r>
+              <a:rPr lang="en-US" altLang="zh-TW" dirty="0" smtClean="0"/>
+              <a:t>)</a:t>
+            </a:r>
+            <a:endParaRPr lang="zh-TW" altLang="en-US" dirty="0"/>
+          </a:p>
+        </p:txBody>
+      </p:sp>
+      <p:pic>
+        <p:nvPicPr>
+          <p:cNvPr id="2051" name="Picture 3"/>
+          <p:cNvPicPr>
+            <a:picLocks noChangeAspect="1" noChangeArrowheads="1"/>
+          </p:cNvPicPr>
+          <p:nvPr/>
+        </p:nvPicPr>
+        <p:blipFill>
+          <a:blip r:embed="rId3">
+            <a:clrChange>
+              <a:clrFrom>
+                <a:srgbClr val="FFFFFF"/>
+              </a:clrFrom>
+              <a:clrTo>
+                <a:srgbClr val="FFFFFF">
+                  <a:alpha val="0"/>
+                </a:srgbClr>
+              </a:clrTo>
+            </a:clrChange>
+          </a:blip>
+          <a:srcRect/>
+          <a:stretch>
+            <a:fillRect/>
+          </a:stretch>
+        </p:blipFill>
+        <p:spPr bwMode="auto">
+          <a:xfrm>
+            <a:off x="1689302" y="2665583"/>
+            <a:ext cx="9028113" cy="4181475"/>
+          </a:xfrm>
+          <a:prstGeom prst="rect">
+            <a:avLst/>
+          </a:prstGeom>
+          <a:noFill/>
+          <a:ln w="9525">
+            <a:noFill/>
+            <a:miter lim="800000"/>
+            <a:headEnd/>
+            <a:tailEnd/>
+          </a:ln>
+          <a:effectLst/>
+        </p:spPr>
+      </p:pic>
+    </p:spTree>
+  </p:cSld>
+  <p:clrMapOvr>
+    <a:masterClrMapping/>
+  </p:clrMapOvr>
+  <p:timing>
+    <p:tnLst>
+      <p:par>
+        <p:cTn id="1" dur="indefinite" restart="never" nodeType="tmRoot"/>
+      </p:par>
+    </p:tnLst>
+  </p:timing>
+</p:sld>
+</file>
+
+<file path=ppt/slides/slide15.xml><?xml version="1.0" encoding="utf-8"?>
+<p:sld xmlns:a="http://schemas.openxmlformats.org/drawingml/2006/main" xmlns:r="http://schemas.openxmlformats.org/officeDocument/2006/relationships" xmlns:p="http://schemas.openxmlformats.org/presentationml/2006/main">
+  <p:cSld>
+    <p:spTree>
+      <p:nvGrpSpPr>
+        <p:cNvPr id="1" name=""/>
+        <p:cNvGrpSpPr/>
+        <p:nvPr/>
+      </p:nvGrpSpPr>
+      <p:grpSpPr>
+        <a:xfrm>
+          <a:off x="0" y="0"/>
+          <a:ext cx="0" cy="0"/>
+          <a:chOff x="0" y="0"/>
+          <a:chExt cx="0" cy="0"/>
+        </a:xfrm>
+      </p:grpSpPr>
+      <p:sp>
+        <p:nvSpPr>
+          <p:cNvPr id="2" name="標題 1"/>
+          <p:cNvSpPr>
+            <a:spLocks noGrp="1"/>
+          </p:cNvSpPr>
+          <p:nvPr>
+            <p:ph type="title"/>
+          </p:nvPr>
+        </p:nvSpPr>
+        <p:spPr/>
+        <p:txBody>
+          <a:bodyPr/>
+          <a:lstStyle/>
+          <a:p>
+            <a:pPr algn="ctr"/>
+            <a:r>
+              <a:rPr lang="zh-TW" altLang="en-US" dirty="0" smtClean="0"/>
+              <a:t>超程功能啟用時的馬達停止方法</a:t>
+            </a:r>
+            <a:endParaRPr lang="zh-TW" altLang="en-US" dirty="0"/>
+          </a:p>
+        </p:txBody>
+      </p:sp>
+      <p:sp>
+        <p:nvSpPr>
+          <p:cNvPr id="3" name="內容版面配置區 2"/>
+          <p:cNvSpPr>
+            <a:spLocks noGrp="1"/>
+          </p:cNvSpPr>
+          <p:nvPr>
+            <p:ph idx="1"/>
+          </p:nvPr>
+        </p:nvSpPr>
+        <p:spPr/>
+        <p:txBody>
+          <a:bodyPr/>
+          <a:lstStyle/>
+          <a:p>
+            <a:r>
+              <a:rPr lang="zh-TW" altLang="en-US" dirty="0" smtClean="0"/>
+              <a:t>動態制動器</a:t>
+            </a:r>
+            <a:endParaRPr lang="en-US" altLang="zh-TW" dirty="0" smtClean="0"/>
+          </a:p>
+          <a:p>
+            <a:r>
+              <a:rPr lang="zh-TW" altLang="en-US" dirty="0" smtClean="0"/>
+              <a:t>自由運轉</a:t>
+            </a:r>
+            <a:endParaRPr lang="en-US" altLang="zh-TW" dirty="0" smtClean="0"/>
+          </a:p>
+          <a:p>
+            <a:r>
+              <a:rPr lang="zh-TW" altLang="en-US" dirty="0" smtClean="0"/>
+              <a:t>設定減速</a:t>
+            </a:r>
+            <a:r>
+              <a:rPr lang="en-US" altLang="zh-TW" dirty="0" smtClean="0"/>
+              <a:t>(</a:t>
+            </a:r>
+            <a:r>
+              <a:rPr lang="zh-TW" altLang="en-US" dirty="0" smtClean="0"/>
+              <a:t>減速時間</a:t>
+            </a:r>
+            <a:r>
+              <a:rPr lang="en-US" altLang="zh-TW" dirty="0" smtClean="0"/>
+              <a:t>Pt30A)</a:t>
+            </a:r>
+            <a:endParaRPr lang="zh-TW" altLang="en-US" dirty="0"/>
+          </a:p>
+        </p:txBody>
+      </p:sp>
+      <p:pic>
+        <p:nvPicPr>
+          <p:cNvPr id="5" name="Picture 3"/>
+          <p:cNvPicPr>
+            <a:picLocks noChangeAspect="1" noChangeArrowheads="1"/>
+          </p:cNvPicPr>
+          <p:nvPr/>
+        </p:nvPicPr>
+        <p:blipFill>
+          <a:blip r:embed="rId3">
+            <a:clrChange>
+              <a:clrFrom>
+                <a:srgbClr val="FFFFFF"/>
+              </a:clrFrom>
+              <a:clrTo>
+                <a:srgbClr val="FFFFFF">
+                  <a:alpha val="0"/>
+                </a:srgbClr>
+              </a:clrTo>
+            </a:clrChange>
+          </a:blip>
+          <a:srcRect/>
+          <a:stretch>
+            <a:fillRect/>
+          </a:stretch>
+        </p:blipFill>
+        <p:spPr bwMode="auto">
+          <a:xfrm>
+            <a:off x="4868863" y="2562225"/>
+            <a:ext cx="7323137" cy="4295775"/>
+          </a:xfrm>
+          <a:prstGeom prst="rect">
+            <a:avLst/>
+          </a:prstGeom>
+          <a:noFill/>
+          <a:ln w="9525">
+            <a:noFill/>
+            <a:miter lim="800000"/>
+            <a:headEnd/>
+            <a:tailEnd/>
+          </a:ln>
+          <a:effectLst/>
+        </p:spPr>
+      </p:pic>
+    </p:spTree>
+  </p:cSld>
+  <p:clrMapOvr>
+    <a:masterClrMapping/>
+  </p:clrMapOvr>
+</p:sld>
+</file>
+
+<file path=ppt/slides/slide16.xml><?xml version="1.0" encoding="utf-8"?>
+<p:sld xmlns:a="http://schemas.openxmlformats.org/drawingml/2006/main" xmlns:r="http://schemas.openxmlformats.org/officeDocument/2006/relationships" xmlns:p="http://schemas.openxmlformats.org/presentationml/2006/main">
+  <p:cSld>
+    <p:spTree>
+      <p:nvGrpSpPr>
+        <p:cNvPr id="1" name=""/>
+        <p:cNvGrpSpPr/>
+        <p:nvPr/>
+      </p:nvGrpSpPr>
+      <p:grpSpPr>
+        <a:xfrm>
+          <a:off x="0" y="0"/>
+          <a:ext cx="0" cy="0"/>
+          <a:chOff x="0" y="0"/>
+          <a:chExt cx="0" cy="0"/>
+        </a:xfrm>
+      </p:grpSpPr>
+      <p:sp>
+        <p:nvSpPr>
+          <p:cNvPr id="2" name="標題 1"/>
+          <p:cNvSpPr>
+            <a:spLocks noGrp="1"/>
+          </p:cNvSpPr>
+          <p:nvPr>
+            <p:ph type="title"/>
+          </p:nvPr>
+        </p:nvSpPr>
+        <p:spPr/>
+        <p:txBody>
+          <a:bodyPr/>
+          <a:lstStyle/>
+          <a:p>
+            <a:pPr algn="ctr"/>
+            <a:r>
+              <a:rPr lang="zh-TW" altLang="en-US" dirty="0" smtClean="0"/>
+              <a:t>制動器</a:t>
+            </a:r>
+            <a:r>
+              <a:rPr lang="en-US" altLang="zh-TW" dirty="0" smtClean="0"/>
+              <a:t>(</a:t>
+            </a:r>
+            <a:r>
+              <a:rPr lang="en-US" altLang="zh-TW" dirty="0" err="1" smtClean="0"/>
+              <a:t>brakestaff</a:t>
+            </a:r>
+            <a:r>
+              <a:rPr lang="en-US" altLang="zh-TW" dirty="0" smtClean="0"/>
+              <a:t>)</a:t>
+            </a:r>
+            <a:endParaRPr lang="zh-TW" altLang="en-US" dirty="0"/>
+          </a:p>
+        </p:txBody>
+      </p:sp>
+      <p:sp>
+        <p:nvSpPr>
+          <p:cNvPr id="3" name="內容版面配置區 2"/>
+          <p:cNvSpPr>
+            <a:spLocks noGrp="1"/>
+          </p:cNvSpPr>
+          <p:nvPr>
+            <p:ph idx="1"/>
+          </p:nvPr>
+        </p:nvSpPr>
+        <p:spPr>
+          <a:xfrm>
+            <a:off x="838199" y="1825625"/>
+            <a:ext cx="10833847" cy="4351338"/>
+          </a:xfrm>
+        </p:spPr>
+        <p:txBody>
+          <a:bodyPr/>
+          <a:lstStyle/>
+          <a:p>
+            <a:r>
+              <a:rPr lang="zh-TW" altLang="en-US" dirty="0" smtClean="0"/>
+              <a:t>具有使運動部件</a:t>
+            </a:r>
+            <a:r>
+              <a:rPr lang="zh-TW" altLang="en-US" dirty="0" smtClean="0">
+                <a:solidFill>
+                  <a:srgbClr val="0070C0"/>
+                </a:solidFill>
+              </a:rPr>
+              <a:t>減速</a:t>
+            </a:r>
+            <a:r>
+              <a:rPr lang="zh-TW" altLang="en-US" dirty="0" smtClean="0"/>
+              <a:t>、</a:t>
+            </a:r>
+            <a:r>
+              <a:rPr lang="zh-TW" altLang="en-US" dirty="0" smtClean="0">
+                <a:solidFill>
+                  <a:srgbClr val="0070C0"/>
+                </a:solidFill>
+              </a:rPr>
+              <a:t>停止</a:t>
+            </a:r>
+            <a:r>
+              <a:rPr lang="zh-TW" altLang="en-US" dirty="0" smtClean="0"/>
+              <a:t>或</a:t>
+            </a:r>
+            <a:r>
+              <a:rPr lang="zh-TW" altLang="en-US" dirty="0" smtClean="0">
+                <a:solidFill>
+                  <a:srgbClr val="0070C0"/>
+                </a:solidFill>
+              </a:rPr>
+              <a:t>保持停止狀態</a:t>
+            </a:r>
+            <a:r>
+              <a:rPr lang="zh-TW" altLang="en-US" dirty="0" smtClean="0"/>
+              <a:t>等功能的裝置，即剎車設備。</a:t>
+            </a:r>
+            <a:endParaRPr lang="en-US" altLang="zh-TW" dirty="0" smtClean="0"/>
+          </a:p>
+          <a:p>
+            <a:r>
+              <a:rPr lang="zh-TW" altLang="en-US" dirty="0" smtClean="0"/>
+              <a:t>制動器通常用於在</a:t>
+            </a:r>
+            <a:r>
+              <a:rPr lang="zh-TW" altLang="en-US" dirty="0" smtClean="0">
+                <a:solidFill>
+                  <a:srgbClr val="FF0000"/>
+                </a:solidFill>
+              </a:rPr>
+              <a:t>伺服</a:t>
+            </a:r>
+            <a:r>
+              <a:rPr lang="en-US" altLang="zh-TW" dirty="0" smtClean="0">
+                <a:solidFill>
+                  <a:srgbClr val="FF0000"/>
+                </a:solidFill>
+              </a:rPr>
+              <a:t>OFF</a:t>
+            </a:r>
+            <a:r>
+              <a:rPr lang="zh-TW" altLang="en-US" dirty="0" smtClean="0">
+                <a:solidFill>
+                  <a:srgbClr val="FF0000"/>
+                </a:solidFill>
+              </a:rPr>
+              <a:t>時</a:t>
+            </a:r>
+            <a:r>
+              <a:rPr lang="zh-TW" altLang="en-US" dirty="0" smtClean="0"/>
+              <a:t>避免馬達因外力或重力而移動</a:t>
+            </a:r>
+            <a:endParaRPr lang="en-US" altLang="zh-TW" dirty="0" smtClean="0"/>
+          </a:p>
+          <a:p>
+            <a:r>
+              <a:rPr lang="zh-TW" altLang="en-US" dirty="0" smtClean="0"/>
+              <a:t>驅動器提供制動器控制輸出 </a:t>
+            </a:r>
+            <a:r>
+              <a:rPr lang="en-US" altLang="zh-TW" dirty="0" smtClean="0"/>
+              <a:t>(BK) </a:t>
+            </a:r>
+            <a:r>
+              <a:rPr lang="zh-TW" altLang="en-US" dirty="0" smtClean="0"/>
+              <a:t>訊號搭配外部制動器以保護馬達與機構</a:t>
+            </a:r>
+            <a:endParaRPr lang="en-US" altLang="zh-TW" dirty="0" smtClean="0"/>
+          </a:p>
+          <a:p>
+            <a:endParaRPr lang="en-US" altLang="zh-TW" dirty="0" smtClean="0"/>
+          </a:p>
+          <a:p>
+            <a:endParaRPr lang="zh-TW" altLang="en-US" dirty="0"/>
+          </a:p>
+        </p:txBody>
+      </p:sp>
+      <p:pic>
+        <p:nvPicPr>
+          <p:cNvPr id="1030" name="Picture 6"/>
+          <p:cNvPicPr>
+            <a:picLocks noChangeAspect="1" noChangeArrowheads="1"/>
+          </p:cNvPicPr>
+          <p:nvPr/>
+        </p:nvPicPr>
+        <p:blipFill>
+          <a:blip r:embed="rId3">
+            <a:clrChange>
+              <a:clrFrom>
+                <a:srgbClr val="FFFFFF"/>
+              </a:clrFrom>
+              <a:clrTo>
+                <a:srgbClr val="FFFFFF">
+                  <a:alpha val="0"/>
+                </a:srgbClr>
+              </a:clrTo>
+            </a:clrChange>
+          </a:blip>
+          <a:srcRect/>
+          <a:stretch>
+            <a:fillRect/>
+          </a:stretch>
+        </p:blipFill>
+        <p:spPr bwMode="auto">
+          <a:xfrm>
+            <a:off x="3861873" y="3662549"/>
+            <a:ext cx="4607859" cy="3195451"/>
+          </a:xfrm>
+          <a:prstGeom prst="rect">
+            <a:avLst/>
+          </a:prstGeom>
+          <a:noFill/>
+          <a:ln w="9525">
+            <a:noFill/>
+            <a:miter lim="800000"/>
+            <a:headEnd/>
+            <a:tailEnd/>
+          </a:ln>
+          <a:effectLst/>
+        </p:spPr>
+      </p:pic>
+    </p:spTree>
+  </p:cSld>
+  <p:clrMapOvr>
+    <a:masterClrMapping/>
+  </p:clrMapOvr>
+  <p:timing>
+    <p:tnLst>
+      <p:par>
+        <p:cTn id="1" dur="indefinite" restart="never" nodeType="tmRoot"/>
+      </p:par>
+    </p:tnLst>
+  </p:timing>
+</p:sld>
+</file>
+
+<file path=ppt/slides/slide17.xml><?xml version="1.0" encoding="utf-8"?>
+<p:sld xmlns:a="http://schemas.openxmlformats.org/drawingml/2006/main" xmlns:r="http://schemas.openxmlformats.org/officeDocument/2006/relationships" xmlns:p="http://schemas.openxmlformats.org/presentationml/2006/main">
+  <p:cSld>
+    <p:spTree>
+      <p:nvGrpSpPr>
+        <p:cNvPr id="1" name=""/>
+        <p:cNvGrpSpPr/>
+        <p:nvPr/>
+      </p:nvGrpSpPr>
+      <p:grpSpPr>
+        <a:xfrm>
+          <a:off x="0" y="0"/>
+          <a:ext cx="0" cy="0"/>
+          <a:chOff x="0" y="0"/>
+          <a:chExt cx="0" cy="0"/>
+        </a:xfrm>
+      </p:grpSpPr>
+      <p:sp>
+        <p:nvSpPr>
+          <p:cNvPr id="2" name="標題 1"/>
+          <p:cNvSpPr>
+            <a:spLocks noGrp="1"/>
+          </p:cNvSpPr>
+          <p:nvPr>
+            <p:ph type="title"/>
+          </p:nvPr>
+        </p:nvSpPr>
+        <p:spPr/>
+        <p:txBody>
+          <a:bodyPr/>
+          <a:lstStyle/>
+          <a:p>
+            <a:pPr algn="ctr"/>
+            <a:r>
+              <a:rPr lang="zh-TW" altLang="en-US" dirty="0" smtClean="0"/>
+              <a:t>電子齒輪</a:t>
+            </a:r>
+            <a:r>
+              <a:rPr lang="zh-TW" altLang="en-US" dirty="0" smtClean="0"/>
+              <a:t>比的應用</a:t>
+            </a:r>
+            <a:endParaRPr lang="zh-TW" altLang="en-US" dirty="0"/>
+          </a:p>
+        </p:txBody>
+      </p:sp>
+      <p:sp>
+        <p:nvSpPr>
+          <p:cNvPr id="3" name="內容版面配置區 2"/>
+          <p:cNvSpPr>
+            <a:spLocks noGrp="1"/>
+          </p:cNvSpPr>
+          <p:nvPr>
+            <p:ph idx="1"/>
+          </p:nvPr>
+        </p:nvSpPr>
+        <p:spPr>
+          <a:xfrm>
+            <a:off x="838200" y="1502884"/>
+            <a:ext cx="10515600" cy="5355116"/>
+          </a:xfrm>
+        </p:spPr>
+        <p:txBody>
           <a:bodyPr>
             <a:normAutofit/>
           </a:bodyPr>
           <a:lstStyle/>
           <a:p>
-            <a:pPr algn="ctr">
+            <a:r>
+              <a:rPr lang="zh-TW" altLang="en-US" dirty="0" smtClean="0"/>
+              <a:t>螺桿</a:t>
+            </a:r>
+            <a:r>
+              <a:rPr lang="en-US" altLang="zh-TW" dirty="0" smtClean="0"/>
+              <a:t>Pitch</a:t>
+            </a:r>
+            <a:r>
+              <a:rPr lang="zh-TW" altLang="en-US" dirty="0" smtClean="0"/>
+              <a:t>為</a:t>
+            </a:r>
+            <a:r>
+              <a:rPr lang="en-US" altLang="zh-TW" dirty="0" smtClean="0"/>
+              <a:t>10mm</a:t>
+            </a:r>
+            <a:r>
+              <a:rPr lang="zh-TW" altLang="en-US" dirty="0" smtClean="0"/>
+              <a:t>，減速比為</a:t>
+            </a:r>
+            <a:r>
+              <a:rPr lang="en-US" altLang="zh-TW" dirty="0" smtClean="0"/>
+              <a:t>1:10</a:t>
+            </a:r>
+            <a:r>
+              <a:rPr lang="zh-TW" altLang="en-US" dirty="0" smtClean="0"/>
+              <a:t>，伺服</a:t>
+            </a:r>
+            <a:r>
+              <a:rPr lang="zh-TW" altLang="en-US" dirty="0" smtClean="0"/>
+              <a:t>馬達</a:t>
+            </a:r>
+            <a:r>
+              <a:rPr lang="zh-TW" altLang="en-US" dirty="0" smtClean="0"/>
+              <a:t>解析度為</a:t>
+            </a:r>
+            <a:r>
+              <a:rPr lang="en-US" altLang="zh-TW" dirty="0" smtClean="0"/>
+              <a:t>23bit</a:t>
+            </a:r>
+          </a:p>
+          <a:p>
+            <a:pPr>
               <a:buNone/>
             </a:pPr>
-            <a:endParaRPr lang="en-US" altLang="zh-TW" sz="9600" dirty="0" smtClean="0"/>
-          </a:p>
-          <a:p>
-            <a:pPr algn="ctr">
+            <a:r>
+              <a:rPr lang="zh-TW" altLang="en-US" dirty="0" smtClean="0"/>
+              <a:t>則</a:t>
+            </a:r>
+            <a:r>
+              <a:rPr lang="zh-TW" altLang="en-US" dirty="0" smtClean="0"/>
+              <a:t>負載在一秒內移動</a:t>
+            </a:r>
+            <a:r>
+              <a:rPr lang="en-US" altLang="zh-TW" dirty="0" smtClean="0"/>
+              <a:t>15 mm</a:t>
+            </a:r>
+            <a:r>
+              <a:rPr lang="zh-TW" altLang="en-US" dirty="0" smtClean="0"/>
+              <a:t>，需要輸入多少脈</a:t>
+            </a:r>
+            <a:r>
+              <a:rPr lang="zh-TW" altLang="en-US" dirty="0" smtClean="0"/>
+              <a:t>波</a:t>
+            </a:r>
+            <a:r>
+              <a:rPr lang="en-US" altLang="zh-TW" dirty="0" smtClean="0"/>
+              <a:t>?</a:t>
+            </a:r>
+          </a:p>
+          <a:p>
+            <a:pPr>
               <a:buNone/>
             </a:pPr>
-            <a:r>
-              <a:rPr lang="en-US" altLang="zh-TW" sz="9600" dirty="0" smtClean="0"/>
-              <a:t>Thank You</a:t>
-            </a:r>
-            <a:endParaRPr lang="zh-TW" altLang="en-US" sz="9600" dirty="0"/>
+            <a:endParaRPr lang="en-US" altLang="zh-TW" dirty="0" smtClean="0"/>
+          </a:p>
+          <a:p>
+            <a:pPr>
+              <a:buNone/>
+            </a:pPr>
+            <a:r>
+              <a:rPr lang="zh-TW" altLang="en-US" dirty="0" smtClean="0"/>
+              <a:t>螺桿轉</a:t>
+            </a:r>
+            <a:r>
+              <a:rPr lang="en-US" altLang="zh-TW" dirty="0" smtClean="0"/>
+              <a:t>1</a:t>
+            </a:r>
+            <a:r>
+              <a:rPr lang="zh-TW" altLang="en-US" dirty="0" smtClean="0"/>
+              <a:t>圈前進</a:t>
+            </a:r>
+            <a:r>
+              <a:rPr lang="en-US" altLang="zh-TW" dirty="0" smtClean="0"/>
+              <a:t>10mm=&gt;</a:t>
+            </a:r>
+            <a:r>
+              <a:rPr lang="zh-TW" altLang="en-US" dirty="0" smtClean="0"/>
+              <a:t>螺桿前進</a:t>
+            </a:r>
+            <a:r>
+              <a:rPr lang="en-US" altLang="zh-TW" dirty="0" smtClean="0"/>
+              <a:t>15mm</a:t>
+            </a:r>
+            <a:r>
+              <a:rPr lang="zh-TW" altLang="en-US" dirty="0" smtClean="0"/>
+              <a:t>即螺桿</a:t>
+            </a:r>
+            <a:r>
+              <a:rPr lang="en-US" altLang="zh-TW" dirty="0" smtClean="0"/>
+              <a:t>1.5</a:t>
+            </a:r>
+            <a:r>
+              <a:rPr lang="zh-TW" altLang="en-US" dirty="0" smtClean="0"/>
+              <a:t>圈</a:t>
+            </a:r>
+            <a:endParaRPr lang="en-US" altLang="zh-TW" dirty="0" smtClean="0"/>
+          </a:p>
+          <a:p>
+            <a:pPr>
+              <a:buNone/>
+            </a:pPr>
+            <a:r>
+              <a:rPr lang="zh-TW" altLang="en-US" dirty="0" smtClean="0"/>
+              <a:t>減速比</a:t>
+            </a:r>
+            <a:r>
+              <a:rPr lang="zh-TW" altLang="en-US" dirty="0" smtClean="0"/>
+              <a:t>為</a:t>
+            </a:r>
+            <a:r>
+              <a:rPr lang="en-US" altLang="zh-TW" dirty="0" smtClean="0"/>
+              <a:t>1:10</a:t>
+            </a:r>
+            <a:r>
+              <a:rPr lang="zh-TW" altLang="en-US" dirty="0" smtClean="0"/>
+              <a:t>即代表馬達需要轉</a:t>
+            </a:r>
+            <a:r>
+              <a:rPr lang="en-US" altLang="zh-TW" dirty="0" smtClean="0"/>
+              <a:t>15</a:t>
+            </a:r>
+            <a:r>
+              <a:rPr lang="zh-TW" altLang="en-US" dirty="0" smtClean="0"/>
+              <a:t>圈</a:t>
+            </a:r>
+            <a:endParaRPr lang="en-US" altLang="zh-TW" dirty="0" smtClean="0"/>
+          </a:p>
+          <a:p>
+            <a:pPr>
+              <a:buNone/>
+            </a:pPr>
+            <a:r>
+              <a:rPr lang="en-US" altLang="zh-TW" dirty="0" smtClean="0"/>
+              <a:t>23bit</a:t>
+            </a:r>
+            <a:r>
+              <a:rPr lang="zh-TW" altLang="en-US" dirty="0" smtClean="0"/>
+              <a:t>的馬達代表轉一圈需要送出</a:t>
+            </a:r>
+            <a:r>
+              <a:rPr lang="en-US" altLang="zh-TW" dirty="0" smtClean="0"/>
+              <a:t>2</a:t>
+            </a:r>
+            <a:r>
+              <a:rPr lang="zh-TW" altLang="en-US" dirty="0" smtClean="0"/>
+              <a:t>的</a:t>
+            </a:r>
+            <a:r>
+              <a:rPr lang="en-US" altLang="zh-TW" dirty="0" smtClean="0"/>
+              <a:t>23</a:t>
+            </a:r>
+            <a:r>
+              <a:rPr lang="zh-TW" altLang="en-US" dirty="0" smtClean="0"/>
+              <a:t>次方</a:t>
+            </a:r>
+            <a:r>
+              <a:rPr lang="en-US" altLang="zh-TW" dirty="0" smtClean="0"/>
+              <a:t>pulse=8388608</a:t>
+            </a:r>
+            <a:r>
+              <a:rPr lang="zh-TW" altLang="en-US" dirty="0" smtClean="0"/>
+              <a:t> </a:t>
+            </a:r>
+            <a:r>
+              <a:rPr lang="en-US" altLang="zh-TW" dirty="0" smtClean="0"/>
+              <a:t>pulse</a:t>
+            </a:r>
+          </a:p>
+          <a:p>
+            <a:pPr>
+              <a:buNone/>
+            </a:pPr>
+            <a:r>
+              <a:rPr lang="zh-TW" altLang="en-US" dirty="0" smtClean="0"/>
+              <a:t>所以須送出</a:t>
+            </a:r>
+            <a:r>
+              <a:rPr lang="en-US" altLang="zh-TW" dirty="0" smtClean="0"/>
+              <a:t>8388608</a:t>
+            </a:r>
+            <a:r>
+              <a:rPr lang="zh-TW" altLang="en-US" dirty="0" smtClean="0"/>
+              <a:t>*</a:t>
+            </a:r>
+            <a:r>
+              <a:rPr lang="en-US" altLang="zh-TW" dirty="0" smtClean="0"/>
+              <a:t>15 pulse=</a:t>
+            </a:r>
+            <a:r>
+              <a:rPr lang="en-US" altLang="zh-TW" dirty="0" smtClean="0">
+                <a:solidFill>
+                  <a:srgbClr val="FF0000"/>
+                </a:solidFill>
+              </a:rPr>
+              <a:t>125.8M</a:t>
+            </a:r>
+          </a:p>
+          <a:p>
+            <a:pPr>
+              <a:buNone/>
+            </a:pPr>
+            <a:endParaRPr lang="en-US" altLang="zh-TW" dirty="0" smtClean="0">
+              <a:solidFill>
+                <a:srgbClr val="FF0000"/>
+              </a:solidFill>
+            </a:endParaRPr>
+          </a:p>
+          <a:p>
+            <a:pPr>
+              <a:buNone/>
+            </a:pPr>
+            <a:r>
+              <a:rPr lang="zh-TW" altLang="en-US" dirty="0" smtClean="0"/>
+              <a:t>若用電子齒輪比</a:t>
+            </a:r>
+            <a:r>
+              <a:rPr lang="en-US" altLang="zh-TW" dirty="0" smtClean="0"/>
+              <a:t>0.001 </a:t>
+            </a:r>
+            <a:r>
+              <a:rPr lang="en-US" altLang="zh-TW" dirty="0" smtClean="0"/>
+              <a:t>mm</a:t>
+            </a:r>
+          </a:p>
+          <a:p>
+            <a:pPr>
+              <a:buNone/>
+            </a:pPr>
+            <a:r>
+              <a:rPr lang="zh-TW" altLang="en-US" dirty="0" smtClean="0"/>
+              <a:t>則只需</a:t>
+            </a:r>
+            <a:r>
+              <a:rPr lang="zh-TW" altLang="en-US" dirty="0" smtClean="0"/>
+              <a:t>要</a:t>
+            </a:r>
+            <a:r>
+              <a:rPr lang="en-US" altLang="zh-TW" dirty="0" smtClean="0"/>
+              <a:t>15/0.001=</a:t>
+            </a:r>
+            <a:r>
+              <a:rPr lang="en-US" altLang="zh-TW" dirty="0" smtClean="0">
+                <a:solidFill>
+                  <a:srgbClr val="FF0000"/>
+                </a:solidFill>
+              </a:rPr>
+              <a:t>0.15M</a:t>
+            </a:r>
+            <a:endParaRPr lang="zh-TW" altLang="en-US" dirty="0">
+              <a:solidFill>
+                <a:srgbClr val="FF0000"/>
+              </a:solidFill>
+            </a:endParaRPr>
           </a:p>
         </p:txBody>
       </p:sp>
+      <p:pic>
+        <p:nvPicPr>
+          <p:cNvPr id="6" name="Picture 4"/>
+          <p:cNvPicPr>
+            <a:picLocks noChangeAspect="1" noChangeArrowheads="1"/>
+          </p:cNvPicPr>
+          <p:nvPr/>
+        </p:nvPicPr>
+        <p:blipFill>
+          <a:blip r:embed="rId3">
+            <a:clrChange>
+              <a:clrFrom>
+                <a:srgbClr val="FFFFFF"/>
+              </a:clrFrom>
+              <a:clrTo>
+                <a:srgbClr val="FFFFFF">
+                  <a:alpha val="0"/>
+                </a:srgbClr>
+              </a:clrTo>
+            </a:clrChange>
+          </a:blip>
+          <a:stretch>
+            <a:fillRect/>
+          </a:stretch>
+        </p:blipFill>
+        <p:spPr bwMode="auto">
+          <a:xfrm>
+            <a:off x="6096761" y="4896095"/>
+            <a:ext cx="6095239" cy="1961905"/>
+          </a:xfrm>
+          <a:prstGeom prst="rect">
+            <a:avLst/>
+          </a:prstGeom>
+          <a:noFill/>
+          <a:ln>
+            <a:noFill/>
+          </a:ln>
+        </p:spPr>
+      </p:pic>
+    </p:spTree>
+  </p:cSld>
+  <p:clrMapOvr>
+    <a:masterClrMapping/>
+  </p:clrMapOvr>
+</p:sld>
+</file>
+
+<file path=ppt/slides/slide18.xml><?xml version="1.0" encoding="utf-8"?>
+<p:sld xmlns:a="http://schemas.openxmlformats.org/drawingml/2006/main" xmlns:r="http://schemas.openxmlformats.org/officeDocument/2006/relationships" xmlns:p="http://schemas.openxmlformats.org/presentationml/2006/main">
+  <p:cSld>
+    <p:spTree>
+      <p:nvGrpSpPr>
+        <p:cNvPr id="1" name=""/>
+        <p:cNvGrpSpPr/>
+        <p:nvPr/>
+      </p:nvGrpSpPr>
+      <p:grpSpPr>
+        <a:xfrm>
+          <a:off x="0" y="0"/>
+          <a:ext cx="0" cy="0"/>
+          <a:chOff x="0" y="0"/>
+          <a:chExt cx="0" cy="0"/>
+        </a:xfrm>
+      </p:grpSpPr>
+      <p:sp>
+        <p:nvSpPr>
+          <p:cNvPr id="2" name="標題 1"/>
+          <p:cNvSpPr>
+            <a:spLocks noGrp="1"/>
+          </p:cNvSpPr>
+          <p:nvPr>
+            <p:ph type="title"/>
+          </p:nvPr>
+        </p:nvSpPr>
+        <p:spPr/>
+        <p:txBody>
+          <a:bodyPr/>
+          <a:lstStyle/>
+          <a:p>
+            <a:endParaRPr lang="zh-TW" altLang="en-US"/>
+          </a:p>
+        </p:txBody>
+      </p:sp>
+      <p:sp>
+        <p:nvSpPr>
+          <p:cNvPr id="3" name="內容版面配置區 2"/>
+          <p:cNvSpPr>
+            <a:spLocks noGrp="1"/>
+          </p:cNvSpPr>
+          <p:nvPr>
+            <p:ph idx="1"/>
+          </p:nvPr>
+        </p:nvSpPr>
+        <p:spPr/>
+        <p:txBody>
+          <a:bodyPr/>
+          <a:lstStyle/>
+          <a:p>
+            <a:endParaRPr lang="zh-TW" altLang="en-US"/>
+          </a:p>
+        </p:txBody>
+      </p:sp>
+      <p:pic>
+        <p:nvPicPr>
+          <p:cNvPr id="1026" name="Picture 2"/>
+          <p:cNvPicPr>
+            <a:picLocks noChangeAspect="1" noChangeArrowheads="1"/>
+          </p:cNvPicPr>
+          <p:nvPr/>
+        </p:nvPicPr>
+        <p:blipFill>
+          <a:blip r:embed="rId2"/>
+          <a:srcRect/>
+          <a:stretch>
+            <a:fillRect/>
+          </a:stretch>
+        </p:blipFill>
+        <p:spPr bwMode="auto">
+          <a:xfrm>
+            <a:off x="2609850" y="1657350"/>
+            <a:ext cx="6970713" cy="3543300"/>
+          </a:xfrm>
+          <a:prstGeom prst="rect">
+            <a:avLst/>
+          </a:prstGeom>
+          <a:noFill/>
+          <a:ln w="9525">
+            <a:noFill/>
+            <a:miter lim="800000"/>
+            <a:headEnd/>
+            <a:tailEnd/>
+          </a:ln>
+          <a:effectLst/>
+        </p:spPr>
+      </p:pic>
+      <p:pic>
+        <p:nvPicPr>
+          <p:cNvPr id="1027" name="Picture 3"/>
+          <p:cNvPicPr>
+            <a:picLocks noChangeAspect="1" noChangeArrowheads="1"/>
+          </p:cNvPicPr>
+          <p:nvPr/>
+        </p:nvPicPr>
+        <p:blipFill>
+          <a:blip r:embed="rId3"/>
+          <a:srcRect/>
+          <a:stretch>
+            <a:fillRect/>
+          </a:stretch>
+        </p:blipFill>
+        <p:spPr bwMode="auto">
+          <a:xfrm>
+            <a:off x="5553804" y="4043700"/>
+            <a:ext cx="6334125" cy="2600325"/>
+          </a:xfrm>
+          <a:prstGeom prst="rect">
+            <a:avLst/>
+          </a:prstGeom>
+          <a:noFill/>
+          <a:ln w="9525">
+            <a:noFill/>
+            <a:miter lim="800000"/>
+            <a:headEnd/>
+            <a:tailEnd/>
+          </a:ln>
+          <a:effectLst/>
+        </p:spPr>
+      </p:pic>
+      <p:pic>
+        <p:nvPicPr>
+          <p:cNvPr id="1028" name="Picture 4"/>
+          <p:cNvPicPr>
+            <a:picLocks noChangeAspect="1" noChangeArrowheads="1"/>
+          </p:cNvPicPr>
+          <p:nvPr/>
+        </p:nvPicPr>
+        <p:blipFill>
+          <a:blip r:embed="rId4"/>
+          <a:srcRect/>
+          <a:stretch>
+            <a:fillRect/>
+          </a:stretch>
+        </p:blipFill>
+        <p:spPr bwMode="auto">
+          <a:xfrm>
+            <a:off x="3048000" y="2447925"/>
+            <a:ext cx="6096000" cy="1962150"/>
+          </a:xfrm>
+          <a:prstGeom prst="rect">
+            <a:avLst/>
+          </a:prstGeom>
+          <a:noFill/>
+          <a:ln w="9525">
+            <a:noFill/>
+            <a:miter lim="800000"/>
+            <a:headEnd/>
+            <a:tailEnd/>
+          </a:ln>
+          <a:effectLst/>
+        </p:spPr>
+      </p:pic>
+    </p:spTree>
+  </p:cSld>
+  <p:clrMapOvr>
+    <a:masterClrMapping/>
+  </p:clrMapOvr>
+</p:sld>
+</file>
+
+<file path=ppt/slides/slide19.xml><?xml version="1.0" encoding="utf-8"?>
+<p:sld xmlns:a="http://schemas.openxmlformats.org/drawingml/2006/main" xmlns:r="http://schemas.openxmlformats.org/officeDocument/2006/relationships" xmlns:p="http://schemas.openxmlformats.org/presentationml/2006/main">
+  <p:cSld>
+    <p:spTree>
+      <p:nvGrpSpPr>
+        <p:cNvPr id="1" name=""/>
+        <p:cNvGrpSpPr/>
+        <p:nvPr/>
+      </p:nvGrpSpPr>
+      <p:grpSpPr>
+        <a:xfrm>
+          <a:off x="0" y="0"/>
+          <a:ext cx="0" cy="0"/>
+          <a:chOff x="0" y="0"/>
+          <a:chExt cx="0" cy="0"/>
+        </a:xfrm>
+      </p:grpSpPr>
+      <p:sp>
+        <p:nvSpPr>
+          <p:cNvPr id="2" name="標題 1"/>
+          <p:cNvSpPr>
+            <a:spLocks noGrp="1"/>
+          </p:cNvSpPr>
+          <p:nvPr>
+            <p:ph type="title"/>
+          </p:nvPr>
+        </p:nvSpPr>
+        <p:spPr/>
+        <p:txBody>
+          <a:bodyPr/>
+          <a:lstStyle/>
+          <a:p>
+            <a:pPr algn="ctr"/>
+            <a:r>
+              <a:rPr lang="zh-TW" altLang="en-US" dirty="0" smtClean="0"/>
+              <a:t>速度命令偏壓調整</a:t>
+            </a:r>
+            <a:endParaRPr lang="zh-TW" altLang="en-US" dirty="0"/>
+          </a:p>
+        </p:txBody>
+      </p:sp>
+      <p:sp>
+        <p:nvSpPr>
+          <p:cNvPr id="3" name="內容版面配置區 2"/>
+          <p:cNvSpPr>
+            <a:spLocks noGrp="1"/>
+          </p:cNvSpPr>
+          <p:nvPr>
+            <p:ph idx="1"/>
+          </p:nvPr>
+        </p:nvSpPr>
+        <p:spPr>
+          <a:xfrm>
+            <a:off x="838200" y="1825625"/>
+            <a:ext cx="7498976" cy="4351338"/>
+          </a:xfrm>
+        </p:spPr>
+        <p:txBody>
+          <a:bodyPr>
+            <a:normAutofit/>
+          </a:bodyPr>
+          <a:lstStyle/>
+          <a:p>
+            <a:r>
+              <a:rPr lang="zh-TW" altLang="en-US" dirty="0" smtClean="0"/>
+              <a:t>速度命令為</a:t>
+            </a:r>
+            <a:r>
+              <a:rPr lang="en-US" altLang="zh-TW" dirty="0" smtClean="0"/>
+              <a:t>0</a:t>
+            </a:r>
+            <a:r>
+              <a:rPr lang="zh-TW" altLang="en-US" dirty="0" smtClean="0"/>
+              <a:t>但馬達速度不為</a:t>
+            </a:r>
+            <a:r>
+              <a:rPr lang="en-US" altLang="zh-TW" dirty="0" smtClean="0"/>
+              <a:t>0</a:t>
+            </a:r>
+            <a:r>
+              <a:rPr lang="zh-TW" altLang="en-US" dirty="0" smtClean="0"/>
+              <a:t>即存在偏壓</a:t>
+            </a:r>
+            <a:r>
+              <a:rPr lang="en-US" altLang="zh-TW" dirty="0" smtClean="0"/>
+              <a:t>(</a:t>
+            </a:r>
+            <a:r>
+              <a:rPr lang="en-US" altLang="zh-TW" dirty="0" smtClean="0">
+                <a:solidFill>
+                  <a:srgbClr val="00B0F0"/>
+                </a:solidFill>
+              </a:rPr>
+              <a:t>V</a:t>
+            </a:r>
+            <a:r>
+              <a:rPr lang="en-US" altLang="zh-TW" sz="2000" dirty="0" smtClean="0">
+                <a:solidFill>
+                  <a:srgbClr val="00B0F0"/>
+                </a:solidFill>
+              </a:rPr>
+              <a:t>M</a:t>
+            </a:r>
+            <a:r>
+              <a:rPr lang="en-US" altLang="zh-TW" sz="1600" dirty="0" smtClean="0">
+                <a:solidFill>
+                  <a:srgbClr val="00B0F0"/>
+                </a:solidFill>
+              </a:rPr>
+              <a:t>K</a:t>
+            </a:r>
+            <a:r>
+              <a:rPr lang="en-US" altLang="zh-TW" dirty="0" smtClean="0"/>
+              <a:t>)</a:t>
+            </a:r>
+          </a:p>
+          <a:p>
+            <a:r>
+              <a:rPr lang="zh-TW" altLang="en-US" dirty="0" smtClean="0"/>
+              <a:t>偏壓自動調整步驟</a:t>
+            </a:r>
+            <a:endParaRPr lang="en-US" altLang="zh-TW" dirty="0" smtClean="0"/>
+          </a:p>
+          <a:p>
+            <a:pPr marL="971550" lvl="1" indent="-514350">
+              <a:buFont typeface="+mj-lt"/>
+              <a:buAutoNum type="arabicPeriod"/>
+            </a:pPr>
+            <a:r>
+              <a:rPr lang="zh-TW" altLang="en-US" dirty="0" smtClean="0"/>
+              <a:t>驅動器測量偏壓值</a:t>
+            </a:r>
+            <a:r>
+              <a:rPr lang="en-US" altLang="zh-TW" dirty="0" smtClean="0"/>
+              <a:t>(</a:t>
+            </a:r>
+            <a:r>
+              <a:rPr lang="en-US" altLang="zh-TW" dirty="0" smtClean="0">
+                <a:solidFill>
+                  <a:srgbClr val="00B0F0"/>
+                </a:solidFill>
+              </a:rPr>
+              <a:t>V</a:t>
+            </a:r>
+            <a:r>
+              <a:rPr lang="en-US" altLang="zh-TW" sz="2000" dirty="0" smtClean="0">
+                <a:solidFill>
+                  <a:srgbClr val="00B0F0"/>
+                </a:solidFill>
+              </a:rPr>
+              <a:t>M</a:t>
+            </a:r>
+            <a:r>
+              <a:rPr lang="en-US" altLang="zh-TW" sz="1600" dirty="0" smtClean="0">
+                <a:solidFill>
+                  <a:srgbClr val="00B0F0"/>
+                </a:solidFill>
+              </a:rPr>
+              <a:t>K</a:t>
+            </a:r>
+            <a:r>
+              <a:rPr lang="en-US" altLang="zh-TW" dirty="0" smtClean="0"/>
+              <a:t>)</a:t>
+            </a:r>
+          </a:p>
+          <a:p>
+            <a:pPr marL="971550" lvl="1" indent="-514350">
+              <a:buFont typeface="+mj-lt"/>
+              <a:buAutoNum type="arabicPeriod"/>
+            </a:pPr>
+            <a:r>
+              <a:rPr lang="zh-TW" altLang="en-US" dirty="0" smtClean="0"/>
+              <a:t>將偏壓值</a:t>
+            </a:r>
+            <a:r>
+              <a:rPr lang="en-US" altLang="zh-TW" dirty="0" smtClean="0"/>
+              <a:t>(</a:t>
+            </a:r>
+            <a:r>
+              <a:rPr lang="en-US" altLang="zh-TW" dirty="0" smtClean="0">
+                <a:solidFill>
+                  <a:srgbClr val="00B0F0"/>
+                </a:solidFill>
+              </a:rPr>
+              <a:t>V</a:t>
+            </a:r>
+            <a:r>
+              <a:rPr lang="en-US" altLang="zh-TW" sz="2000" dirty="0" smtClean="0">
+                <a:solidFill>
+                  <a:srgbClr val="00B0F0"/>
+                </a:solidFill>
+              </a:rPr>
+              <a:t>M</a:t>
+            </a:r>
+            <a:r>
+              <a:rPr lang="en-US" altLang="zh-TW" sz="1600" dirty="0" smtClean="0">
+                <a:solidFill>
+                  <a:srgbClr val="00B0F0"/>
+                </a:solidFill>
+              </a:rPr>
+              <a:t>K</a:t>
+            </a:r>
+            <a:r>
+              <a:rPr lang="en-US" altLang="zh-TW" dirty="0" smtClean="0"/>
+              <a:t>)</a:t>
+            </a:r>
+            <a:r>
+              <a:rPr lang="zh-TW" altLang="en-US" dirty="0" smtClean="0"/>
+              <a:t>存入</a:t>
+            </a:r>
+            <a:r>
+              <a:rPr lang="en-US" altLang="zh-TW" dirty="0" smtClean="0"/>
+              <a:t>Flash</a:t>
+            </a:r>
+          </a:p>
+          <a:p>
+            <a:r>
+              <a:rPr lang="zh-TW" altLang="en-US" dirty="0" smtClean="0"/>
+              <a:t>條件</a:t>
+            </a:r>
+            <a:endParaRPr lang="en-US" altLang="zh-TW" dirty="0" smtClean="0"/>
+          </a:p>
+          <a:p>
+            <a:pPr lvl="1">
+              <a:buFont typeface="Wingdings" pitchFamily="2" charset="2"/>
+              <a:buChar char="Ø"/>
+            </a:pPr>
+            <a:r>
+              <a:rPr lang="zh-TW" altLang="en-US" dirty="0" smtClean="0"/>
+              <a:t>須處於伺服</a:t>
+            </a:r>
+            <a:r>
+              <a:rPr lang="en-US" altLang="zh-TW" dirty="0" smtClean="0"/>
+              <a:t>OFF</a:t>
+            </a:r>
+            <a:r>
+              <a:rPr lang="zh-TW" altLang="en-US" dirty="0" smtClean="0"/>
+              <a:t>狀態</a:t>
+            </a:r>
+            <a:endParaRPr lang="en-US" altLang="zh-TW" dirty="0" smtClean="0"/>
+          </a:p>
+          <a:p>
+            <a:pPr lvl="1">
+              <a:buFont typeface="Wingdings" pitchFamily="2" charset="2"/>
+              <a:buChar char="Ø"/>
+            </a:pPr>
+            <a:r>
+              <a:rPr lang="zh-TW" altLang="en-US" dirty="0" smtClean="0"/>
+              <a:t>上位控制器未發送任何訊號</a:t>
+            </a:r>
+            <a:endParaRPr lang="en-US" altLang="zh-TW" dirty="0" smtClean="0"/>
+          </a:p>
+          <a:p>
+            <a:r>
+              <a:rPr lang="zh-TW" altLang="en-US" dirty="0" smtClean="0"/>
+              <a:t>自動調整偏壓可由</a:t>
+            </a:r>
+            <a:r>
+              <a:rPr lang="en-US" altLang="zh-TW" dirty="0" smtClean="0"/>
+              <a:t>Thunder</a:t>
+            </a:r>
+            <a:r>
+              <a:rPr lang="zh-TW" altLang="en-US" dirty="0" smtClean="0"/>
+              <a:t>執行</a:t>
+            </a:r>
+            <a:endParaRPr lang="en-US" altLang="zh-TW" dirty="0" smtClean="0"/>
+          </a:p>
+          <a:p>
+            <a:pPr>
+              <a:buNone/>
+            </a:pPr>
+            <a:r>
+              <a:rPr lang="zh-TW" altLang="en-US" dirty="0" smtClean="0"/>
+              <a:t>　</a:t>
+            </a:r>
+            <a:r>
+              <a:rPr lang="en-US" altLang="zh-TW" dirty="0" smtClean="0"/>
+              <a:t>Tools=&gt;Analog offset</a:t>
+            </a:r>
+            <a:r>
+              <a:rPr lang="zh-TW" altLang="en-US" dirty="0" smtClean="0"/>
+              <a:t>視窗</a:t>
+            </a:r>
+            <a:r>
+              <a:rPr lang="en-US" altLang="zh-TW" dirty="0" smtClean="0"/>
+              <a:t>=&gt;Set zero</a:t>
+            </a:r>
+            <a:r>
+              <a:rPr lang="zh-TW" altLang="en-US" dirty="0" smtClean="0"/>
+              <a:t>按鈕</a:t>
+            </a:r>
+            <a:endParaRPr lang="zh-TW" altLang="en-US" dirty="0"/>
+          </a:p>
+        </p:txBody>
+      </p:sp>
+      <p:pic>
+        <p:nvPicPr>
+          <p:cNvPr id="4" name="Picture 2"/>
+          <p:cNvPicPr>
+            <a:picLocks noChangeAspect="1" noChangeArrowheads="1"/>
+          </p:cNvPicPr>
+          <p:nvPr/>
+        </p:nvPicPr>
+        <p:blipFill>
+          <a:blip r:embed="rId3"/>
+          <a:srcRect/>
+          <a:stretch>
+            <a:fillRect/>
+          </a:stretch>
+        </p:blipFill>
+        <p:spPr bwMode="auto">
+          <a:xfrm>
+            <a:off x="8382000" y="1800460"/>
+            <a:ext cx="3810000" cy="2981325"/>
+          </a:xfrm>
+          <a:prstGeom prst="rect">
+            <a:avLst/>
+          </a:prstGeom>
+          <a:noFill/>
+          <a:ln w="9525">
+            <a:noFill/>
+            <a:miter lim="800000"/>
+            <a:headEnd/>
+            <a:tailEnd/>
+          </a:ln>
+          <a:effectLst/>
+        </p:spPr>
+      </p:pic>
+      <p:pic>
+        <p:nvPicPr>
+          <p:cNvPr id="5" name="Picture 3"/>
+          <p:cNvPicPr>
+            <a:picLocks noChangeAspect="1" noChangeArrowheads="1"/>
+          </p:cNvPicPr>
+          <p:nvPr/>
+        </p:nvPicPr>
+        <p:blipFill>
+          <a:blip r:embed="rId4"/>
+          <a:srcRect/>
+          <a:stretch>
+            <a:fillRect/>
+          </a:stretch>
+        </p:blipFill>
+        <p:spPr bwMode="auto">
+          <a:xfrm>
+            <a:off x="8412646" y="4808668"/>
+            <a:ext cx="3779354" cy="2060089"/>
+          </a:xfrm>
+          <a:prstGeom prst="rect">
+            <a:avLst/>
+          </a:prstGeom>
+          <a:noFill/>
+          <a:ln w="9525">
+            <a:noFill/>
+            <a:miter lim="800000"/>
+            <a:headEnd/>
+            <a:tailEnd/>
+          </a:ln>
+          <a:effectLst/>
+        </p:spPr>
+      </p:pic>
     </p:spTree>
   </p:cSld>
   <p:clrMapOvr>
@@ -6798,7 +11115,7 @@
           <p:cNvPr id="2" name="標題 1">
             <a:extLst>
               <a:ext uri="{FF2B5EF4-FFF2-40B4-BE49-F238E27FC236}">
-                <a16:creationId xmlns="" xmlns:a16="http://schemas.microsoft.com/office/drawing/2014/main" id="{408CB574-E5AE-A3BF-1956-13019A8006C3}"/>
+                <a16:creationId xmlns:a16="http://schemas.microsoft.com/office/drawing/2014/main" xmlns="" id="{408CB574-E5AE-A3BF-1956-13019A8006C3}"/>
               </a:ext>
             </a:extLst>
           </p:cNvPr>
@@ -6816,10 +11133,34 @@
           <a:p>
             <a:pPr algn="ctr"/>
             <a:r>
-              <a:rPr lang="zh-TW" altLang="en-US" dirty="0"/>
-              <a:t>馬達與驅動器連接方式</a:t>
-            </a:r>
-            <a:endParaRPr lang="en-US" altLang="zh-TW" dirty="0"/>
+              <a:rPr lang="zh-TW" altLang="en-US" b="1" dirty="0">
+                <a:solidFill>
+                  <a:srgbClr val="FF0000"/>
+                </a:solidFill>
+              </a:rPr>
+              <a:t>馬達與驅動器連接</a:t>
+            </a:r>
+            <a:r>
+              <a:rPr lang="zh-TW" altLang="en-US" b="1" dirty="0" smtClean="0">
+                <a:solidFill>
+                  <a:srgbClr val="FF0000"/>
+                </a:solidFill>
+              </a:rPr>
+              <a:t>方式</a:t>
+            </a:r>
+            <a:r>
+              <a:rPr lang="en-US" altLang="zh-TW" b="1" dirty="0" smtClean="0">
+                <a:solidFill>
+                  <a:srgbClr val="FF0000"/>
+                </a:solidFill>
+              </a:rPr>
+              <a:t>????????</a:t>
+            </a:r>
+            <a:endParaRPr lang="en-US" altLang="zh-TW" b="1" dirty="0">
+              <a:solidFill>
+                <a:srgbClr val="FF0000"/>
+              </a:solidFill>
+            </a:endParaRPr>
           </a:p>
         </p:txBody>
       </p:sp>
@@ -6828,7 +11169,7 @@
           <p:cNvPr id="3" name="內容版面配置區 2">
             <a:extLst>
               <a:ext uri="{FF2B5EF4-FFF2-40B4-BE49-F238E27FC236}">
-                <a16:creationId xmlns="" xmlns:a16="http://schemas.microsoft.com/office/drawing/2014/main" id="{022930BF-0E8F-3D11-3FA6-5E6463CF0757}"/>
+                <a16:creationId xmlns:a16="http://schemas.microsoft.com/office/drawing/2014/main" xmlns="" id="{022930BF-0E8F-3D11-3FA6-5E6463CF0757}"/>
               </a:ext>
             </a:extLst>
           </p:cNvPr>
@@ -6851,7 +11192,7 @@
     </p:spTree>
     <p:extLst>
       <p:ext uri="{BB962C8B-B14F-4D97-AF65-F5344CB8AC3E}">
-        <p14:creationId xmlns="" xmlns:p14="http://schemas.microsoft.com/office/powerpoint/2010/main" val="3870043132"/>
+        <p14:creationId xmlns:p14="http://schemas.microsoft.com/office/powerpoint/2010/main" xmlns="" val="3870043132"/>
       </p:ext>
     </p:extLst>
   </p:cSld>
@@ -6865,6 +11206,414 @@
       </p:par>
     </p:tnLst>
   </p:timing>
+</p:sld>
+</file>
+
+<file path=ppt/slides/slide20.xml><?xml version="1.0" encoding="utf-8"?>
+<p:sld xmlns:a="http://schemas.openxmlformats.org/drawingml/2006/main" xmlns:r="http://schemas.openxmlformats.org/officeDocument/2006/relationships" xmlns:p="http://schemas.openxmlformats.org/presentationml/2006/main">
+  <p:cSld>
+    <p:spTree>
+      <p:nvGrpSpPr>
+        <p:cNvPr id="1" name=""/>
+        <p:cNvGrpSpPr/>
+        <p:nvPr/>
+      </p:nvGrpSpPr>
+      <p:grpSpPr>
+        <a:xfrm>
+          <a:off x="0" y="0"/>
+          <a:ext cx="0" cy="0"/>
+          <a:chOff x="0" y="0"/>
+          <a:chExt cx="0" cy="0"/>
+        </a:xfrm>
+      </p:grpSpPr>
+      <p:sp>
+        <p:nvSpPr>
+          <p:cNvPr id="2" name="標題 1"/>
+          <p:cNvSpPr>
+            <a:spLocks noGrp="1"/>
+          </p:cNvSpPr>
+          <p:nvPr>
+            <p:ph type="title"/>
+          </p:nvPr>
+        </p:nvSpPr>
+        <p:spPr/>
+        <p:txBody>
+          <a:bodyPr/>
+          <a:lstStyle/>
+          <a:p>
+            <a:pPr algn="ctr"/>
+            <a:r>
+              <a:rPr lang="zh-TW" altLang="en-US" dirty="0" smtClean="0"/>
+              <a:t>軟</a:t>
+            </a:r>
+            <a:r>
+              <a:rPr lang="zh-TW" altLang="en-US" dirty="0" smtClean="0"/>
+              <a:t>起動</a:t>
+            </a:r>
+            <a:r>
+              <a:rPr lang="en-US" altLang="zh-TW" dirty="0" smtClean="0"/>
+              <a:t>(</a:t>
+            </a:r>
+            <a:r>
+              <a:rPr lang="en-US" dirty="0" smtClean="0"/>
+              <a:t>Soft </a:t>
+            </a:r>
+            <a:r>
+              <a:rPr lang="en-US" dirty="0" smtClean="0"/>
+              <a:t>Start</a:t>
+            </a:r>
+            <a:r>
+              <a:rPr lang="en-US" altLang="zh-TW" dirty="0" smtClean="0"/>
+              <a:t>)</a:t>
+            </a:r>
+            <a:r>
+              <a:rPr lang="zh-TW" altLang="en-US" dirty="0" smtClean="0"/>
+              <a:t>設定</a:t>
+            </a:r>
+            <a:endParaRPr lang="zh-TW" altLang="en-US" dirty="0"/>
+          </a:p>
+        </p:txBody>
+      </p:sp>
+      <p:sp>
+        <p:nvSpPr>
+          <p:cNvPr id="3" name="內容版面配置區 2"/>
+          <p:cNvSpPr>
+            <a:spLocks noGrp="1"/>
+          </p:cNvSpPr>
+          <p:nvPr>
+            <p:ph idx="1"/>
+          </p:nvPr>
+        </p:nvSpPr>
+        <p:spPr/>
+        <p:txBody>
+          <a:bodyPr/>
+          <a:lstStyle/>
+          <a:p>
+            <a:r>
+              <a:rPr lang="zh-TW" altLang="en-US" dirty="0" smtClean="0"/>
+              <a:t>軟起動設定可讓速度命令在加速度段及減速度段變得較為平滑</a:t>
+            </a:r>
+            <a:endParaRPr lang="en-US" altLang="zh-TW" dirty="0" smtClean="0"/>
+          </a:p>
+          <a:p>
+            <a:pPr>
+              <a:buNone/>
+            </a:pPr>
+            <a:r>
+              <a:rPr lang="zh-TW" altLang="en-US" dirty="0" smtClean="0"/>
+              <a:t>　</a:t>
+            </a:r>
+            <a:r>
+              <a:rPr lang="en-US" altLang="zh-TW" dirty="0" smtClean="0"/>
+              <a:t>Pt305</a:t>
+            </a:r>
+            <a:r>
+              <a:rPr lang="zh-TW" altLang="en-US" dirty="0" smtClean="0"/>
+              <a:t>：馬達停止到馬達參考速度所需時間</a:t>
+            </a:r>
+            <a:endParaRPr lang="en-US" altLang="zh-TW" dirty="0" smtClean="0"/>
+          </a:p>
+          <a:p>
+            <a:pPr>
+              <a:buNone/>
+            </a:pPr>
+            <a:r>
+              <a:rPr lang="zh-TW" altLang="en-US" dirty="0" smtClean="0"/>
+              <a:t>　</a:t>
+            </a:r>
+            <a:r>
+              <a:rPr lang="en-US" altLang="zh-TW" dirty="0" smtClean="0"/>
+              <a:t>Pt306</a:t>
+            </a:r>
+            <a:r>
+              <a:rPr lang="zh-TW" altLang="en-US" dirty="0" smtClean="0"/>
+              <a:t>：馬達參考速度到馬達停止所需時間</a:t>
+            </a:r>
+            <a:endParaRPr lang="en-US" altLang="zh-TW" dirty="0" smtClean="0"/>
+          </a:p>
+          <a:p>
+            <a:pPr>
+              <a:buNone/>
+            </a:pPr>
+            <a:r>
+              <a:rPr lang="zh-TW" altLang="en-US" dirty="0" smtClean="0"/>
+              <a:t>　</a:t>
+            </a:r>
+            <a:r>
+              <a:rPr lang="en-US" altLang="zh-TW" dirty="0" smtClean="0"/>
+              <a:t>T</a:t>
+            </a:r>
+            <a:r>
+              <a:rPr lang="en-US" altLang="zh-TW" sz="2400" dirty="0" smtClean="0"/>
+              <a:t>RA</a:t>
+            </a:r>
+            <a:r>
+              <a:rPr lang="zh-TW" altLang="en-US" dirty="0" smtClean="0"/>
+              <a:t>：實際加速時間</a:t>
+            </a:r>
+            <a:endParaRPr lang="en-US" altLang="zh-TW" dirty="0" smtClean="0"/>
+          </a:p>
+          <a:p>
+            <a:pPr>
+              <a:buNone/>
+            </a:pPr>
+            <a:r>
+              <a:rPr lang="zh-TW" altLang="en-US" dirty="0" smtClean="0"/>
+              <a:t>　</a:t>
+            </a:r>
+            <a:r>
+              <a:rPr lang="en-US" altLang="zh-TW" dirty="0" smtClean="0"/>
+              <a:t>T</a:t>
+            </a:r>
+            <a:r>
+              <a:rPr lang="en-US" altLang="zh-TW" sz="2400" dirty="0" smtClean="0"/>
+              <a:t>RD</a:t>
+            </a:r>
+            <a:r>
+              <a:rPr lang="zh-TW" altLang="en-US" dirty="0" smtClean="0"/>
+              <a:t>：實際減速時間</a:t>
+            </a:r>
+            <a:endParaRPr lang="en-US" altLang="zh-TW" dirty="0" smtClean="0"/>
+          </a:p>
+          <a:p>
+            <a:pPr>
+              <a:buNone/>
+            </a:pPr>
+            <a:r>
+              <a:rPr lang="zh-TW" altLang="en-US" dirty="0" smtClean="0"/>
+              <a:t>　</a:t>
+            </a:r>
+            <a:r>
+              <a:rPr lang="en-US" altLang="zh-TW" dirty="0" smtClean="0"/>
+              <a:t>V</a:t>
+            </a:r>
+            <a:r>
+              <a:rPr lang="en-US" altLang="zh-TW" sz="2400" dirty="0" smtClean="0"/>
+              <a:t>T</a:t>
+            </a:r>
+            <a:r>
+              <a:rPr lang="zh-TW" altLang="en-US" dirty="0" smtClean="0"/>
+              <a:t>：目標速度</a:t>
+            </a:r>
+          </a:p>
+          <a:p>
+            <a:pPr>
+              <a:buNone/>
+            </a:pPr>
+            <a:r>
+              <a:rPr lang="zh-TW" altLang="en-US" dirty="0" smtClean="0"/>
+              <a:t>　</a:t>
+            </a:r>
+            <a:r>
+              <a:rPr lang="en-US" altLang="zh-TW" dirty="0" smtClean="0"/>
+              <a:t>V</a:t>
+            </a:r>
+            <a:r>
+              <a:rPr lang="en-US" altLang="zh-TW" sz="2400" dirty="0" smtClean="0"/>
+              <a:t>R</a:t>
+            </a:r>
+            <a:r>
+              <a:rPr lang="zh-TW" altLang="en-US" dirty="0" smtClean="0"/>
+              <a:t>：參考速度</a:t>
+            </a:r>
+            <a:endParaRPr lang="zh-TW" altLang="en-US" dirty="0"/>
+          </a:p>
+        </p:txBody>
+      </p:sp>
+      <p:pic>
+        <p:nvPicPr>
+          <p:cNvPr id="3074" name="Picture 2"/>
+          <p:cNvPicPr>
+            <a:picLocks noChangeAspect="1" noChangeArrowheads="1"/>
+          </p:cNvPicPr>
+          <p:nvPr/>
+        </p:nvPicPr>
+        <p:blipFill>
+          <a:blip r:embed="rId3"/>
+          <a:srcRect/>
+          <a:stretch>
+            <a:fillRect/>
+          </a:stretch>
+        </p:blipFill>
+        <p:spPr bwMode="auto">
+          <a:xfrm>
+            <a:off x="6905625" y="3409950"/>
+            <a:ext cx="5286375" cy="3448050"/>
+          </a:xfrm>
+          <a:prstGeom prst="rect">
+            <a:avLst/>
+          </a:prstGeom>
+          <a:noFill/>
+          <a:ln w="9525">
+            <a:noFill/>
+            <a:miter lim="800000"/>
+            <a:headEnd/>
+            <a:tailEnd/>
+          </a:ln>
+          <a:effectLst/>
+        </p:spPr>
+      </p:pic>
+    </p:spTree>
+  </p:cSld>
+  <p:clrMapOvr>
+    <a:masterClrMapping/>
+  </p:clrMapOvr>
+</p:sld>
+</file>
+
+<file path=ppt/slides/slide21.xml><?xml version="1.0" encoding="utf-8"?>
+<p:sld xmlns:a="http://schemas.openxmlformats.org/drawingml/2006/main" xmlns:r="http://schemas.openxmlformats.org/officeDocument/2006/relationships" xmlns:p="http://schemas.openxmlformats.org/presentationml/2006/main">
+  <p:cSld>
+    <p:spTree>
+      <p:nvGrpSpPr>
+        <p:cNvPr id="1" name=""/>
+        <p:cNvGrpSpPr/>
+        <p:nvPr/>
+      </p:nvGrpSpPr>
+      <p:grpSpPr>
+        <a:xfrm>
+          <a:off x="0" y="0"/>
+          <a:ext cx="0" cy="0"/>
+          <a:chOff x="0" y="0"/>
+          <a:chExt cx="0" cy="0"/>
+        </a:xfrm>
+      </p:grpSpPr>
+      <p:sp>
+        <p:nvSpPr>
+          <p:cNvPr id="2" name="標題 1"/>
+          <p:cNvSpPr>
+            <a:spLocks noGrp="1"/>
+          </p:cNvSpPr>
+          <p:nvPr>
+            <p:ph type="title"/>
+          </p:nvPr>
+        </p:nvSpPr>
+        <p:spPr/>
+        <p:txBody>
+          <a:bodyPr/>
+          <a:lstStyle/>
+          <a:p>
+            <a:endParaRPr lang="zh-TW" altLang="en-US"/>
+          </a:p>
+        </p:txBody>
+      </p:sp>
+      <p:sp>
+        <p:nvSpPr>
+          <p:cNvPr id="3" name="內容版面配置區 2"/>
+          <p:cNvSpPr>
+            <a:spLocks noGrp="1"/>
+          </p:cNvSpPr>
+          <p:nvPr>
+            <p:ph idx="1"/>
+          </p:nvPr>
+        </p:nvSpPr>
+        <p:spPr/>
+        <p:txBody>
+          <a:bodyPr>
+            <a:normAutofit/>
+          </a:bodyPr>
+          <a:lstStyle/>
+          <a:p>
+            <a:pPr algn="ctr">
+              <a:buNone/>
+            </a:pPr>
+            <a:endParaRPr lang="en-US" altLang="zh-TW" sz="9600" dirty="0" smtClean="0"/>
+          </a:p>
+          <a:p>
+            <a:pPr algn="ctr">
+              <a:buNone/>
+            </a:pPr>
+            <a:r>
+              <a:rPr lang="en-US" altLang="zh-TW" sz="9600" dirty="0" smtClean="0"/>
+              <a:t>Thank You</a:t>
+            </a:r>
+            <a:endParaRPr lang="zh-TW" altLang="en-US" sz="9600" dirty="0"/>
+          </a:p>
+        </p:txBody>
+      </p:sp>
+    </p:spTree>
+  </p:cSld>
+  <p:clrMapOvr>
+    <a:masterClrMapping/>
+  </p:clrMapOvr>
+  <p:timing>
+    <p:tnLst>
+      <p:par>
+        <p:cTn id="1" dur="indefinite" restart="never" nodeType="tmRoot"/>
+      </p:par>
+    </p:tnLst>
+  </p:timing>
+</p:sld>
+</file>
+
+<file path=ppt/slides/slide22.xml><?xml version="1.0" encoding="utf-8"?>
+<p:sld xmlns:a="http://schemas.openxmlformats.org/drawingml/2006/main" xmlns:r="http://schemas.openxmlformats.org/officeDocument/2006/relationships" xmlns:p="http://schemas.openxmlformats.org/presentationml/2006/main">
+  <p:cSld>
+    <p:spTree>
+      <p:nvGrpSpPr>
+        <p:cNvPr id="1" name=""/>
+        <p:cNvGrpSpPr/>
+        <p:nvPr/>
+      </p:nvGrpSpPr>
+      <p:grpSpPr>
+        <a:xfrm>
+          <a:off x="0" y="0"/>
+          <a:ext cx="0" cy="0"/>
+          <a:chOff x="0" y="0"/>
+          <a:chExt cx="0" cy="0"/>
+        </a:xfrm>
+      </p:grpSpPr>
+      <p:sp>
+        <p:nvSpPr>
+          <p:cNvPr id="2" name="標題 1"/>
+          <p:cNvSpPr>
+            <a:spLocks noGrp="1"/>
+          </p:cNvSpPr>
+          <p:nvPr>
+            <p:ph type="title"/>
+          </p:nvPr>
+        </p:nvSpPr>
+        <p:spPr/>
+        <p:txBody>
+          <a:bodyPr/>
+          <a:lstStyle/>
+          <a:p>
+            <a:endParaRPr lang="zh-TW" altLang="en-US" dirty="0"/>
+          </a:p>
+        </p:txBody>
+      </p:sp>
+      <p:sp>
+        <p:nvSpPr>
+          <p:cNvPr id="3" name="內容版面配置區 2"/>
+          <p:cNvSpPr>
+            <a:spLocks noGrp="1"/>
+          </p:cNvSpPr>
+          <p:nvPr>
+            <p:ph idx="1"/>
+          </p:nvPr>
+        </p:nvSpPr>
+        <p:spPr/>
+        <p:txBody>
+          <a:bodyPr/>
+          <a:lstStyle/>
+          <a:p>
+            <a:r>
+              <a:rPr lang="zh-TW" altLang="en-US" dirty="0" smtClean="0"/>
+              <a:t>上位控制器</a:t>
+            </a:r>
+            <a:r>
+              <a:rPr lang="en-US" altLang="zh-TW" dirty="0" smtClean="0"/>
+              <a:t>?????</a:t>
+            </a:r>
+            <a:endParaRPr lang="zh-TW" altLang="en-US" dirty="0"/>
+          </a:p>
+        </p:txBody>
+      </p:sp>
+    </p:spTree>
+  </p:cSld>
+  <p:clrMapOvr>
+    <a:masterClrMapping/>
+  </p:clrMapOvr>
 </p:sld>
 </file>
 
@@ -6890,7 +11639,7 @@
           <p:cNvPr id="2" name="標題 1">
             <a:extLst>
               <a:ext uri="{FF2B5EF4-FFF2-40B4-BE49-F238E27FC236}">
-                <a16:creationId xmlns="" xmlns:a16="http://schemas.microsoft.com/office/drawing/2014/main" id="{408CB574-E5AE-A3BF-1956-13019A8006C3}"/>
+                <a16:creationId xmlns:a16="http://schemas.microsoft.com/office/drawing/2014/main" xmlns="" id="{408CB574-E5AE-A3BF-1956-13019A8006C3}"/>
               </a:ext>
             </a:extLst>
           </p:cNvPr>
@@ -6919,7 +11668,7 @@
           <p:cNvPr id="3" name="內容版面配置區 2">
             <a:extLst>
               <a:ext uri="{FF2B5EF4-FFF2-40B4-BE49-F238E27FC236}">
-                <a16:creationId xmlns="" xmlns:a16="http://schemas.microsoft.com/office/drawing/2014/main" id="{022930BF-0E8F-3D11-3FA6-5E6463CF0757}"/>
+                <a16:creationId xmlns:a16="http://schemas.microsoft.com/office/drawing/2014/main" xmlns="" id="{022930BF-0E8F-3D11-3FA6-5E6463CF0757}"/>
               </a:ext>
             </a:extLst>
           </p:cNvPr>
@@ -6944,7 +11693,7 @@
           <p:cNvPr id="10" name="圖片 9">
             <a:extLst>
               <a:ext uri="{FF2B5EF4-FFF2-40B4-BE49-F238E27FC236}">
-                <a16:creationId xmlns="" xmlns:a16="http://schemas.microsoft.com/office/drawing/2014/main" id="{56A42076-1EBB-CDA0-CD01-7289709CFA5F}"/>
+                <a16:creationId xmlns:a16="http://schemas.microsoft.com/office/drawing/2014/main" xmlns="" id="{56A42076-1EBB-CDA0-CD01-7289709CFA5F}"/>
               </a:ext>
             </a:extLst>
           </p:cNvPr>
@@ -7000,10 +11749,10 @@
                     <a:p>
                       <a:pPr algn="ctr" fontAlgn="ctr"/>
                       <a:r>
-                        <a:rPr lang="zh-TW" altLang="en-US" sz="1800" u="none" strike="noStrike"/>
+                        <a:rPr lang="zh-TW" altLang="en-US" sz="1800" u="none" strike="noStrike" dirty="0"/>
                         <a:t>驅動器</a:t>
                       </a:r>
-                      <a:endParaRPr lang="zh-TW" altLang="en-US" sz="1800" b="0" i="0" u="none" strike="noStrike">
+                      <a:endParaRPr lang="zh-TW" altLang="en-US" sz="1800" b="0" i="0" u="none" strike="noStrike" dirty="0">
                         <a:solidFill>
                           <a:srgbClr val="000000"/>
                         </a:solidFill>
@@ -7564,7 +12313,7 @@
     </p:spTree>
     <p:extLst>
       <p:ext uri="{BB962C8B-B14F-4D97-AF65-F5344CB8AC3E}">
-        <p14:creationId xmlns="" xmlns:p14="http://schemas.microsoft.com/office/powerpoint/2010/main" val="3738420175"/>
+        <p14:creationId xmlns:p14="http://schemas.microsoft.com/office/powerpoint/2010/main" xmlns="" val="3738420175"/>
       </p:ext>
     </p:extLst>
   </p:cSld>
@@ -8681,10 +13430,231 @@
       </p:grpSpPr>
       <p:sp>
         <p:nvSpPr>
+          <p:cNvPr id="2" name="標題 1"/>
+          <p:cNvSpPr>
+            <a:spLocks noGrp="1"/>
+          </p:cNvSpPr>
+          <p:nvPr>
+            <p:ph type="title"/>
+          </p:nvPr>
+        </p:nvSpPr>
+        <p:spPr/>
+        <p:txBody>
+          <a:bodyPr/>
+          <a:lstStyle/>
+          <a:p>
+            <a:pPr algn="ctr"/>
+            <a:r>
+              <a:rPr lang="zh-TW" altLang="en-US" b="1" dirty="0" smtClean="0">
+                <a:solidFill>
+                  <a:srgbClr val="FF0000"/>
+                </a:solidFill>
+              </a:rPr>
+              <a:t>通訊格式</a:t>
+            </a:r>
+            <a:r>
+              <a:rPr lang="en-US" altLang="zh-TW" b="1" dirty="0" smtClean="0">
+                <a:solidFill>
+                  <a:srgbClr val="FF0000"/>
+                </a:solidFill>
+              </a:rPr>
+              <a:t>????????</a:t>
+            </a:r>
+            <a:endParaRPr lang="zh-TW" altLang="en-US" b="1" dirty="0">
+              <a:solidFill>
+                <a:srgbClr val="FF0000"/>
+              </a:solidFill>
+            </a:endParaRPr>
+          </a:p>
+        </p:txBody>
+      </p:sp>
+      <p:sp>
+        <p:nvSpPr>
+          <p:cNvPr id="3" name="內容版面配置區 2"/>
+          <p:cNvSpPr>
+            <a:spLocks noGrp="1"/>
+          </p:cNvSpPr>
+          <p:nvPr>
+            <p:ph idx="1"/>
+          </p:nvPr>
+        </p:nvSpPr>
+        <p:spPr/>
+        <p:txBody>
+          <a:bodyPr/>
+          <a:lstStyle/>
+          <a:p>
+            <a:r>
+              <a:rPr lang="en-US" dirty="0" err="1" smtClean="0"/>
+              <a:t>EtherCAT</a:t>
+            </a:r>
+            <a:r>
+              <a:rPr lang="en-US" dirty="0" smtClean="0"/>
+              <a:t>，</a:t>
+            </a:r>
+            <a:r>
+              <a:rPr lang="zh-TW" altLang="en-US" dirty="0" smtClean="0"/>
+              <a:t>代號</a:t>
+            </a:r>
+            <a:r>
+              <a:rPr lang="en-US" altLang="zh-TW" b="1" dirty="0" smtClean="0">
+                <a:solidFill>
+                  <a:srgbClr val="FF0000"/>
+                </a:solidFill>
+              </a:rPr>
+              <a:t>E</a:t>
+            </a:r>
+            <a:r>
+              <a:rPr lang="en-US" dirty="0" smtClean="0"/>
+              <a:t/>
+            </a:r>
+            <a:br>
+              <a:rPr lang="en-US" dirty="0" smtClean="0"/>
+            </a:br>
+            <a:r>
+              <a:rPr lang="en-US" dirty="0" smtClean="0"/>
+              <a:t>mega-</a:t>
+            </a:r>
+            <a:r>
+              <a:rPr lang="en-US" dirty="0" err="1" smtClean="0"/>
+              <a:t>ulink</a:t>
+            </a:r>
+            <a:r>
+              <a:rPr lang="en-US" dirty="0" smtClean="0"/>
+              <a:t>(</a:t>
+            </a:r>
+            <a:r>
+              <a:rPr lang="zh-TW" altLang="en-US" dirty="0" smtClean="0"/>
+              <a:t>搭配</a:t>
+            </a:r>
+            <a:r>
+              <a:rPr lang="en-US" dirty="0" smtClean="0"/>
+              <a:t>HIMC</a:t>
+            </a:r>
+            <a:r>
+              <a:rPr lang="zh-TW" altLang="en-US" dirty="0" smtClean="0"/>
+              <a:t>運動控制器或</a:t>
+            </a:r>
+            <a:br>
+              <a:rPr lang="zh-TW" altLang="en-US" dirty="0" smtClean="0"/>
+            </a:br>
+            <a:r>
+              <a:rPr lang="zh-TW" altLang="en-US" dirty="0" smtClean="0"/>
+              <a:t>　　　　　</a:t>
+            </a:r>
+            <a:r>
+              <a:rPr lang="en-US" dirty="0" smtClean="0"/>
+              <a:t>API/MPI</a:t>
+            </a:r>
+            <a:r>
+              <a:rPr lang="zh-TW" altLang="en-US" dirty="0" smtClean="0"/>
+              <a:t>運動函式庫</a:t>
+            </a:r>
+            <a:r>
+              <a:rPr lang="en-US" altLang="zh-TW" dirty="0" smtClean="0"/>
+              <a:t>)</a:t>
+            </a:r>
+            <a:r>
+              <a:rPr lang="zh-TW" altLang="en-US" dirty="0" smtClean="0"/>
+              <a:t>，代號</a:t>
+            </a:r>
+            <a:r>
+              <a:rPr lang="en-US" altLang="zh-TW" b="1" dirty="0" smtClean="0">
+                <a:solidFill>
+                  <a:srgbClr val="FF0000"/>
+                </a:solidFill>
+              </a:rPr>
+              <a:t>H</a:t>
+            </a:r>
+            <a:r>
+              <a:rPr lang="en-US" dirty="0" smtClean="0"/>
+              <a:t/>
+            </a:r>
+            <a:br>
+              <a:rPr lang="en-US" dirty="0" smtClean="0"/>
+            </a:br>
+            <a:r>
+              <a:rPr lang="en-US" dirty="0" smtClean="0"/>
+              <a:t>MECHATROLINK III，</a:t>
+            </a:r>
+            <a:r>
+              <a:rPr lang="zh-TW" altLang="en-US" dirty="0" smtClean="0"/>
+              <a:t>代號</a:t>
+            </a:r>
+            <a:r>
+              <a:rPr lang="en-US" altLang="zh-TW" b="1" dirty="0" smtClean="0">
+                <a:solidFill>
+                  <a:srgbClr val="FF0000"/>
+                </a:solidFill>
+              </a:rPr>
+              <a:t>L</a:t>
+            </a:r>
+            <a:r>
+              <a:rPr lang="en-US" dirty="0" smtClean="0"/>
+              <a:t/>
+            </a:r>
+            <a:br>
+              <a:rPr lang="en-US" dirty="0" smtClean="0"/>
+            </a:br>
+            <a:r>
+              <a:rPr lang="en-US" dirty="0" smtClean="0"/>
+              <a:t>PROFINET，</a:t>
+            </a:r>
+            <a:r>
+              <a:rPr lang="zh-TW" altLang="en-US" dirty="0" smtClean="0"/>
+              <a:t>代號</a:t>
+            </a:r>
+            <a:r>
+              <a:rPr lang="en-US" altLang="zh-TW" b="1" dirty="0" smtClean="0">
+                <a:solidFill>
+                  <a:srgbClr val="FF0000"/>
+                </a:solidFill>
+              </a:rPr>
+              <a:t>P</a:t>
+            </a:r>
+          </a:p>
+          <a:p>
+            <a:endParaRPr lang="zh-TW" altLang="en-US" dirty="0"/>
+          </a:p>
+        </p:txBody>
+      </p:sp>
+    </p:spTree>
+  </p:cSld>
+  <p:clrMapOvr>
+    <a:masterClrMapping/>
+  </p:clrMapOvr>
+  <p:timing>
+    <p:tnLst>
+      <p:par>
+        <p:cTn id="1" dur="indefinite" restart="never" nodeType="tmRoot"/>
+      </p:par>
+    </p:tnLst>
+  </p:timing>
+</p:sld>
+</file>
+
+<file path=ppt/slides/slide7.xml><?xml version="1.0" encoding="utf-8"?>
+<p:sld xmlns:a="http://schemas.openxmlformats.org/drawingml/2006/main" xmlns:r="http://schemas.openxmlformats.org/officeDocument/2006/relationships" xmlns:p="http://schemas.openxmlformats.org/presentationml/2006/main">
+  <p:cSld>
+    <p:spTree>
+      <p:nvGrpSpPr>
+        <p:cNvPr id="1" name=""/>
+        <p:cNvGrpSpPr/>
+        <p:nvPr/>
+      </p:nvGrpSpPr>
+      <p:grpSpPr>
+        <a:xfrm>
+          <a:off x="0" y="0"/>
+          <a:ext cx="0" cy="0"/>
+          <a:chOff x="0" y="0"/>
+          <a:chExt cx="0" cy="0"/>
+        </a:xfrm>
+      </p:grpSpPr>
+      <p:sp>
+        <p:nvSpPr>
           <p:cNvPr id="2" name="標題 1">
             <a:extLst>
               <a:ext uri="{FF2B5EF4-FFF2-40B4-BE49-F238E27FC236}">
-                <a16:creationId xmlns="" xmlns:a16="http://schemas.microsoft.com/office/drawing/2014/main" id="{408CB574-E5AE-A3BF-1956-13019A8006C3}"/>
+                <a16:creationId xmlns:a16="http://schemas.microsoft.com/office/drawing/2014/main" xmlns="" id="{408CB574-E5AE-A3BF-1956-13019A8006C3}"/>
               </a:ext>
             </a:extLst>
           </p:cNvPr>
@@ -8714,7 +13684,7 @@
           <p:cNvPr id="3" name="內容版面配置區 2">
             <a:extLst>
               <a:ext uri="{FF2B5EF4-FFF2-40B4-BE49-F238E27FC236}">
-                <a16:creationId xmlns="" xmlns:a16="http://schemas.microsoft.com/office/drawing/2014/main" id="{022930BF-0E8F-3D11-3FA6-5E6463CF0757}"/>
+                <a16:creationId xmlns:a16="http://schemas.microsoft.com/office/drawing/2014/main" xmlns="" id="{022930BF-0E8F-3D11-3FA6-5E6463CF0757}"/>
               </a:ext>
             </a:extLst>
           </p:cNvPr>
@@ -8739,7 +13709,7 @@
           <p:cNvPr id="7" name="圖片 6">
             <a:extLst>
               <a:ext uri="{FF2B5EF4-FFF2-40B4-BE49-F238E27FC236}">
-                <a16:creationId xmlns="" xmlns:a16="http://schemas.microsoft.com/office/drawing/2014/main" id="{02D39684-3579-A68C-CCD9-2BBBB5E07AFB}"/>
+                <a16:creationId xmlns:a16="http://schemas.microsoft.com/office/drawing/2014/main" xmlns="" id="{02D39684-3579-A68C-CCD9-2BBBB5E07AFB}"/>
               </a:ext>
             </a:extLst>
           </p:cNvPr>
@@ -8767,7 +13737,7 @@
     </p:spTree>
     <p:extLst>
       <p:ext uri="{BB962C8B-B14F-4D97-AF65-F5344CB8AC3E}">
-        <p14:creationId xmlns="" xmlns:p14="http://schemas.microsoft.com/office/powerpoint/2010/main" val="1725175280"/>
+        <p14:creationId xmlns:p14="http://schemas.microsoft.com/office/powerpoint/2010/main" xmlns="" val="1725175280"/>
       </p:ext>
     </p:extLst>
   </p:cSld>
@@ -8784,7 +13754,7 @@
 </p:sld>
 </file>
 
-<file path=ppt/slides/slide7.xml><?xml version="1.0" encoding="utf-8"?>
+<file path=ppt/slides/slide8.xml><?xml version="1.0" encoding="utf-8"?>
 <p:sld xmlns:a="http://schemas.openxmlformats.org/drawingml/2006/main" xmlns:r="http://schemas.openxmlformats.org/officeDocument/2006/relationships" xmlns:p="http://schemas.openxmlformats.org/presentationml/2006/main">
   <p:cSld>
     <p:spTree>
@@ -9355,7 +14325,18 @@
           <p:nvPr/>
         </p:nvPicPr>
         <p:blipFill>
-          <a:blip r:embed="rId3"/>
+          <a:blip r:embed="rId3">
+            <a:clrChange>
+              <a:clrFrom>
+                <a:srgbClr val="FFFFFF"/>
+              </a:clrFrom>
+              <a:clrTo>
+                <a:srgbClr val="FFFFFF">
+                  <a:alpha val="0"/>
+                </a:srgbClr>
+              </a:clrTo>
+            </a:clrChange>
+          </a:blip>
           <a:srcRect/>
           <a:stretch>
             <a:fillRect/>
@@ -9363,7 +14344,7 @@
         </p:blipFill>
         <p:spPr bwMode="auto">
           <a:xfrm>
-            <a:off x="-4305" y="4344302"/>
+            <a:off x="0" y="4344272"/>
             <a:ext cx="12165264" cy="1830336"/>
           </a:xfrm>
           <a:prstGeom prst="rect">
@@ -9394,7 +14375,7 @@
 </p:sld>
 </file>
 
-<file path=ppt/slides/slide8.xml><?xml version="1.0" encoding="utf-8"?>
+<file path=ppt/slides/slide9.xml><?xml version="1.0" encoding="utf-8"?>
 <p:sld xmlns:a="http://schemas.openxmlformats.org/drawingml/2006/main" xmlns:r="http://schemas.openxmlformats.org/officeDocument/2006/relationships" xmlns:p="http://schemas.openxmlformats.org/presentationml/2006/main">
   <p:cSld>
     <p:spTree>
@@ -9416,7 +14397,7 @@
           <p:cNvPr id="2" name="標題 1">
             <a:extLst>
               <a:ext uri="{FF2B5EF4-FFF2-40B4-BE49-F238E27FC236}">
-                <a16:creationId xmlns="" xmlns:a16="http://schemas.microsoft.com/office/drawing/2014/main" id="{408CB574-E5AE-A3BF-1956-13019A8006C3}"/>
+                <a16:creationId xmlns:a16="http://schemas.microsoft.com/office/drawing/2014/main" xmlns="" id="{408CB574-E5AE-A3BF-1956-13019A8006C3}"/>
               </a:ext>
             </a:extLst>
           </p:cNvPr>
@@ -9456,7 +14437,7 @@
           <p:cNvPr id="3" name="內容版面配置區 2">
             <a:extLst>
               <a:ext uri="{FF2B5EF4-FFF2-40B4-BE49-F238E27FC236}">
-                <a16:creationId xmlns="" xmlns:a16="http://schemas.microsoft.com/office/drawing/2014/main" id="{022930BF-0E8F-3D11-3FA6-5E6463CF0757}"/>
+                <a16:creationId xmlns:a16="http://schemas.microsoft.com/office/drawing/2014/main" xmlns="" id="{022930BF-0E8F-3D11-3FA6-5E6463CF0757}"/>
               </a:ext>
             </a:extLst>
           </p:cNvPr>
@@ -9968,7 +14949,7 @@
                     <a:p>
                       <a:pPr algn="ctr" fontAlgn="ctr"/>
                       <a:r>
-                        <a:rPr lang="zh-TW" altLang="en-US" sz="1600" b="0" i="0" u="none" strike="noStrike">
+                        <a:rPr lang="zh-TW" altLang="en-US" sz="1600" b="0" i="0" u="none" strike="noStrike" dirty="0">
                           <a:solidFill>
                             <a:srgbClr val="000000"/>
                           </a:solidFill>
@@ -9977,7 +14958,7 @@
                         <a:t>數位</a:t>
                       </a:r>
                       <a:r>
-                        <a:rPr lang="en-US" sz="1600" b="0" i="0" u="none" strike="noStrike">
+                        <a:rPr lang="en-US" sz="1600" b="0" i="0" u="none" strike="noStrike" dirty="0">
                           <a:solidFill>
                             <a:srgbClr val="000000"/>
                           </a:solidFill>
@@ -10330,7 +15311,7 @@
                     <a:p>
                       <a:pPr algn="ctr" fontAlgn="ctr"/>
                       <a:r>
-                        <a:rPr lang="zh-TW" altLang="en-US" sz="1600" b="0" i="0" u="none" strike="noStrike">
+                        <a:rPr lang="zh-TW" altLang="en-US" sz="1600" b="0" i="0" u="none" strike="noStrike" dirty="0">
                           <a:solidFill>
                             <a:srgbClr val="000000"/>
                           </a:solidFill>
@@ -10339,7 +15320,7 @@
                         <a:t>數位</a:t>
                       </a:r>
                       <a:r>
-                        <a:rPr lang="en-US" sz="1600" b="0" i="0" u="none" strike="noStrike">
+                        <a:rPr lang="en-US" sz="1600" b="0" i="0" u="none" strike="noStrike" dirty="0">
                           <a:solidFill>
                             <a:srgbClr val="000000"/>
                           </a:solidFill>
@@ -10348,7 +15329,7 @@
                         <a:t>Hall</a:t>
                       </a:r>
                       <a:r>
-                        <a:rPr lang="zh-TW" altLang="en-US" sz="1600" b="0" i="0" u="none" strike="noStrike">
+                        <a:rPr lang="zh-TW" altLang="en-US" sz="1600" b="0" i="0" u="none" strike="noStrike" dirty="0">
                           <a:solidFill>
                             <a:srgbClr val="000000"/>
                           </a:solidFill>
@@ -10757,7 +15738,7 @@
                     <a:p>
                       <a:pPr algn="ctr" fontAlgn="ctr"/>
                       <a:r>
-                        <a:rPr lang="en-US" sz="1600" b="0" i="0" u="none" strike="noStrike">
+                        <a:rPr lang="en-US" sz="1600" b="0" i="0" u="none" strike="noStrike" dirty="0">
                           <a:solidFill>
                             <a:srgbClr val="000000"/>
                           </a:solidFill>
@@ -10816,7 +15797,7 @@
                     <a:p>
                       <a:pPr algn="ctr" fontAlgn="ctr"/>
                       <a:r>
-                        <a:rPr lang="en-US" sz="1600" b="0" i="0" u="none" strike="noStrike">
+                        <a:rPr lang="en-US" sz="1600" b="0" i="0" u="none" strike="noStrike" dirty="0">
                           <a:solidFill>
                             <a:srgbClr val="000000"/>
                           </a:solidFill>
@@ -11775,7 +16756,7 @@
                     <a:p>
                       <a:pPr algn="l" fontAlgn="ctr"/>
                       <a:r>
-                        <a:rPr lang="zh-TW" altLang="en-US" sz="1600" b="0" i="0" u="none" strike="noStrike">
+                        <a:rPr lang="zh-TW" altLang="en-US" sz="1600" b="0" i="0" u="none" strike="noStrike" dirty="0">
                           <a:solidFill>
                             <a:srgbClr val="000000"/>
                           </a:solidFill>
@@ -11973,140 +16954,9 @@
     </p:spTree>
     <p:extLst>
       <p:ext uri="{BB962C8B-B14F-4D97-AF65-F5344CB8AC3E}">
-        <p14:creationId xmlns="" xmlns:p14="http://schemas.microsoft.com/office/powerpoint/2010/main" val="3870043132"/>
+        <p14:creationId xmlns:p14="http://schemas.microsoft.com/office/powerpoint/2010/main" xmlns="" val="3870043132"/>
       </p:ext>
     </p:extLst>
-  </p:cSld>
-  <p:clrMapOvr>
-    <a:masterClrMapping/>
-  </p:clrMapOvr>
-  <p:timing>
-    <p:tnLst>
-      <p:par>
-        <p:cTn id="1" dur="indefinite" restart="never" nodeType="tmRoot"/>
-      </p:par>
-    </p:tnLst>
-  </p:timing>
-</p:sld>
-</file>
-
-<file path=ppt/slides/slide9.xml><?xml version="1.0" encoding="utf-8"?>
-<p:sld xmlns:a="http://schemas.openxmlformats.org/drawingml/2006/main" xmlns:r="http://schemas.openxmlformats.org/officeDocument/2006/relationships" xmlns:p="http://schemas.openxmlformats.org/presentationml/2006/main">
-  <p:cSld>
-    <p:spTree>
-      <p:nvGrpSpPr>
-        <p:cNvPr id="1" name=""/>
-        <p:cNvGrpSpPr/>
-        <p:nvPr/>
-      </p:nvGrpSpPr>
-      <p:grpSpPr>
-        <a:xfrm>
-          <a:off x="0" y="0"/>
-          <a:ext cx="0" cy="0"/>
-          <a:chOff x="0" y="0"/>
-          <a:chExt cx="0" cy="0"/>
-        </a:xfrm>
-      </p:grpSpPr>
-      <p:sp>
-        <p:nvSpPr>
-          <p:cNvPr id="2" name="標題 1"/>
-          <p:cNvSpPr>
-            <a:spLocks noGrp="1"/>
-          </p:cNvSpPr>
-          <p:nvPr>
-            <p:ph type="title"/>
-          </p:nvPr>
-        </p:nvSpPr>
-        <p:spPr/>
-        <p:txBody>
-          <a:bodyPr/>
-          <a:lstStyle/>
-          <a:p>
-            <a:pPr algn="ctr"/>
-            <a:r>
-              <a:rPr lang="en-US" altLang="zh-TW" dirty="0" smtClean="0"/>
-              <a:t>E1</a:t>
-            </a:r>
-            <a:r>
-              <a:rPr lang="zh-TW" altLang="en-US" dirty="0" smtClean="0"/>
-              <a:t>系列驅動器與編碼器轉換盒的搭配</a:t>
-            </a:r>
-            <a:r>
-              <a:rPr lang="en-US" altLang="zh-TW" dirty="0" smtClean="0"/>
-              <a:t>_2</a:t>
-            </a:r>
-            <a:br>
-              <a:rPr lang="en-US" altLang="zh-TW" dirty="0" smtClean="0"/>
-            </a:br>
-            <a:r>
-              <a:rPr lang="en-US" altLang="zh-TW" sz="3200" dirty="0" smtClean="0"/>
-              <a:t>(</a:t>
-            </a:r>
-            <a:r>
-              <a:rPr lang="zh-TW" altLang="en-US" sz="3200" dirty="0" smtClean="0"/>
-              <a:t>以伺服馬達為例</a:t>
-            </a:r>
-            <a:r>
-              <a:rPr lang="en-US" altLang="zh-TW" sz="3200" dirty="0" smtClean="0"/>
-              <a:t>)</a:t>
-            </a:r>
-            <a:endParaRPr lang="zh-TW" altLang="en-US" sz="3200" dirty="0"/>
-          </a:p>
-        </p:txBody>
-      </p:sp>
-      <p:sp>
-        <p:nvSpPr>
-          <p:cNvPr id="3" name="內容版面配置區 2"/>
-          <p:cNvSpPr>
-            <a:spLocks noGrp="1"/>
-          </p:cNvSpPr>
-          <p:nvPr>
-            <p:ph idx="1"/>
-          </p:nvPr>
-        </p:nvSpPr>
-        <p:spPr/>
-        <p:txBody>
-          <a:bodyPr/>
-          <a:lstStyle/>
-          <a:p>
-            <a:endParaRPr lang="zh-TW" altLang="en-US"/>
-          </a:p>
-        </p:txBody>
-      </p:sp>
-      <p:pic>
-        <p:nvPicPr>
-          <p:cNvPr id="33795" name="Picture 3"/>
-          <p:cNvPicPr>
-            <a:picLocks noChangeAspect="1" noChangeArrowheads="1"/>
-          </p:cNvPicPr>
-          <p:nvPr/>
-        </p:nvPicPr>
-        <p:blipFill>
-          <a:blip r:embed="rId3"/>
-          <a:srcRect/>
-          <a:stretch>
-            <a:fillRect/>
-          </a:stretch>
-        </p:blipFill>
-        <p:spPr bwMode="auto">
-          <a:xfrm>
-            <a:off x="-1" y="1821095"/>
-            <a:ext cx="12174115" cy="4347482"/>
-          </a:xfrm>
-          <a:prstGeom prst="rect">
-            <a:avLst/>
-          </a:prstGeom>
-          <a:noFill/>
-          <a:ln w="9525">
-            <a:noFill/>
-            <a:miter lim="800000"/>
-            <a:headEnd/>
-            <a:tailEnd/>
-          </a:ln>
-          <a:effectLst/>
-        </p:spPr>
-      </p:pic>
-    </p:spTree>
   </p:cSld>
   <p:clrMapOvr>
     <a:masterClrMapping/>
@@ -12410,7 +17260,7 @@
   <a:extraClrSchemeLst/>
   <a:extLst>
     <a:ext uri="{05A4C25C-085E-4340-85A3-A5531E510DB2}">
-      <thm15:themeFamily xmlns="" xmlns:thm15="http://schemas.microsoft.com/office/thememl/2012/main" name="Office Theme" id="{62F939B6-93AF-4DB8-9C6B-D6C7DFDC589F}" vid="{4A3C46E8-61CC-4603-A589-7422A47A8E4A}"/>
+      <thm15:themeFamily xmlns:thm15="http://schemas.microsoft.com/office/thememl/2012/main" xmlns="" name="Office Theme" id="{62F939B6-93AF-4DB8-9C6B-D6C7DFDC589F}" vid="{4A3C46E8-61CC-4603-A589-7422A47A8E4A}"/>
     </a:ext>
   </a:extLst>
 </a:theme>
@@ -12705,7 +17555,7 @@
   <a:extraClrSchemeLst/>
   <a:extLst>
     <a:ext uri="{05A4C25C-085E-4340-85A3-A5531E510DB2}">
-      <thm15:themeFamily xmlns="" xmlns:thm15="http://schemas.microsoft.com/office/thememl/2012/main" name="Office Theme" id="{62F939B6-93AF-4DB8-9C6B-D6C7DFDC589F}" vid="{4A3C46E8-61CC-4603-A589-7422A47A8E4A}"/>
+      <thm15:themeFamily xmlns:thm15="http://schemas.microsoft.com/office/thememl/2012/main" xmlns="" name="Office Theme" id="{62F939B6-93AF-4DB8-9C6B-D6C7DFDC589F}" vid="{4A3C46E8-61CC-4603-A589-7422A47A8E4A}"/>
     </a:ext>
   </a:extLst>
 </a:theme>

--- a/產品簡介.pptx
+++ b/產品簡介.pptx
@@ -5,7 +5,7 @@
     <p:sldMasterId id="2147483796" r:id="rId1"/>
   </p:sldMasterIdLst>
   <p:notesMasterIdLst>
-    <p:notesMasterId r:id="rId24"/>
+    <p:notesMasterId r:id="rId25"/>
   </p:notesMasterIdLst>
   <p:sldIdLst>
     <p:sldId id="256" r:id="rId2"/>
@@ -28,8 +28,9 @@
     <p:sldId id="282" r:id="rId19"/>
     <p:sldId id="278" r:id="rId20"/>
     <p:sldId id="280" r:id="rId21"/>
-    <p:sldId id="267" r:id="rId22"/>
-    <p:sldId id="271" r:id="rId23"/>
+    <p:sldId id="283" r:id="rId22"/>
+    <p:sldId id="267" r:id="rId23"/>
+    <p:sldId id="271" r:id="rId24"/>
   </p:sldIdLst>
   <p:sldSz cx="12192000" cy="6858000"/>
   <p:notesSz cx="6858000" cy="9144000"/>
@@ -1901,6 +1902,88 @@
               <a:rPr lang="zh-TW" altLang="en-US" smtClean="0"/>
               <a:pPr/>
               <a:t>20</a:t>
+            </a:fld>
+            <a:endParaRPr lang="zh-TW" altLang="en-US"/>
+          </a:p>
+        </p:txBody>
+      </p:sp>
+    </p:spTree>
+  </p:cSld>
+  <p:clrMapOvr>
+    <a:masterClrMapping/>
+  </p:clrMapOvr>
+</p:notes>
+</file>
+
+<file path=ppt/notesSlides/notesSlide16.xml><?xml version="1.0" encoding="utf-8"?>
+<p:notes xmlns:a="http://schemas.openxmlformats.org/drawingml/2006/main" xmlns:r="http://schemas.openxmlformats.org/officeDocument/2006/relationships" xmlns:p="http://schemas.openxmlformats.org/presentationml/2006/main">
+  <p:cSld>
+    <p:spTree>
+      <p:nvGrpSpPr>
+        <p:cNvPr id="1" name=""/>
+        <p:cNvGrpSpPr/>
+        <p:nvPr/>
+      </p:nvGrpSpPr>
+      <p:grpSpPr>
+        <a:xfrm>
+          <a:off x="0" y="0"/>
+          <a:ext cx="0" cy="0"/>
+          <a:chOff x="0" y="0"/>
+          <a:chExt cx="0" cy="0"/>
+        </a:xfrm>
+      </p:grpSpPr>
+      <p:sp>
+        <p:nvSpPr>
+          <p:cNvPr id="2" name="投影片圖像版面配置區 1"/>
+          <p:cNvSpPr>
+            <a:spLocks noGrp="1" noRot="1" noChangeAspect="1"/>
+          </p:cNvSpPr>
+          <p:nvPr>
+            <p:ph type="sldImg"/>
+          </p:nvPr>
+        </p:nvSpPr>
+        <p:spPr/>
+      </p:sp>
+      <p:sp>
+        <p:nvSpPr>
+          <p:cNvPr id="3" name="備忘稿版面配置區 2"/>
+          <p:cNvSpPr>
+            <a:spLocks noGrp="1"/>
+          </p:cNvSpPr>
+          <p:nvPr>
+            <p:ph type="body" idx="1"/>
+          </p:nvPr>
+        </p:nvSpPr>
+        <p:spPr/>
+        <p:txBody>
+          <a:bodyPr>
+            <a:normAutofit/>
+          </a:bodyPr>
+          <a:lstStyle/>
+          <a:p>
+            <a:endParaRPr lang="zh-TW" altLang="en-US" dirty="0"/>
+          </a:p>
+        </p:txBody>
+      </p:sp>
+      <p:sp>
+        <p:nvSpPr>
+          <p:cNvPr id="4" name="投影片編號版面配置區 3"/>
+          <p:cNvSpPr>
+            <a:spLocks noGrp="1"/>
+          </p:cNvSpPr>
+          <p:nvPr>
+            <p:ph type="sldNum" sz="quarter" idx="10"/>
+          </p:nvPr>
+        </p:nvSpPr>
+        <p:spPr/>
+        <p:txBody>
+          <a:bodyPr/>
+          <a:lstStyle/>
+          <a:p>
+            <a:fld id="{6405AE01-4B17-41A2-8DBD-55D0BF9841DD}" type="slidenum">
+              <a:rPr lang="zh-TW" altLang="en-US" smtClean="0"/>
+              <a:pPr/>
+              <a:t>21</a:t>
             </a:fld>
             <a:endParaRPr lang="zh-TW" altLang="en-US"/>
           </a:p>
@@ -10199,11 +10282,7 @@
             <a:pPr algn="ctr"/>
             <a:r>
               <a:rPr lang="zh-TW" altLang="en-US" dirty="0" smtClean="0"/>
-              <a:t>電子齒輪</a:t>
-            </a:r>
-            <a:r>
-              <a:rPr lang="zh-TW" altLang="en-US" dirty="0" smtClean="0"/>
-              <a:t>比的應用</a:t>
+              <a:t>電子齒輪比的應用</a:t>
             </a:r>
             <a:endParaRPr lang="zh-TW" altLang="en-US" dirty="0"/>
           </a:p>
@@ -10257,15 +10336,7 @@
             </a:r>
             <a:r>
               <a:rPr lang="zh-TW" altLang="en-US" dirty="0" smtClean="0"/>
-              <a:t>，伺服</a:t>
-            </a:r>
-            <a:r>
-              <a:rPr lang="zh-TW" altLang="en-US" dirty="0" smtClean="0"/>
-              <a:t>馬達</a:t>
-            </a:r>
-            <a:r>
-              <a:rPr lang="zh-TW" altLang="en-US" dirty="0" smtClean="0"/>
-              <a:t>解析度為</a:t>
+              <a:t>，伺服馬達解析度為</a:t>
             </a:r>
             <a:r>
               <a:rPr lang="en-US" altLang="zh-TW" dirty="0" smtClean="0"/>
@@ -10278,11 +10349,7 @@
             </a:pPr>
             <a:r>
               <a:rPr lang="zh-TW" altLang="en-US" dirty="0" smtClean="0"/>
-              <a:t>則</a:t>
-            </a:r>
-            <a:r>
-              <a:rPr lang="zh-TW" altLang="en-US" dirty="0" smtClean="0"/>
-              <a:t>負載在一秒內移動</a:t>
+              <a:t>則負載在一秒內移動</a:t>
             </a:r>
             <a:r>
               <a:rPr lang="en-US" altLang="zh-TW" dirty="0" smtClean="0"/>
@@ -10290,11 +10357,7 @@
             </a:r>
             <a:r>
               <a:rPr lang="zh-TW" altLang="en-US" dirty="0" smtClean="0"/>
-              <a:t>，需要輸入多少脈</a:t>
-            </a:r>
-            <a:r>
-              <a:rPr lang="zh-TW" altLang="en-US" dirty="0" smtClean="0"/>
-              <a:t>波</a:t>
+              <a:t>，需要輸入多少脈波</a:t>
             </a:r>
             <a:r>
               <a:rPr lang="en-US" altLang="zh-TW" dirty="0" smtClean="0"/>
@@ -10355,11 +10418,7 @@
             </a:pPr>
             <a:r>
               <a:rPr lang="zh-TW" altLang="en-US" dirty="0" smtClean="0"/>
-              <a:t>減速比</a:t>
-            </a:r>
-            <a:r>
-              <a:rPr lang="zh-TW" altLang="en-US" dirty="0" smtClean="0"/>
-              <a:t>為</a:t>
+              <a:t>減速比為</a:t>
             </a:r>
             <a:r>
               <a:rPr lang="en-US" altLang="zh-TW" dirty="0" smtClean="0"/>
@@ -10469,11 +10528,7 @@
             </a:r>
             <a:r>
               <a:rPr lang="en-US" altLang="zh-TW" dirty="0" smtClean="0"/>
-              <a:t>0.001 </a:t>
-            </a:r>
-            <a:r>
-              <a:rPr lang="en-US" altLang="zh-TW" dirty="0" smtClean="0"/>
-              <a:t>mm</a:t>
+              <a:t>0.001 mm</a:t>
             </a:r>
           </a:p>
           <a:p>
@@ -10482,11 +10537,7 @@
             </a:pPr>
             <a:r>
               <a:rPr lang="zh-TW" altLang="en-US" dirty="0" smtClean="0"/>
-              <a:t>則只需</a:t>
-            </a:r>
-            <a:r>
-              <a:rPr lang="zh-TW" altLang="en-US" dirty="0" smtClean="0"/>
-              <a:t>要</a:t>
+              <a:t>則只需要</a:t>
             </a:r>
             <a:r>
               <a:rPr lang="en-US" altLang="zh-TW" dirty="0" smtClean="0"/>
@@ -11244,11 +11295,7 @@
             <a:pPr algn="ctr"/>
             <a:r>
               <a:rPr lang="zh-TW" altLang="en-US" dirty="0" smtClean="0"/>
-              <a:t>軟</a:t>
-            </a:r>
-            <a:r>
-              <a:rPr lang="zh-TW" altLang="en-US" dirty="0" smtClean="0"/>
-              <a:t>起動</a:t>
+              <a:t>軟起動</a:t>
             </a:r>
             <a:r>
               <a:rPr lang="en-US" altLang="zh-TW" dirty="0" smtClean="0"/>
@@ -11256,11 +11303,7 @@
             </a:r>
             <a:r>
               <a:rPr lang="en-US" dirty="0" smtClean="0"/>
-              <a:t>Soft </a:t>
-            </a:r>
-            <a:r>
-              <a:rPr lang="en-US" dirty="0" smtClean="0"/>
-              <a:t>Start</a:t>
+              <a:t>Soft Start</a:t>
             </a:r>
             <a:r>
               <a:rPr lang="en-US" altLang="zh-TW" dirty="0" smtClean="0"/>
@@ -11493,6 +11536,164 @@
           <a:bodyPr/>
           <a:lstStyle/>
           <a:p>
+            <a:pPr algn="ctr"/>
+            <a:r>
+              <a:rPr lang="zh-TW" altLang="en-US" dirty="0" smtClean="0"/>
+              <a:t>定位接近輸出 </a:t>
+            </a:r>
+            <a:r>
+              <a:rPr lang="en-US" altLang="zh-TW" dirty="0" smtClean="0"/>
+              <a:t>(NEAR) </a:t>
+            </a:r>
+            <a:r>
+              <a:rPr lang="zh-TW" altLang="en-US" dirty="0" smtClean="0"/>
+              <a:t>訊號</a:t>
+            </a:r>
+            <a:endParaRPr lang="zh-TW" altLang="en-US" dirty="0"/>
+          </a:p>
+        </p:txBody>
+      </p:sp>
+      <p:sp>
+        <p:nvSpPr>
+          <p:cNvPr id="3" name="內容版面配置區 2"/>
+          <p:cNvSpPr>
+            <a:spLocks noGrp="1"/>
+          </p:cNvSpPr>
+          <p:nvPr>
+            <p:ph idx="1"/>
+          </p:nvPr>
+        </p:nvSpPr>
+        <p:spPr>
+          <a:xfrm>
+            <a:off x="838200" y="1825625"/>
+            <a:ext cx="4411532" cy="4351338"/>
+          </a:xfrm>
+        </p:spPr>
+        <p:txBody>
+          <a:bodyPr/>
+          <a:lstStyle/>
+          <a:p>
+            <a:r>
+              <a:rPr lang="zh-TW" altLang="en-US" dirty="0" smtClean="0"/>
+              <a:t>當位置偏差小於</a:t>
+            </a:r>
+            <a:r>
+              <a:rPr lang="en-US" altLang="zh-TW" dirty="0" smtClean="0"/>
+              <a:t>NEAR</a:t>
+            </a:r>
+            <a:r>
+              <a:rPr lang="zh-TW" altLang="en-US" dirty="0" smtClean="0"/>
+              <a:t>訊號範圍 </a:t>
+            </a:r>
+            <a:r>
+              <a:rPr lang="en-US" altLang="zh-TW" dirty="0" smtClean="0"/>
+              <a:t>(Pt524) </a:t>
+            </a:r>
+            <a:r>
+              <a:rPr lang="zh-TW" altLang="en-US" dirty="0" smtClean="0"/>
+              <a:t>時，輸出定位接近輸出 </a:t>
+            </a:r>
+            <a:r>
+              <a:rPr lang="en-US" altLang="zh-TW" dirty="0" smtClean="0"/>
+              <a:t>(NEAR) </a:t>
+            </a:r>
+            <a:r>
+              <a:rPr lang="zh-TW" altLang="en-US" dirty="0" smtClean="0"/>
+              <a:t>訊號，通知上位控制器脈波命令已接近定位完成，可提前進行後續的運動規劃。</a:t>
+            </a:r>
+            <a:r>
+              <a:rPr lang="en-US" altLang="zh-TW" dirty="0" smtClean="0"/>
+              <a:t>NEAR</a:t>
+            </a:r>
+            <a:r>
+              <a:rPr lang="zh-TW" altLang="en-US" dirty="0" smtClean="0"/>
+              <a:t>訊號通常和定位完成輸出 </a:t>
+            </a:r>
+            <a:r>
+              <a:rPr lang="en-US" altLang="zh-TW" dirty="0" smtClean="0"/>
+              <a:t>(COIN) </a:t>
+            </a:r>
+            <a:r>
+              <a:rPr lang="zh-TW" altLang="en-US" dirty="0" smtClean="0"/>
+              <a:t>訊號搭配使用</a:t>
+            </a:r>
+            <a:endParaRPr lang="zh-TW" altLang="en-US" dirty="0"/>
+          </a:p>
+        </p:txBody>
+      </p:sp>
+      <p:pic>
+        <p:nvPicPr>
+          <p:cNvPr id="1029" name="Picture 5"/>
+          <p:cNvPicPr>
+            <a:picLocks noChangeAspect="1" noChangeArrowheads="1"/>
+          </p:cNvPicPr>
+          <p:nvPr/>
+        </p:nvPicPr>
+        <p:blipFill>
+          <a:blip r:embed="rId3"/>
+          <a:srcRect/>
+          <a:stretch>
+            <a:fillRect/>
+          </a:stretch>
+        </p:blipFill>
+        <p:spPr bwMode="auto">
+          <a:xfrm>
+            <a:off x="5468937" y="1833486"/>
+            <a:ext cx="6723063" cy="4400550"/>
+          </a:xfrm>
+          <a:prstGeom prst="rect">
+            <a:avLst/>
+          </a:prstGeom>
+          <a:noFill/>
+          <a:ln w="9525">
+            <a:noFill/>
+            <a:miter lim="800000"/>
+            <a:headEnd/>
+            <a:tailEnd/>
+          </a:ln>
+          <a:effectLst/>
+        </p:spPr>
+      </p:pic>
+    </p:spTree>
+  </p:cSld>
+  <p:clrMapOvr>
+    <a:masterClrMapping/>
+  </p:clrMapOvr>
+</p:sld>
+</file>
+
+<file path=ppt/slides/slide22.xml><?xml version="1.0" encoding="utf-8"?>
+<p:sld xmlns:a="http://schemas.openxmlformats.org/drawingml/2006/main" xmlns:r="http://schemas.openxmlformats.org/officeDocument/2006/relationships" xmlns:p="http://schemas.openxmlformats.org/presentationml/2006/main">
+  <p:cSld>
+    <p:spTree>
+      <p:nvGrpSpPr>
+        <p:cNvPr id="1" name=""/>
+        <p:cNvGrpSpPr/>
+        <p:nvPr/>
+      </p:nvGrpSpPr>
+      <p:grpSpPr>
+        <a:xfrm>
+          <a:off x="0" y="0"/>
+          <a:ext cx="0" cy="0"/>
+          <a:chOff x="0" y="0"/>
+          <a:chExt cx="0" cy="0"/>
+        </a:xfrm>
+      </p:grpSpPr>
+      <p:sp>
+        <p:nvSpPr>
+          <p:cNvPr id="2" name="標題 1"/>
+          <p:cNvSpPr>
+            <a:spLocks noGrp="1"/>
+          </p:cNvSpPr>
+          <p:nvPr>
+            <p:ph type="title"/>
+          </p:nvPr>
+        </p:nvSpPr>
+        <p:spPr/>
+        <p:txBody>
+          <a:bodyPr/>
+          <a:lstStyle/>
+          <a:p>
             <a:endParaRPr lang="zh-TW" altLang="en-US"/>
           </a:p>
         </p:txBody>
@@ -11546,7 +11747,7 @@
 </p:sld>
 </file>
 
-<file path=ppt/slides/slide22.xml><?xml version="1.0" encoding="utf-8"?>
+<file path=ppt/slides/slide23.xml><?xml version="1.0" encoding="utf-8"?>
 <p:sld xmlns:a="http://schemas.openxmlformats.org/drawingml/2006/main" xmlns:r="http://schemas.openxmlformats.org/officeDocument/2006/relationships" xmlns:p="http://schemas.openxmlformats.org/presentationml/2006/main">
   <p:cSld>
     <p:spTree>
